--- a/Telharmonium.pptx
+++ b/Telharmonium.pptx
@@ -1,20 +1,20 @@
 
 <file path=ppt/presentation.xml><?xml version="1.0" encoding="utf-8"?>
-<p:presentation xmlns:a="http://schemas.openxmlformats.org/drawingml/2006/main" xmlns:r="http://schemas.openxmlformats.org/officeDocument/2006/relationships" xmlns:p="http://schemas.openxmlformats.org/presentationml/2006/main" xmlns:m="http://schemas.openxmlformats.org/officeDocument/2006/math" xmlns:a14="http://schemas.microsoft.com/office/drawing/2010/main">
+<p:presentation xmlns:a="http://schemas.openxmlformats.org/drawingml/2006/main" xmlns:r="http://schemas.openxmlformats.org/officeDocument/2006/relationships" xmlns:p="http://schemas.openxmlformats.org/presentationml/2006/main">
   <p:sldMasterIdLst>
-    <p:sldMasterId id="2147483648" r:id="rId5"/>
+    <p:sldMasterId id="2147483648" r:id="rId1"/>
   </p:sldMasterIdLst>
   <p:notesMasterIdLst>
-    <p:notesMasterId r:id="rId7"/>
+    <p:notesMasterId r:id="rId9"/>
   </p:notesMasterIdLst>
   <p:sldIdLst>
-    <p:sldId id="256" r:id="rId8"/>
-    <p:sldId id="257" r:id="rId9"/>
-    <p:sldId id="258" r:id="rId10"/>
-    <p:sldId id="259" r:id="rId11"/>
-    <p:sldId id="260" r:id="rId12"/>
-    <p:sldId id="261" r:id="rId13"/>
-    <p:sldId id="262" r:id="rId14"/>
+    <p:sldId id="256" r:id="rId2"/>
+    <p:sldId id="257" r:id="rId3"/>
+    <p:sldId id="258" r:id="rId4"/>
+    <p:sldId id="259" r:id="rId5"/>
+    <p:sldId id="260" r:id="rId6"/>
+    <p:sldId id="261" r:id="rId7"/>
+    <p:sldId id="262" r:id="rId8"/>
   </p:sldIdLst>
   <p:sldSz cx="24384000" cy="13716000"/>
   <p:notesSz cx="6858000" cy="9144000"/>
@@ -34,7 +34,7 @@
       <a:buFontTx/>
       <a:buNone/>
       <a:tabLst/>
-      <a:defRPr b="0" baseline="0" cap="none" i="0" spc="0" strike="noStrike" sz="1800" u="none" kumimoji="0" normalizeH="0">
+      <a:defRPr kumimoji="0" sz="1800" b="0" i="0" u="none" strike="noStrike" cap="none" spc="0" normalizeH="0" baseline="0">
         <a:ln>
           <a:noFill/>
         </a:ln>
@@ -60,7 +60,7 @@
       <a:buFontTx/>
       <a:buNone/>
       <a:tabLst/>
-      <a:defRPr b="0" baseline="0" cap="none" i="0" spc="0" strike="noStrike" sz="2400" u="none" kumimoji="0" normalizeH="0">
+      <a:defRPr kumimoji="0" sz="2400" b="0" i="0" u="none" strike="noStrike" cap="none" spc="0" normalizeH="0" baseline="0">
         <a:ln>
           <a:noFill/>
         </a:ln>
@@ -90,7 +90,7 @@
       <a:buFontTx/>
       <a:buNone/>
       <a:tabLst/>
-      <a:defRPr b="0" baseline="0" cap="none" i="0" spc="0" strike="noStrike" sz="2400" u="none" kumimoji="0" normalizeH="0">
+      <a:defRPr kumimoji="0" sz="2400" b="0" i="0" u="none" strike="noStrike" cap="none" spc="0" normalizeH="0" baseline="0">
         <a:ln>
           <a:noFill/>
         </a:ln>
@@ -120,7 +120,7 @@
       <a:buFontTx/>
       <a:buNone/>
       <a:tabLst/>
-      <a:defRPr b="0" baseline="0" cap="none" i="0" spc="0" strike="noStrike" sz="2400" u="none" kumimoji="0" normalizeH="0">
+      <a:defRPr kumimoji="0" sz="2400" b="0" i="0" u="none" strike="noStrike" cap="none" spc="0" normalizeH="0" baseline="0">
         <a:ln>
           <a:noFill/>
         </a:ln>
@@ -150,7 +150,7 @@
       <a:buFontTx/>
       <a:buNone/>
       <a:tabLst/>
-      <a:defRPr b="0" baseline="0" cap="none" i="0" spc="0" strike="noStrike" sz="2400" u="none" kumimoji="0" normalizeH="0">
+      <a:defRPr kumimoji="0" sz="2400" b="0" i="0" u="none" strike="noStrike" cap="none" spc="0" normalizeH="0" baseline="0">
         <a:ln>
           <a:noFill/>
         </a:ln>
@@ -180,7 +180,7 @@
       <a:buFontTx/>
       <a:buNone/>
       <a:tabLst/>
-      <a:defRPr b="0" baseline="0" cap="none" i="0" spc="0" strike="noStrike" sz="2400" u="none" kumimoji="0" normalizeH="0">
+      <a:defRPr kumimoji="0" sz="2400" b="0" i="0" u="none" strike="noStrike" cap="none" spc="0" normalizeH="0" baseline="0">
         <a:ln>
           <a:noFill/>
         </a:ln>
@@ -210,7 +210,7 @@
       <a:buFontTx/>
       <a:buNone/>
       <a:tabLst/>
-      <a:defRPr b="0" baseline="0" cap="none" i="0" spc="0" strike="noStrike" sz="2400" u="none" kumimoji="0" normalizeH="0">
+      <a:defRPr kumimoji="0" sz="2400" b="0" i="0" u="none" strike="noStrike" cap="none" spc="0" normalizeH="0" baseline="0">
         <a:ln>
           <a:noFill/>
         </a:ln>
@@ -240,7 +240,7 @@
       <a:buFontTx/>
       <a:buNone/>
       <a:tabLst/>
-      <a:defRPr b="0" baseline="0" cap="none" i="0" spc="0" strike="noStrike" sz="2400" u="none" kumimoji="0" normalizeH="0">
+      <a:defRPr kumimoji="0" sz="2400" b="0" i="0" u="none" strike="noStrike" cap="none" spc="0" normalizeH="0" baseline="0">
         <a:ln>
           <a:noFill/>
         </a:ln>
@@ -270,7 +270,7 @@
       <a:buFontTx/>
       <a:buNone/>
       <a:tabLst/>
-      <a:defRPr b="0" baseline="0" cap="none" i="0" spc="0" strike="noStrike" sz="2400" u="none" kumimoji="0" normalizeH="0">
+      <a:defRPr kumimoji="0" sz="2400" b="0" i="0" u="none" strike="noStrike" cap="none" spc="0" normalizeH="0" baseline="0">
         <a:ln>
           <a:noFill/>
         </a:ln>
@@ -300,7 +300,7 @@
       <a:buFontTx/>
       <a:buNone/>
       <a:tabLst/>
-      <a:defRPr b="0" baseline="0" cap="none" i="0" spc="0" strike="noStrike" sz="2400" u="none" kumimoji="0" normalizeH="0">
+      <a:defRPr kumimoji="0" sz="2400" b="0" i="0" u="none" strike="noStrike" cap="none" spc="0" normalizeH="0" baseline="0">
         <a:ln>
           <a:noFill/>
         </a:ln>
@@ -316,16 +316,22 @@
       </a:defRPr>
     </a:lvl9pPr>
   </p:defaultTextStyle>
+  <p:extLst>
+    <p:ext uri="{EFAFB233-063F-42B5-8137-9DF3F51BA10A}">
+      <p15:sldGuideLst xmlns:p15="http://schemas.microsoft.com/office/powerpoint/2012/main"/>
+    </p:ext>
+  </p:extLst>
 </p:presentation>
 </file>
 
-<file path=ppt/commentAuthors.xml><?xml version="1.0" encoding="utf-8"?>
-<p:cmAuthorLst xmlns:a="http://schemas.openxmlformats.org/drawingml/2006/main" xmlns:r="http://schemas.openxmlformats.org/officeDocument/2006/relationships" xmlns:p="http://schemas.openxmlformats.org/presentationml/2006/main" xmlns:m="http://schemas.openxmlformats.org/officeDocument/2006/math" xmlns:a14="http://schemas.microsoft.com/office/drawing/2010/main"/>
-</file>
-
 <file path=ppt/notesMasters/notesMaster1.xml><?xml version="1.0" encoding="utf-8"?>
-<p:notesMaster xmlns:a="http://schemas.openxmlformats.org/drawingml/2006/main" xmlns:r="http://schemas.openxmlformats.org/officeDocument/2006/relationships" xmlns:p="http://schemas.openxmlformats.org/presentationml/2006/main" xmlns:m="http://schemas.openxmlformats.org/officeDocument/2006/math" xmlns:a14="http://schemas.microsoft.com/office/drawing/2010/main">
+<p:notesMaster xmlns:a="http://schemas.openxmlformats.org/drawingml/2006/main" xmlns:r="http://schemas.openxmlformats.org/officeDocument/2006/relationships" xmlns:p="http://schemas.openxmlformats.org/presentationml/2006/main">
   <p:cSld>
+    <p:bg>
+      <p:bgRef idx="1001">
+        <a:schemeClr val="bg1"/>
+      </p:bgRef>
+    </p:bg>
     <p:spTree>
       <p:nvGrpSpPr>
         <p:cNvPr id="1" name=""/>
@@ -343,7 +349,9 @@
       <p:sp>
         <p:nvSpPr>
           <p:cNvPr id="148" name="Shape 148"/>
-          <p:cNvSpPr/>
+          <p:cNvSpPr>
+            <a:spLocks noGrp="1" noRot="1" noChangeAspect="1"/>
+          </p:cNvSpPr>
           <p:nvPr>
             <p:ph type="sldImg"/>
           </p:nvPr>
@@ -361,14 +369,16 @@
           <a:bodyPr/>
           <a:lstStyle/>
           <a:p>
-            <a:pPr/>
+            <a:endParaRPr/>
           </a:p>
         </p:txBody>
       </p:sp>
       <p:sp>
         <p:nvSpPr>
           <p:cNvPr id="149" name="Shape 149"/>
-          <p:cNvSpPr/>
+          <p:cNvSpPr>
+            <a:spLocks noGrp="1"/>
+          </p:cNvSpPr>
           <p:nvPr>
             <p:ph type="body" sz="quarter" idx="1"/>
           </p:nvPr>
@@ -386,7 +396,7 @@
           <a:bodyPr/>
           <a:lstStyle/>
           <a:p>
-            <a:pPr/>
+            <a:endParaRPr/>
           </a:p>
         </p:txBody>
       </p:sp>
@@ -498,7 +508,7 @@
 </file>
 
 <file path=ppt/slideLayouts/slideLayout1.xml><?xml version="1.0" encoding="utf-8"?>
-<p:sldLayout xmlns:a="http://schemas.openxmlformats.org/drawingml/2006/main" xmlns:r="http://schemas.openxmlformats.org/officeDocument/2006/relationships" xmlns:p="http://schemas.openxmlformats.org/presentationml/2006/main" xmlns:m="http://schemas.openxmlformats.org/officeDocument/2006/math" xmlns:a14="http://schemas.microsoft.com/office/drawing/2010/main" type="title" showMasterSp="1" showMasterPhAnim="1">
+<p:sldLayout xmlns:a="http://schemas.openxmlformats.org/drawingml/2006/main" xmlns:r="http://schemas.openxmlformats.org/officeDocument/2006/relationships" xmlns:p="http://schemas.openxmlformats.org/presentationml/2006/main" type="title">
   <p:cSld name="Title">
     <p:spTree>
       <p:nvGrpSpPr>
@@ -517,7 +527,9 @@
       <p:sp>
         <p:nvSpPr>
           <p:cNvPr id="11" name="Author and Date"/>
-          <p:cNvSpPr txBox="1"/>
+          <p:cNvSpPr txBox="1">
+            <a:spLocks noGrp="1"/>
+          </p:cNvSpPr>
           <p:nvPr>
             <p:ph type="body" sz="quarter" idx="21" hasCustomPrompt="1"/>
           </p:nvPr>
@@ -543,11 +555,10 @@
               </a:spcBef>
               <a:buSzTx/>
               <a:buNone/>
-              <a:defRPr b="1" sz="3600"/>
+              <a:defRPr sz="3600" b="1"/>
             </a:lvl1pPr>
           </a:lstStyle>
           <a:p>
-            <a:pPr/>
             <a:r>
               <a:t>Author and Date</a:t>
             </a:r>
@@ -557,7 +568,9 @@
       <p:sp>
         <p:nvSpPr>
           <p:cNvPr id="12" name="Presentation Title"/>
-          <p:cNvSpPr txBox="1"/>
+          <p:cNvSpPr txBox="1">
+            <a:spLocks noGrp="1"/>
+          </p:cNvSpPr>
           <p:nvPr>
             <p:ph type="title" hasCustomPrompt="1"/>
           </p:nvPr>
@@ -575,11 +588,10 @@
           <a:bodyPr anchor="b"/>
           <a:lstStyle>
             <a:lvl1pPr>
-              <a:defRPr spc="-232" sz="11600"/>
+              <a:defRPr sz="11600" spc="-232"/>
             </a:lvl1pPr>
           </a:lstStyle>
           <a:p>
-            <a:pPr/>
             <a:r>
               <a:t>Presentation Title</a:t>
             </a:r>
@@ -589,7 +601,9 @@
       <p:sp>
         <p:nvSpPr>
           <p:cNvPr id="13" name="Body Level One…"/>
-          <p:cNvSpPr txBox="1"/>
+          <p:cNvSpPr txBox="1">
+            <a:spLocks noGrp="1"/>
+          </p:cNvSpPr>
           <p:nvPr>
             <p:ph type="body" sz="quarter" idx="1" hasCustomPrompt="1"/>
           </p:nvPr>
@@ -615,7 +629,7 @@
               </a:spcBef>
               <a:buSzTx/>
               <a:buNone/>
-              <a:defRPr b="1" sz="5500"/>
+              <a:defRPr sz="5500" b="1"/>
             </a:lvl1pPr>
             <a:lvl2pPr marL="0" indent="457200" defTabSz="825500">
               <a:lnSpc>
@@ -626,7 +640,7 @@
               </a:spcBef>
               <a:buSzTx/>
               <a:buNone/>
-              <a:defRPr b="1" sz="5500"/>
+              <a:defRPr sz="5500" b="1"/>
             </a:lvl2pPr>
             <a:lvl3pPr marL="0" indent="914400" defTabSz="825500">
               <a:lnSpc>
@@ -637,7 +651,7 @@
               </a:spcBef>
               <a:buSzTx/>
               <a:buNone/>
-              <a:defRPr b="1" sz="5500"/>
+              <a:defRPr sz="5500" b="1"/>
             </a:lvl3pPr>
             <a:lvl4pPr marL="0" indent="1371600" defTabSz="825500">
               <a:lnSpc>
@@ -648,7 +662,7 @@
               </a:spcBef>
               <a:buSzTx/>
               <a:buNone/>
-              <a:defRPr b="1" sz="5500"/>
+              <a:defRPr sz="5500" b="1"/>
             </a:lvl4pPr>
             <a:lvl5pPr marL="0" indent="1828800" defTabSz="825500">
               <a:lnSpc>
@@ -659,45 +673,38 @@
               </a:spcBef>
               <a:buSzTx/>
               <a:buNone/>
-              <a:defRPr b="1" sz="5500"/>
+              <a:defRPr sz="5500" b="1"/>
             </a:lvl5pPr>
           </a:lstStyle>
           <a:p>
-            <a:pPr/>
             <a:r>
               <a:t>Presentation Subtitle</a:t>
             </a:r>
           </a:p>
           <a:p>
             <a:pPr lvl="1"/>
-            <a:r>
-              <a:t/>
-            </a:r>
+            <a:endParaRPr/>
           </a:p>
           <a:p>
             <a:pPr lvl="2"/>
-            <a:r>
-              <a:t/>
-            </a:r>
+            <a:endParaRPr/>
           </a:p>
           <a:p>
             <a:pPr lvl="3"/>
-            <a:r>
-              <a:t/>
-            </a:r>
+            <a:endParaRPr/>
           </a:p>
           <a:p>
             <a:pPr lvl="4"/>
-            <a:r>
-              <a:t/>
-            </a:r>
+            <a:endParaRPr/>
           </a:p>
         </p:txBody>
       </p:sp>
       <p:sp>
         <p:nvSpPr>
           <p:cNvPr id="14" name="Slide Number"/>
-          <p:cNvSpPr txBox="1"/>
+          <p:cNvSpPr txBox="1">
+            <a:spLocks noGrp="1"/>
+          </p:cNvSpPr>
           <p:nvPr>
             <p:ph type="sldNum" sz="quarter" idx="2"/>
           </p:nvPr>
@@ -715,8 +722,10 @@
           <a:bodyPr/>
           <a:lstStyle/>
           <a:p>
-            <a:pPr/>
-            <a:fld id="{86CB4B4D-7CA3-9044-876B-883B54F8677D}" type="slidenum"/>
+            <a:fld id="{86CB4B4D-7CA3-9044-876B-883B54F8677D}" type="slidenum">
+              <a:t>‹#›</a:t>
+            </a:fld>
+            <a:endParaRPr/>
           </a:p>
         </p:txBody>
       </p:sp>
@@ -725,12 +734,12 @@
   <p:clrMapOvr>
     <a:masterClrMapping/>
   </p:clrMapOvr>
-  <p:transition xmlns:p14="http://schemas.microsoft.com/office/powerpoint/2010/main" spd="med" advClick="1"/>
+  <p:transition spd="med"/>
 </p:sldLayout>
 </file>
 
 <file path=ppt/slideLayouts/slideLayout10.xml><?xml version="1.0" encoding="utf-8"?>
-<p:sldLayout xmlns:a="http://schemas.openxmlformats.org/drawingml/2006/main" xmlns:r="http://schemas.openxmlformats.org/officeDocument/2006/relationships" xmlns:p="http://schemas.openxmlformats.org/presentationml/2006/main" xmlns:m="http://schemas.openxmlformats.org/officeDocument/2006/math" xmlns:a14="http://schemas.microsoft.com/office/drawing/2010/main" type="tx" showMasterSp="1" showMasterPhAnim="1">
+<p:sldLayout xmlns:a="http://schemas.openxmlformats.org/drawingml/2006/main" xmlns:r="http://schemas.openxmlformats.org/officeDocument/2006/relationships" xmlns:p="http://schemas.openxmlformats.org/presentationml/2006/main" type="tx">
   <p:cSld name="Statement">
     <p:spTree>
       <p:nvGrpSpPr>
@@ -749,7 +758,9 @@
       <p:sp>
         <p:nvSpPr>
           <p:cNvPr id="98" name="Body Level One…"/>
-          <p:cNvSpPr txBox="1"/>
+          <p:cNvSpPr txBox="1">
+            <a:spLocks noGrp="1"/>
+          </p:cNvSpPr>
           <p:nvPr>
             <p:ph type="body" sz="half" idx="1" hasCustomPrompt="1"/>
           </p:nvPr>
@@ -775,7 +786,7 @@
               </a:spcBef>
               <a:buSzTx/>
               <a:buNone/>
-              <a:defRPr spc="-232" sz="11600">
+              <a:defRPr sz="11600" spc="-232">
                 <a:latin typeface="Helvetica Neue Medium"/>
                 <a:ea typeface="Helvetica Neue Medium"/>
                 <a:cs typeface="Helvetica Neue Medium"/>
@@ -791,7 +802,7 @@
               </a:spcBef>
               <a:buSzTx/>
               <a:buNone/>
-              <a:defRPr spc="-232" sz="11600">
+              <a:defRPr sz="11600" spc="-232">
                 <a:latin typeface="Helvetica Neue Medium"/>
                 <a:ea typeface="Helvetica Neue Medium"/>
                 <a:cs typeface="Helvetica Neue Medium"/>
@@ -807,7 +818,7 @@
               </a:spcBef>
               <a:buSzTx/>
               <a:buNone/>
-              <a:defRPr spc="-232" sz="11600">
+              <a:defRPr sz="11600" spc="-232">
                 <a:latin typeface="Helvetica Neue Medium"/>
                 <a:ea typeface="Helvetica Neue Medium"/>
                 <a:cs typeface="Helvetica Neue Medium"/>
@@ -823,7 +834,7 @@
               </a:spcBef>
               <a:buSzTx/>
               <a:buNone/>
-              <a:defRPr spc="-232" sz="11600">
+              <a:defRPr sz="11600" spc="-232">
                 <a:latin typeface="Helvetica Neue Medium"/>
                 <a:ea typeface="Helvetica Neue Medium"/>
                 <a:cs typeface="Helvetica Neue Medium"/>
@@ -839,7 +850,7 @@
               </a:spcBef>
               <a:buSzTx/>
               <a:buNone/>
-              <a:defRPr spc="-232" sz="11600">
+              <a:defRPr sz="11600" spc="-232">
                 <a:latin typeface="Helvetica Neue Medium"/>
                 <a:ea typeface="Helvetica Neue Medium"/>
                 <a:cs typeface="Helvetica Neue Medium"/>
@@ -848,41 +859,34 @@
             </a:lvl5pPr>
           </a:lstStyle>
           <a:p>
-            <a:pPr/>
             <a:r>
               <a:t>Statement</a:t>
             </a:r>
           </a:p>
           <a:p>
             <a:pPr lvl="1"/>
-            <a:r>
-              <a:t/>
-            </a:r>
+            <a:endParaRPr/>
           </a:p>
           <a:p>
             <a:pPr lvl="2"/>
-            <a:r>
-              <a:t/>
-            </a:r>
+            <a:endParaRPr/>
           </a:p>
           <a:p>
             <a:pPr lvl="3"/>
-            <a:r>
-              <a:t/>
-            </a:r>
+            <a:endParaRPr/>
           </a:p>
           <a:p>
             <a:pPr lvl="4"/>
-            <a:r>
-              <a:t/>
-            </a:r>
+            <a:endParaRPr/>
           </a:p>
         </p:txBody>
       </p:sp>
       <p:sp>
         <p:nvSpPr>
           <p:cNvPr id="99" name="Slide Number"/>
-          <p:cNvSpPr txBox="1"/>
+          <p:cNvSpPr txBox="1">
+            <a:spLocks noGrp="1"/>
+          </p:cNvSpPr>
           <p:nvPr>
             <p:ph type="sldNum" sz="quarter" idx="2"/>
           </p:nvPr>
@@ -896,8 +900,10 @@
           <a:bodyPr/>
           <a:lstStyle/>
           <a:p>
-            <a:pPr/>
-            <a:fld id="{86CB4B4D-7CA3-9044-876B-883B54F8677D}" type="slidenum"/>
+            <a:fld id="{86CB4B4D-7CA3-9044-876B-883B54F8677D}" type="slidenum">
+              <a:t>‹#›</a:t>
+            </a:fld>
+            <a:endParaRPr/>
           </a:p>
         </p:txBody>
       </p:sp>
@@ -906,12 +912,12 @@
   <p:clrMapOvr>
     <a:masterClrMapping/>
   </p:clrMapOvr>
-  <p:transition xmlns:p14="http://schemas.microsoft.com/office/powerpoint/2010/main" spd="med" advClick="1"/>
+  <p:transition spd="med"/>
 </p:sldLayout>
 </file>
 
 <file path=ppt/slideLayouts/slideLayout11.xml><?xml version="1.0" encoding="utf-8"?>
-<p:sldLayout xmlns:a="http://schemas.openxmlformats.org/drawingml/2006/main" xmlns:r="http://schemas.openxmlformats.org/officeDocument/2006/relationships" xmlns:p="http://schemas.openxmlformats.org/presentationml/2006/main" xmlns:m="http://schemas.openxmlformats.org/officeDocument/2006/math" xmlns:a14="http://schemas.microsoft.com/office/drawing/2010/main" type="tx" showMasterSp="1" showMasterPhAnim="1">
+<p:sldLayout xmlns:a="http://schemas.openxmlformats.org/drawingml/2006/main" xmlns:r="http://schemas.openxmlformats.org/officeDocument/2006/relationships" xmlns:p="http://schemas.openxmlformats.org/presentationml/2006/main" type="tx">
   <p:cSld name="Big Fact">
     <p:spTree>
       <p:nvGrpSpPr>
@@ -930,7 +936,9 @@
       <p:sp>
         <p:nvSpPr>
           <p:cNvPr id="106" name="Fact information"/>
-          <p:cNvSpPr txBox="1"/>
+          <p:cNvSpPr txBox="1">
+            <a:spLocks noGrp="1"/>
+          </p:cNvSpPr>
           <p:nvPr>
             <p:ph type="body" sz="quarter" idx="21" hasCustomPrompt="1"/>
           </p:nvPr>
@@ -956,11 +964,10 @@
               </a:spcBef>
               <a:buSzTx/>
               <a:buNone/>
-              <a:defRPr b="1" sz="5500"/>
+              <a:defRPr sz="5500" b="1"/>
             </a:lvl1pPr>
           </a:lstStyle>
           <a:p>
-            <a:pPr/>
             <a:r>
               <a:t>Fact information</a:t>
             </a:r>
@@ -970,7 +977,9 @@
       <p:sp>
         <p:nvSpPr>
           <p:cNvPr id="107" name="Body Level One…"/>
-          <p:cNvSpPr txBox="1"/>
+          <p:cNvSpPr txBox="1">
+            <a:spLocks noGrp="1"/>
+          </p:cNvSpPr>
           <p:nvPr>
             <p:ph type="body" idx="1" hasCustomPrompt="1"/>
           </p:nvPr>
@@ -996,7 +1005,7 @@
               </a:spcBef>
               <a:buSzTx/>
               <a:buNone/>
-              <a:defRPr b="1" spc="-250" sz="25000"/>
+              <a:defRPr sz="25000" b="1" spc="-250"/>
             </a:lvl1pPr>
             <a:lvl2pPr marL="0" indent="457200" algn="ctr">
               <a:lnSpc>
@@ -1007,7 +1016,7 @@
               </a:spcBef>
               <a:buSzTx/>
               <a:buNone/>
-              <a:defRPr b="1" spc="-250" sz="25000"/>
+              <a:defRPr sz="25000" b="1" spc="-250"/>
             </a:lvl2pPr>
             <a:lvl3pPr marL="0" indent="914400" algn="ctr">
               <a:lnSpc>
@@ -1018,7 +1027,7 @@
               </a:spcBef>
               <a:buSzTx/>
               <a:buNone/>
-              <a:defRPr b="1" spc="-250" sz="25000"/>
+              <a:defRPr sz="25000" b="1" spc="-250"/>
             </a:lvl3pPr>
             <a:lvl4pPr marL="0" indent="1371600" algn="ctr">
               <a:lnSpc>
@@ -1029,7 +1038,7 @@
               </a:spcBef>
               <a:buSzTx/>
               <a:buNone/>
-              <a:defRPr b="1" spc="-250" sz="25000"/>
+              <a:defRPr sz="25000" b="1" spc="-250"/>
             </a:lvl4pPr>
             <a:lvl5pPr marL="0" indent="1828800" algn="ctr">
               <a:lnSpc>
@@ -1040,45 +1049,38 @@
               </a:spcBef>
               <a:buSzTx/>
               <a:buNone/>
-              <a:defRPr b="1" spc="-250" sz="25000"/>
+              <a:defRPr sz="25000" b="1" spc="-250"/>
             </a:lvl5pPr>
           </a:lstStyle>
           <a:p>
-            <a:pPr/>
             <a:r>
               <a:t>100%</a:t>
             </a:r>
           </a:p>
           <a:p>
             <a:pPr lvl="1"/>
-            <a:r>
-              <a:t/>
-            </a:r>
+            <a:endParaRPr/>
           </a:p>
           <a:p>
             <a:pPr lvl="2"/>
-            <a:r>
-              <a:t/>
-            </a:r>
+            <a:endParaRPr/>
           </a:p>
           <a:p>
             <a:pPr lvl="3"/>
-            <a:r>
-              <a:t/>
-            </a:r>
+            <a:endParaRPr/>
           </a:p>
           <a:p>
             <a:pPr lvl="4"/>
-            <a:r>
-              <a:t/>
-            </a:r>
+            <a:endParaRPr/>
           </a:p>
         </p:txBody>
       </p:sp>
       <p:sp>
         <p:nvSpPr>
           <p:cNvPr id="108" name="Slide Number"/>
-          <p:cNvSpPr txBox="1"/>
+          <p:cNvSpPr txBox="1">
+            <a:spLocks noGrp="1"/>
+          </p:cNvSpPr>
           <p:nvPr>
             <p:ph type="sldNum" sz="quarter" idx="2"/>
           </p:nvPr>
@@ -1092,8 +1094,10 @@
           <a:bodyPr/>
           <a:lstStyle/>
           <a:p>
-            <a:pPr/>
-            <a:fld id="{86CB4B4D-7CA3-9044-876B-883B54F8677D}" type="slidenum"/>
+            <a:fld id="{86CB4B4D-7CA3-9044-876B-883B54F8677D}" type="slidenum">
+              <a:t>‹#›</a:t>
+            </a:fld>
+            <a:endParaRPr/>
           </a:p>
         </p:txBody>
       </p:sp>
@@ -1102,12 +1106,12 @@
   <p:clrMapOvr>
     <a:masterClrMapping/>
   </p:clrMapOvr>
-  <p:transition xmlns:p14="http://schemas.microsoft.com/office/powerpoint/2010/main" spd="med" advClick="1"/>
+  <p:transition spd="med"/>
 </p:sldLayout>
 </file>
 
 <file path=ppt/slideLayouts/slideLayout12.xml><?xml version="1.0" encoding="utf-8"?>
-<p:sldLayout xmlns:a="http://schemas.openxmlformats.org/drawingml/2006/main" xmlns:r="http://schemas.openxmlformats.org/officeDocument/2006/relationships" xmlns:p="http://schemas.openxmlformats.org/presentationml/2006/main" xmlns:m="http://schemas.openxmlformats.org/officeDocument/2006/math" xmlns:a14="http://schemas.microsoft.com/office/drawing/2010/main" type="tx" showMasterSp="1" showMasterPhAnim="1">
+<p:sldLayout xmlns:a="http://schemas.openxmlformats.org/drawingml/2006/main" xmlns:r="http://schemas.openxmlformats.org/officeDocument/2006/relationships" xmlns:p="http://schemas.openxmlformats.org/presentationml/2006/main" type="tx">
   <p:cSld name="Quote">
     <p:spTree>
       <p:nvGrpSpPr>
@@ -1126,7 +1130,9 @@
       <p:sp>
         <p:nvSpPr>
           <p:cNvPr id="115" name="Attribution"/>
-          <p:cNvSpPr txBox="1"/>
+          <p:cNvSpPr txBox="1">
+            <a:spLocks noGrp="1"/>
+          </p:cNvSpPr>
           <p:nvPr>
             <p:ph type="body" sz="quarter" idx="21" hasCustomPrompt="1"/>
           </p:nvPr>
@@ -1152,11 +1158,10 @@
               </a:spcBef>
               <a:buSzTx/>
               <a:buNone/>
-              <a:defRPr b="1" sz="3600"/>
+              <a:defRPr sz="3600" b="1"/>
             </a:lvl1pPr>
           </a:lstStyle>
           <a:p>
-            <a:pPr/>
             <a:r>
               <a:t>Attribution</a:t>
             </a:r>
@@ -1166,7 +1171,9 @@
       <p:sp>
         <p:nvSpPr>
           <p:cNvPr id="116" name="Body Level One…"/>
-          <p:cNvSpPr txBox="1"/>
+          <p:cNvSpPr txBox="1">
+            <a:spLocks noGrp="1"/>
+          </p:cNvSpPr>
           <p:nvPr>
             <p:ph type="body" sz="half" idx="1" hasCustomPrompt="1"/>
           </p:nvPr>
@@ -1189,7 +1196,7 @@
               </a:spcBef>
               <a:buSzTx/>
               <a:buNone/>
-              <a:defRPr spc="-170" sz="8500">
+              <a:defRPr sz="8500" spc="-170">
                 <a:latin typeface="Helvetica Neue Medium"/>
                 <a:ea typeface="Helvetica Neue Medium"/>
                 <a:cs typeface="Helvetica Neue Medium"/>
@@ -1202,7 +1209,7 @@
               </a:spcBef>
               <a:buSzTx/>
               <a:buNone/>
-              <a:defRPr spc="-170" sz="8500">
+              <a:defRPr sz="8500" spc="-170">
                 <a:latin typeface="Helvetica Neue Medium"/>
                 <a:ea typeface="Helvetica Neue Medium"/>
                 <a:cs typeface="Helvetica Neue Medium"/>
@@ -1215,7 +1222,7 @@
               </a:spcBef>
               <a:buSzTx/>
               <a:buNone/>
-              <a:defRPr spc="-170" sz="8500">
+              <a:defRPr sz="8500" spc="-170">
                 <a:latin typeface="Helvetica Neue Medium"/>
                 <a:ea typeface="Helvetica Neue Medium"/>
                 <a:cs typeface="Helvetica Neue Medium"/>
@@ -1228,7 +1235,7 @@
               </a:spcBef>
               <a:buSzTx/>
               <a:buNone/>
-              <a:defRPr spc="-170" sz="8500">
+              <a:defRPr sz="8500" spc="-170">
                 <a:latin typeface="Helvetica Neue Medium"/>
                 <a:ea typeface="Helvetica Neue Medium"/>
                 <a:cs typeface="Helvetica Neue Medium"/>
@@ -1241,7 +1248,7 @@
               </a:spcBef>
               <a:buSzTx/>
               <a:buNone/>
-              <a:defRPr spc="-170" sz="8500">
+              <a:defRPr sz="8500" spc="-170">
                 <a:latin typeface="Helvetica Neue Medium"/>
                 <a:ea typeface="Helvetica Neue Medium"/>
                 <a:cs typeface="Helvetica Neue Medium"/>
@@ -1250,41 +1257,34 @@
             </a:lvl5pPr>
           </a:lstStyle>
           <a:p>
-            <a:pPr/>
             <a:r>
               <a:t>“Notable Quote”</a:t>
             </a:r>
           </a:p>
           <a:p>
             <a:pPr lvl="1"/>
-            <a:r>
-              <a:t/>
-            </a:r>
+            <a:endParaRPr/>
           </a:p>
           <a:p>
             <a:pPr lvl="2"/>
-            <a:r>
-              <a:t/>
-            </a:r>
+            <a:endParaRPr/>
           </a:p>
           <a:p>
             <a:pPr lvl="3"/>
-            <a:r>
-              <a:t/>
-            </a:r>
+            <a:endParaRPr/>
           </a:p>
           <a:p>
             <a:pPr lvl="4"/>
-            <a:r>
-              <a:t/>
-            </a:r>
+            <a:endParaRPr/>
           </a:p>
         </p:txBody>
       </p:sp>
       <p:sp>
         <p:nvSpPr>
           <p:cNvPr id="117" name="Slide Number"/>
-          <p:cNvSpPr txBox="1"/>
+          <p:cNvSpPr txBox="1">
+            <a:spLocks noGrp="1"/>
+          </p:cNvSpPr>
           <p:nvPr>
             <p:ph type="sldNum" sz="quarter" idx="2"/>
           </p:nvPr>
@@ -1298,8 +1298,10 @@
           <a:bodyPr/>
           <a:lstStyle/>
           <a:p>
-            <a:pPr/>
-            <a:fld id="{86CB4B4D-7CA3-9044-876B-883B54F8677D}" type="slidenum"/>
+            <a:fld id="{86CB4B4D-7CA3-9044-876B-883B54F8677D}" type="slidenum">
+              <a:t>‹#›</a:t>
+            </a:fld>
+            <a:endParaRPr/>
           </a:p>
         </p:txBody>
       </p:sp>
@@ -1308,12 +1310,12 @@
   <p:clrMapOvr>
     <a:masterClrMapping/>
   </p:clrMapOvr>
-  <p:transition xmlns:p14="http://schemas.microsoft.com/office/powerpoint/2010/main" spd="med" advClick="1"/>
+  <p:transition spd="med"/>
 </p:sldLayout>
 </file>
 
 <file path=ppt/slideLayouts/slideLayout13.xml><?xml version="1.0" encoding="utf-8"?>
-<p:sldLayout xmlns:a="http://schemas.openxmlformats.org/drawingml/2006/main" xmlns:r="http://schemas.openxmlformats.org/officeDocument/2006/relationships" xmlns:p="http://schemas.openxmlformats.org/presentationml/2006/main" xmlns:m="http://schemas.openxmlformats.org/officeDocument/2006/math" xmlns:a14="http://schemas.microsoft.com/office/drawing/2010/main" type="tx" showMasterSp="1" showMasterPhAnim="1">
+<p:sldLayout xmlns:a="http://schemas.openxmlformats.org/drawingml/2006/main" xmlns:r="http://schemas.openxmlformats.org/officeDocument/2006/relationships" xmlns:p="http://schemas.openxmlformats.org/presentationml/2006/main" type="tx">
   <p:cSld name="Photo - 3 Up">
     <p:spTree>
       <p:nvGrpSpPr>
@@ -1332,7 +1334,9 @@
       <p:sp>
         <p:nvSpPr>
           <p:cNvPr id="124" name="Close-up of wild plants growing between rocks"/>
-          <p:cNvSpPr/>
+          <p:cNvSpPr>
+            <a:spLocks noGrp="1"/>
+          </p:cNvSpPr>
           <p:nvPr>
             <p:ph type="pic" sz="quarter" idx="21"/>
           </p:nvPr>
@@ -1352,14 +1356,16 @@
           </a:bodyPr>
           <a:lstStyle/>
           <a:p>
-            <a:pPr/>
+            <a:endParaRPr/>
           </a:p>
         </p:txBody>
       </p:sp>
       <p:sp>
         <p:nvSpPr>
           <p:cNvPr id="125" name="Large rock formation under dark clouds with a dirt road in the foreground"/>
-          <p:cNvSpPr/>
+          <p:cNvSpPr>
+            <a:spLocks noGrp="1"/>
+          </p:cNvSpPr>
           <p:nvPr>
             <p:ph type="pic" idx="22"/>
           </p:nvPr>
@@ -1379,14 +1385,16 @@
           </a:bodyPr>
           <a:lstStyle/>
           <a:p>
-            <a:pPr/>
+            <a:endParaRPr/>
           </a:p>
         </p:txBody>
       </p:sp>
       <p:sp>
         <p:nvSpPr>
           <p:cNvPr id="126" name="Close-up of a wild plant growing between lava rocks"/>
-          <p:cNvSpPr/>
+          <p:cNvSpPr>
+            <a:spLocks noGrp="1"/>
+          </p:cNvSpPr>
           <p:nvPr>
             <p:ph type="pic" sz="quarter" idx="23"/>
           </p:nvPr>
@@ -1406,14 +1414,16 @@
           </a:bodyPr>
           <a:lstStyle/>
           <a:p>
-            <a:pPr/>
+            <a:endParaRPr/>
           </a:p>
         </p:txBody>
       </p:sp>
       <p:sp>
         <p:nvSpPr>
           <p:cNvPr id="127" name="Slide Number"/>
-          <p:cNvSpPr txBox="1"/>
+          <p:cNvSpPr txBox="1">
+            <a:spLocks noGrp="1"/>
+          </p:cNvSpPr>
           <p:nvPr>
             <p:ph type="sldNum" sz="quarter" idx="2"/>
           </p:nvPr>
@@ -1427,8 +1437,10 @@
           <a:bodyPr/>
           <a:lstStyle/>
           <a:p>
-            <a:pPr/>
-            <a:fld id="{86CB4B4D-7CA3-9044-876B-883B54F8677D}" type="slidenum"/>
+            <a:fld id="{86CB4B4D-7CA3-9044-876B-883B54F8677D}" type="slidenum">
+              <a:t>‹#›</a:t>
+            </a:fld>
+            <a:endParaRPr/>
           </a:p>
         </p:txBody>
       </p:sp>
@@ -1437,12 +1449,12 @@
   <p:clrMapOvr>
     <a:masterClrMapping/>
   </p:clrMapOvr>
-  <p:transition xmlns:p14="http://schemas.microsoft.com/office/powerpoint/2010/main" spd="med" advClick="1"/>
+  <p:transition spd="med"/>
 </p:sldLayout>
 </file>
 
 <file path=ppt/slideLayouts/slideLayout14.xml><?xml version="1.0" encoding="utf-8"?>
-<p:sldLayout xmlns:a="http://schemas.openxmlformats.org/drawingml/2006/main" xmlns:r="http://schemas.openxmlformats.org/officeDocument/2006/relationships" xmlns:p="http://schemas.openxmlformats.org/presentationml/2006/main" xmlns:m="http://schemas.openxmlformats.org/officeDocument/2006/math" xmlns:a14="http://schemas.microsoft.com/office/drawing/2010/main" type="tx" showMasterSp="1" showMasterPhAnim="1">
+<p:sldLayout xmlns:a="http://schemas.openxmlformats.org/drawingml/2006/main" xmlns:r="http://schemas.openxmlformats.org/officeDocument/2006/relationships" xmlns:p="http://schemas.openxmlformats.org/presentationml/2006/main" type="tx">
   <p:cSld name="Photo">
     <p:spTree>
       <p:nvGrpSpPr>
@@ -1461,7 +1473,9 @@
       <p:sp>
         <p:nvSpPr>
           <p:cNvPr id="134" name="waterfall surrounded by a green rocky landscape"/>
-          <p:cNvSpPr/>
+          <p:cNvSpPr>
+            <a:spLocks noGrp="1"/>
+          </p:cNvSpPr>
           <p:nvPr>
             <p:ph type="pic" idx="21"/>
           </p:nvPr>
@@ -1481,14 +1495,16 @@
           </a:bodyPr>
           <a:lstStyle/>
           <a:p>
-            <a:pPr/>
+            <a:endParaRPr/>
           </a:p>
         </p:txBody>
       </p:sp>
       <p:sp>
         <p:nvSpPr>
           <p:cNvPr id="135" name="Slide Number"/>
-          <p:cNvSpPr txBox="1"/>
+          <p:cNvSpPr txBox="1">
+            <a:spLocks noGrp="1"/>
+          </p:cNvSpPr>
           <p:nvPr>
             <p:ph type="sldNum" sz="quarter" idx="2"/>
           </p:nvPr>
@@ -1502,8 +1518,10 @@
           <a:bodyPr/>
           <a:lstStyle/>
           <a:p>
-            <a:pPr/>
-            <a:fld id="{86CB4B4D-7CA3-9044-876B-883B54F8677D}" type="slidenum"/>
+            <a:fld id="{86CB4B4D-7CA3-9044-876B-883B54F8677D}" type="slidenum">
+              <a:t>‹#›</a:t>
+            </a:fld>
+            <a:endParaRPr/>
           </a:p>
         </p:txBody>
       </p:sp>
@@ -1512,12 +1530,12 @@
   <p:clrMapOvr>
     <a:masterClrMapping/>
   </p:clrMapOvr>
-  <p:transition xmlns:p14="http://schemas.microsoft.com/office/powerpoint/2010/main" spd="med" advClick="1"/>
+  <p:transition spd="med"/>
 </p:sldLayout>
 </file>
 
 <file path=ppt/slideLayouts/slideLayout15.xml><?xml version="1.0" encoding="utf-8"?>
-<p:sldLayout xmlns:a="http://schemas.openxmlformats.org/drawingml/2006/main" xmlns:r="http://schemas.openxmlformats.org/officeDocument/2006/relationships" xmlns:p="http://schemas.openxmlformats.org/presentationml/2006/main" xmlns:m="http://schemas.openxmlformats.org/officeDocument/2006/math" xmlns:a14="http://schemas.microsoft.com/office/drawing/2010/main" type="tx" showMasterSp="1" showMasterPhAnim="1">
+<p:sldLayout xmlns:a="http://schemas.openxmlformats.org/drawingml/2006/main" xmlns:r="http://schemas.openxmlformats.org/officeDocument/2006/relationships" xmlns:p="http://schemas.openxmlformats.org/presentationml/2006/main" type="tx">
   <p:cSld name="Blank">
     <p:spTree>
       <p:nvGrpSpPr>
@@ -1536,7 +1554,9 @@
       <p:sp>
         <p:nvSpPr>
           <p:cNvPr id="142" name="Slide Number"/>
-          <p:cNvSpPr txBox="1"/>
+          <p:cNvSpPr txBox="1">
+            <a:spLocks noGrp="1"/>
+          </p:cNvSpPr>
           <p:nvPr>
             <p:ph type="sldNum" sz="quarter" idx="2"/>
           </p:nvPr>
@@ -1550,8 +1570,10 @@
           <a:bodyPr/>
           <a:lstStyle/>
           <a:p>
-            <a:pPr/>
-            <a:fld id="{86CB4B4D-7CA3-9044-876B-883B54F8677D}" type="slidenum"/>
+            <a:fld id="{86CB4B4D-7CA3-9044-876B-883B54F8677D}" type="slidenum">
+              <a:t>‹#›</a:t>
+            </a:fld>
+            <a:endParaRPr/>
           </a:p>
         </p:txBody>
       </p:sp>
@@ -1560,12 +1582,12 @@
   <p:clrMapOvr>
     <a:masterClrMapping/>
   </p:clrMapOvr>
-  <p:transition xmlns:p14="http://schemas.microsoft.com/office/powerpoint/2010/main" spd="med" advClick="1"/>
+  <p:transition spd="med"/>
 </p:sldLayout>
 </file>
 
 <file path=ppt/slideLayouts/slideLayout2.xml><?xml version="1.0" encoding="utf-8"?>
-<p:sldLayout xmlns:a="http://schemas.openxmlformats.org/drawingml/2006/main" xmlns:r="http://schemas.openxmlformats.org/officeDocument/2006/relationships" xmlns:p="http://schemas.openxmlformats.org/presentationml/2006/main" xmlns:m="http://schemas.openxmlformats.org/officeDocument/2006/math" xmlns:a14="http://schemas.microsoft.com/office/drawing/2010/main" type="tx" showMasterSp="1" showMasterPhAnim="1">
+<p:sldLayout xmlns:a="http://schemas.openxmlformats.org/drawingml/2006/main" xmlns:r="http://schemas.openxmlformats.org/officeDocument/2006/relationships" xmlns:p="http://schemas.openxmlformats.org/presentationml/2006/main" type="tx">
   <p:cSld name="Title &amp; Photo">
     <p:spTree>
       <p:nvGrpSpPr>
@@ -1584,7 +1606,9 @@
       <p:sp>
         <p:nvSpPr>
           <p:cNvPr id="21" name="Green, hilly landscape"/>
-          <p:cNvSpPr/>
+          <p:cNvSpPr>
+            <a:spLocks noGrp="1"/>
+          </p:cNvSpPr>
           <p:nvPr>
             <p:ph type="pic" idx="21"/>
           </p:nvPr>
@@ -1604,14 +1628,16 @@
           </a:bodyPr>
           <a:lstStyle/>
           <a:p>
-            <a:pPr/>
+            <a:endParaRPr/>
           </a:p>
         </p:txBody>
       </p:sp>
       <p:sp>
         <p:nvSpPr>
           <p:cNvPr id="22" name="Presentation Title"/>
-          <p:cNvSpPr txBox="1"/>
+          <p:cNvSpPr txBox="1">
+            <a:spLocks noGrp="1"/>
+          </p:cNvSpPr>
           <p:nvPr>
             <p:ph type="title" hasCustomPrompt="1"/>
           </p:nvPr>
@@ -1629,11 +1655,10 @@
           <a:bodyPr anchor="b"/>
           <a:lstStyle>
             <a:lvl1pPr>
-              <a:defRPr spc="-232" sz="11600"/>
+              <a:defRPr sz="11600" spc="-232"/>
             </a:lvl1pPr>
           </a:lstStyle>
           <a:p>
-            <a:pPr/>
             <a:r>
               <a:t>Presentation Title</a:t>
             </a:r>
@@ -1643,7 +1668,9 @@
       <p:sp>
         <p:nvSpPr>
           <p:cNvPr id="23" name="Author and Date"/>
-          <p:cNvSpPr txBox="1"/>
+          <p:cNvSpPr txBox="1">
+            <a:spLocks noGrp="1"/>
+          </p:cNvSpPr>
           <p:nvPr>
             <p:ph type="body" sz="quarter" idx="22" hasCustomPrompt="1"/>
           </p:nvPr>
@@ -1669,11 +1696,10 @@
               </a:spcBef>
               <a:buSzTx/>
               <a:buNone/>
-              <a:defRPr b="1" sz="3600"/>
+              <a:defRPr sz="3600" b="1"/>
             </a:lvl1pPr>
           </a:lstStyle>
           <a:p>
-            <a:pPr/>
             <a:r>
               <a:t>Author and Date</a:t>
             </a:r>
@@ -1683,7 +1709,9 @@
       <p:sp>
         <p:nvSpPr>
           <p:cNvPr id="24" name="Body Level One…"/>
-          <p:cNvSpPr txBox="1"/>
+          <p:cNvSpPr txBox="1">
+            <a:spLocks noGrp="1"/>
+          </p:cNvSpPr>
           <p:nvPr>
             <p:ph type="body" sz="quarter" idx="1" hasCustomPrompt="1"/>
           </p:nvPr>
@@ -1709,7 +1737,7 @@
               </a:spcBef>
               <a:buSzTx/>
               <a:buNone/>
-              <a:defRPr b="1" sz="5500"/>
+              <a:defRPr sz="5500" b="1"/>
             </a:lvl1pPr>
             <a:lvl2pPr marL="0" indent="457200" defTabSz="825500">
               <a:lnSpc>
@@ -1720,7 +1748,7 @@
               </a:spcBef>
               <a:buSzTx/>
               <a:buNone/>
-              <a:defRPr b="1" sz="5500"/>
+              <a:defRPr sz="5500" b="1"/>
             </a:lvl2pPr>
             <a:lvl3pPr marL="0" indent="914400" defTabSz="825500">
               <a:lnSpc>
@@ -1731,7 +1759,7 @@
               </a:spcBef>
               <a:buSzTx/>
               <a:buNone/>
-              <a:defRPr b="1" sz="5500"/>
+              <a:defRPr sz="5500" b="1"/>
             </a:lvl3pPr>
             <a:lvl4pPr marL="0" indent="1371600" defTabSz="825500">
               <a:lnSpc>
@@ -1742,7 +1770,7 @@
               </a:spcBef>
               <a:buSzTx/>
               <a:buNone/>
-              <a:defRPr b="1" sz="5500"/>
+              <a:defRPr sz="5500" b="1"/>
             </a:lvl4pPr>
             <a:lvl5pPr marL="0" indent="1828800" defTabSz="825500">
               <a:lnSpc>
@@ -1753,45 +1781,38 @@
               </a:spcBef>
               <a:buSzTx/>
               <a:buNone/>
-              <a:defRPr b="1" sz="5500"/>
+              <a:defRPr sz="5500" b="1"/>
             </a:lvl5pPr>
           </a:lstStyle>
           <a:p>
-            <a:pPr/>
             <a:r>
               <a:t>Presentation Subtitle </a:t>
             </a:r>
           </a:p>
           <a:p>
             <a:pPr lvl="1"/>
-            <a:r>
-              <a:t/>
-            </a:r>
+            <a:endParaRPr/>
           </a:p>
           <a:p>
             <a:pPr lvl="2"/>
-            <a:r>
-              <a:t/>
-            </a:r>
+            <a:endParaRPr/>
           </a:p>
           <a:p>
             <a:pPr lvl="3"/>
-            <a:r>
-              <a:t/>
-            </a:r>
+            <a:endParaRPr/>
           </a:p>
           <a:p>
             <a:pPr lvl="4"/>
-            <a:r>
-              <a:t/>
-            </a:r>
+            <a:endParaRPr/>
           </a:p>
         </p:txBody>
       </p:sp>
       <p:sp>
         <p:nvSpPr>
           <p:cNvPr id="25" name="Slide Number"/>
-          <p:cNvSpPr txBox="1"/>
+          <p:cNvSpPr txBox="1">
+            <a:spLocks noGrp="1"/>
+          </p:cNvSpPr>
           <p:nvPr>
             <p:ph type="sldNum" sz="quarter" idx="2"/>
           </p:nvPr>
@@ -1805,8 +1826,10 @@
           <a:bodyPr/>
           <a:lstStyle/>
           <a:p>
-            <a:pPr/>
-            <a:fld id="{86CB4B4D-7CA3-9044-876B-883B54F8677D}" type="slidenum"/>
+            <a:fld id="{86CB4B4D-7CA3-9044-876B-883B54F8677D}" type="slidenum">
+              <a:t>‹#›</a:t>
+            </a:fld>
+            <a:endParaRPr/>
           </a:p>
         </p:txBody>
       </p:sp>
@@ -1815,12 +1838,12 @@
   <p:clrMapOvr>
     <a:masterClrMapping/>
   </p:clrMapOvr>
-  <p:transition xmlns:p14="http://schemas.microsoft.com/office/powerpoint/2010/main" spd="med" advClick="1"/>
+  <p:transition spd="med"/>
 </p:sldLayout>
 </file>
 
 <file path=ppt/slideLayouts/slideLayout3.xml><?xml version="1.0" encoding="utf-8"?>
-<p:sldLayout xmlns:a="http://schemas.openxmlformats.org/drawingml/2006/main" xmlns:r="http://schemas.openxmlformats.org/officeDocument/2006/relationships" xmlns:p="http://schemas.openxmlformats.org/presentationml/2006/main" xmlns:m="http://schemas.openxmlformats.org/officeDocument/2006/math" xmlns:a14="http://schemas.microsoft.com/office/drawing/2010/main" type="tx" showMasterSp="1" showMasterPhAnim="1">
+<p:sldLayout xmlns:a="http://schemas.openxmlformats.org/drawingml/2006/main" xmlns:r="http://schemas.openxmlformats.org/officeDocument/2006/relationships" xmlns:p="http://schemas.openxmlformats.org/presentationml/2006/main" type="tx">
   <p:cSld name="Title &amp; Photo Alt">
     <p:spTree>
       <p:nvGrpSpPr>
@@ -1839,7 +1862,9 @@
       <p:sp>
         <p:nvSpPr>
           <p:cNvPr id="32" name="Slide Title"/>
-          <p:cNvSpPr txBox="1"/>
+          <p:cNvSpPr txBox="1">
+            <a:spLocks noGrp="1"/>
+          </p:cNvSpPr>
           <p:nvPr>
             <p:ph type="title" hasCustomPrompt="1"/>
           </p:nvPr>
@@ -1857,7 +1882,6 @@
           <a:bodyPr anchor="b"/>
           <a:lstStyle/>
           <a:p>
-            <a:pPr/>
             <a:r>
               <a:t>Slide Title</a:t>
             </a:r>
@@ -1867,7 +1891,9 @@
       <p:sp>
         <p:nvSpPr>
           <p:cNvPr id="33" name="Body Level One…"/>
-          <p:cNvSpPr txBox="1"/>
+          <p:cNvSpPr txBox="1">
+            <a:spLocks noGrp="1"/>
+          </p:cNvSpPr>
           <p:nvPr>
             <p:ph type="body" sz="quarter" idx="1" hasCustomPrompt="1"/>
           </p:nvPr>
@@ -1893,7 +1919,7 @@
               </a:spcBef>
               <a:buSzTx/>
               <a:buNone/>
-              <a:defRPr b="1" sz="5500"/>
+              <a:defRPr sz="5500" b="1"/>
             </a:lvl1pPr>
             <a:lvl2pPr marL="0" indent="457200" defTabSz="825500">
               <a:lnSpc>
@@ -1904,7 +1930,7 @@
               </a:spcBef>
               <a:buSzTx/>
               <a:buNone/>
-              <a:defRPr b="1" sz="5500"/>
+              <a:defRPr sz="5500" b="1"/>
             </a:lvl2pPr>
             <a:lvl3pPr marL="0" indent="914400" defTabSz="825500">
               <a:lnSpc>
@@ -1915,7 +1941,7 @@
               </a:spcBef>
               <a:buSzTx/>
               <a:buNone/>
-              <a:defRPr b="1" sz="5500"/>
+              <a:defRPr sz="5500" b="1"/>
             </a:lvl3pPr>
             <a:lvl4pPr marL="0" indent="1371600" defTabSz="825500">
               <a:lnSpc>
@@ -1926,7 +1952,7 @@
               </a:spcBef>
               <a:buSzTx/>
               <a:buNone/>
-              <a:defRPr b="1" sz="5500"/>
+              <a:defRPr sz="5500" b="1"/>
             </a:lvl4pPr>
             <a:lvl5pPr marL="0" indent="1828800" defTabSz="825500">
               <a:lnSpc>
@@ -1937,45 +1963,38 @@
               </a:spcBef>
               <a:buSzTx/>
               <a:buNone/>
-              <a:defRPr b="1" sz="5500"/>
+              <a:defRPr sz="5500" b="1"/>
             </a:lvl5pPr>
           </a:lstStyle>
           <a:p>
-            <a:pPr/>
             <a:r>
               <a:t>Slide Subtitle</a:t>
             </a:r>
           </a:p>
           <a:p>
             <a:pPr lvl="1"/>
-            <a:r>
-              <a:t/>
-            </a:r>
+            <a:endParaRPr/>
           </a:p>
           <a:p>
             <a:pPr lvl="2"/>
-            <a:r>
-              <a:t/>
-            </a:r>
+            <a:endParaRPr/>
           </a:p>
           <a:p>
             <a:pPr lvl="3"/>
-            <a:r>
-              <a:t/>
-            </a:r>
+            <a:endParaRPr/>
           </a:p>
           <a:p>
             <a:pPr lvl="4"/>
-            <a:r>
-              <a:t/>
-            </a:r>
+            <a:endParaRPr/>
           </a:p>
         </p:txBody>
       </p:sp>
       <p:sp>
         <p:nvSpPr>
           <p:cNvPr id="34" name="Moss-covered rocks"/>
-          <p:cNvSpPr/>
+          <p:cNvSpPr>
+            <a:spLocks noGrp="1"/>
+          </p:cNvSpPr>
           <p:nvPr>
             <p:ph type="pic" sz="half" idx="21"/>
           </p:nvPr>
@@ -1995,14 +2014,16 @@
           </a:bodyPr>
           <a:lstStyle/>
           <a:p>
-            <a:pPr/>
+            <a:endParaRPr/>
           </a:p>
         </p:txBody>
       </p:sp>
       <p:sp>
         <p:nvSpPr>
           <p:cNvPr id="35" name="Slide Number"/>
-          <p:cNvSpPr txBox="1"/>
+          <p:cNvSpPr txBox="1">
+            <a:spLocks noGrp="1"/>
+          </p:cNvSpPr>
           <p:nvPr>
             <p:ph type="sldNum" sz="quarter" idx="2"/>
           </p:nvPr>
@@ -2020,8 +2041,10 @@
           <a:bodyPr/>
           <a:lstStyle/>
           <a:p>
-            <a:pPr/>
-            <a:fld id="{86CB4B4D-7CA3-9044-876B-883B54F8677D}" type="slidenum"/>
+            <a:fld id="{86CB4B4D-7CA3-9044-876B-883B54F8677D}" type="slidenum">
+              <a:t>‹#›</a:t>
+            </a:fld>
+            <a:endParaRPr/>
           </a:p>
         </p:txBody>
       </p:sp>
@@ -2030,12 +2053,12 @@
   <p:clrMapOvr>
     <a:masterClrMapping/>
   </p:clrMapOvr>
-  <p:transition xmlns:p14="http://schemas.microsoft.com/office/powerpoint/2010/main" spd="med" advClick="1"/>
+  <p:transition spd="med"/>
 </p:sldLayout>
 </file>
 
 <file path=ppt/slideLayouts/slideLayout4.xml><?xml version="1.0" encoding="utf-8"?>
-<p:sldLayout xmlns:a="http://schemas.openxmlformats.org/drawingml/2006/main" xmlns:r="http://schemas.openxmlformats.org/officeDocument/2006/relationships" xmlns:p="http://schemas.openxmlformats.org/presentationml/2006/main" xmlns:m="http://schemas.openxmlformats.org/officeDocument/2006/math" xmlns:a14="http://schemas.microsoft.com/office/drawing/2010/main" type="tx" showMasterSp="1" showMasterPhAnim="1">
+<p:sldLayout xmlns:a="http://schemas.openxmlformats.org/drawingml/2006/main" xmlns:r="http://schemas.openxmlformats.org/officeDocument/2006/relationships" xmlns:p="http://schemas.openxmlformats.org/presentationml/2006/main" type="tx">
   <p:cSld name="Title &amp; Bullets">
     <p:spTree>
       <p:nvGrpSpPr>
@@ -2054,7 +2077,9 @@
       <p:sp>
         <p:nvSpPr>
           <p:cNvPr id="42" name="Slide Title"/>
-          <p:cNvSpPr txBox="1"/>
+          <p:cNvSpPr txBox="1">
+            <a:spLocks noGrp="1"/>
+          </p:cNvSpPr>
           <p:nvPr>
             <p:ph type="title" hasCustomPrompt="1"/>
           </p:nvPr>
@@ -2068,7 +2093,6 @@
           <a:bodyPr/>
           <a:lstStyle/>
           <a:p>
-            <a:pPr/>
             <a:r>
               <a:t>Slide Title</a:t>
             </a:r>
@@ -2078,7 +2102,9 @@
       <p:sp>
         <p:nvSpPr>
           <p:cNvPr id="43" name="Slide Subtitle"/>
-          <p:cNvSpPr txBox="1"/>
+          <p:cNvSpPr txBox="1">
+            <a:spLocks noGrp="1"/>
+          </p:cNvSpPr>
           <p:nvPr>
             <p:ph type="body" sz="quarter" idx="21" hasCustomPrompt="1"/>
           </p:nvPr>
@@ -2104,11 +2130,10 @@
               </a:spcBef>
               <a:buSzTx/>
               <a:buNone/>
-              <a:defRPr b="1" sz="5500"/>
+              <a:defRPr sz="5500" b="1"/>
             </a:lvl1pPr>
           </a:lstStyle>
           <a:p>
-            <a:pPr/>
             <a:r>
               <a:t>Slide Subtitle</a:t>
             </a:r>
@@ -2118,7 +2143,9 @@
       <p:sp>
         <p:nvSpPr>
           <p:cNvPr id="44" name="Body Level One…"/>
-          <p:cNvSpPr txBox="1"/>
+          <p:cNvSpPr txBox="1">
+            <a:spLocks noGrp="1"/>
+          </p:cNvSpPr>
           <p:nvPr>
             <p:ph type="body" idx="1" hasCustomPrompt="1"/>
           </p:nvPr>
@@ -2132,41 +2159,34 @@
           <a:bodyPr/>
           <a:lstStyle/>
           <a:p>
-            <a:pPr/>
             <a:r>
               <a:t>Slide bullet text</a:t>
             </a:r>
           </a:p>
           <a:p>
             <a:pPr lvl="1"/>
-            <a:r>
-              <a:t/>
-            </a:r>
+            <a:endParaRPr/>
           </a:p>
           <a:p>
             <a:pPr lvl="2"/>
-            <a:r>
-              <a:t/>
-            </a:r>
+            <a:endParaRPr/>
           </a:p>
           <a:p>
             <a:pPr lvl="3"/>
-            <a:r>
-              <a:t/>
-            </a:r>
+            <a:endParaRPr/>
           </a:p>
           <a:p>
             <a:pPr lvl="4"/>
-            <a:r>
-              <a:t/>
-            </a:r>
+            <a:endParaRPr/>
           </a:p>
         </p:txBody>
       </p:sp>
       <p:sp>
         <p:nvSpPr>
           <p:cNvPr id="45" name="Slide Number"/>
-          <p:cNvSpPr txBox="1"/>
+          <p:cNvSpPr txBox="1">
+            <a:spLocks noGrp="1"/>
+          </p:cNvSpPr>
           <p:nvPr>
             <p:ph type="sldNum" sz="quarter" idx="2"/>
           </p:nvPr>
@@ -2180,8 +2200,10 @@
           <a:bodyPr/>
           <a:lstStyle/>
           <a:p>
-            <a:pPr/>
-            <a:fld id="{86CB4B4D-7CA3-9044-876B-883B54F8677D}" type="slidenum"/>
+            <a:fld id="{86CB4B4D-7CA3-9044-876B-883B54F8677D}" type="slidenum">
+              <a:t>‹#›</a:t>
+            </a:fld>
+            <a:endParaRPr/>
           </a:p>
         </p:txBody>
       </p:sp>
@@ -2190,12 +2212,12 @@
   <p:clrMapOvr>
     <a:masterClrMapping/>
   </p:clrMapOvr>
-  <p:transition xmlns:p14="http://schemas.microsoft.com/office/powerpoint/2010/main" spd="med" advClick="1"/>
+  <p:transition spd="med"/>
 </p:sldLayout>
 </file>
 
 <file path=ppt/slideLayouts/slideLayout5.xml><?xml version="1.0" encoding="utf-8"?>
-<p:sldLayout xmlns:a="http://schemas.openxmlformats.org/drawingml/2006/main" xmlns:r="http://schemas.openxmlformats.org/officeDocument/2006/relationships" xmlns:p="http://schemas.openxmlformats.org/presentationml/2006/main" xmlns:m="http://schemas.openxmlformats.org/officeDocument/2006/math" xmlns:a14="http://schemas.microsoft.com/office/drawing/2010/main" type="tx" showMasterSp="1" showMasterPhAnim="1">
+<p:sldLayout xmlns:a="http://schemas.openxmlformats.org/drawingml/2006/main" xmlns:r="http://schemas.openxmlformats.org/officeDocument/2006/relationships" xmlns:p="http://schemas.openxmlformats.org/presentationml/2006/main" type="tx">
   <p:cSld name="Bullets">
     <p:spTree>
       <p:nvGrpSpPr>
@@ -2214,7 +2236,9 @@
       <p:sp>
         <p:nvSpPr>
           <p:cNvPr id="52" name="Body Level One…"/>
-          <p:cNvSpPr txBox="1"/>
+          <p:cNvSpPr txBox="1">
+            <a:spLocks noGrp="1"/>
+          </p:cNvSpPr>
           <p:nvPr>
             <p:ph type="body" idx="1" hasCustomPrompt="1"/>
           </p:nvPr>
@@ -2228,41 +2252,34 @@
           <a:bodyPr numCol="2" spcCol="1098550"/>
           <a:lstStyle/>
           <a:p>
-            <a:pPr/>
             <a:r>
               <a:t>Slide bullet text</a:t>
             </a:r>
           </a:p>
           <a:p>
             <a:pPr lvl="1"/>
-            <a:r>
-              <a:t/>
-            </a:r>
+            <a:endParaRPr/>
           </a:p>
           <a:p>
             <a:pPr lvl="2"/>
-            <a:r>
-              <a:t/>
-            </a:r>
+            <a:endParaRPr/>
           </a:p>
           <a:p>
             <a:pPr lvl="3"/>
-            <a:r>
-              <a:t/>
-            </a:r>
+            <a:endParaRPr/>
           </a:p>
           <a:p>
             <a:pPr lvl="4"/>
-            <a:r>
-              <a:t/>
-            </a:r>
+            <a:endParaRPr/>
           </a:p>
         </p:txBody>
       </p:sp>
       <p:sp>
         <p:nvSpPr>
           <p:cNvPr id="53" name="Slide Number"/>
-          <p:cNvSpPr txBox="1"/>
+          <p:cNvSpPr txBox="1">
+            <a:spLocks noGrp="1"/>
+          </p:cNvSpPr>
           <p:nvPr>
             <p:ph type="sldNum" sz="quarter" idx="2"/>
           </p:nvPr>
@@ -2276,8 +2293,10 @@
           <a:bodyPr/>
           <a:lstStyle/>
           <a:p>
-            <a:pPr/>
-            <a:fld id="{86CB4B4D-7CA3-9044-876B-883B54F8677D}" type="slidenum"/>
+            <a:fld id="{86CB4B4D-7CA3-9044-876B-883B54F8677D}" type="slidenum">
+              <a:t>‹#›</a:t>
+            </a:fld>
+            <a:endParaRPr/>
           </a:p>
         </p:txBody>
       </p:sp>
@@ -2286,12 +2305,12 @@
   <p:clrMapOvr>
     <a:masterClrMapping/>
   </p:clrMapOvr>
-  <p:transition xmlns:p14="http://schemas.microsoft.com/office/powerpoint/2010/main" spd="med" advClick="1"/>
+  <p:transition spd="med"/>
 </p:sldLayout>
 </file>
 
 <file path=ppt/slideLayouts/slideLayout6.xml><?xml version="1.0" encoding="utf-8"?>
-<p:sldLayout xmlns:a="http://schemas.openxmlformats.org/drawingml/2006/main" xmlns:r="http://schemas.openxmlformats.org/officeDocument/2006/relationships" xmlns:p="http://schemas.openxmlformats.org/presentationml/2006/main" xmlns:m="http://schemas.openxmlformats.org/officeDocument/2006/math" xmlns:a14="http://schemas.microsoft.com/office/drawing/2010/main" type="tx" showMasterSp="1" showMasterPhAnim="1">
+<p:sldLayout xmlns:a="http://schemas.openxmlformats.org/drawingml/2006/main" xmlns:r="http://schemas.openxmlformats.org/officeDocument/2006/relationships" xmlns:p="http://schemas.openxmlformats.org/presentationml/2006/main" type="tx">
   <p:cSld name="Title, Bullets &amp; Photo">
     <p:spTree>
       <p:nvGrpSpPr>
@@ -2310,7 +2329,9 @@
       <p:sp>
         <p:nvSpPr>
           <p:cNvPr id="60" name="Slide Title"/>
-          <p:cNvSpPr txBox="1"/>
+          <p:cNvSpPr txBox="1">
+            <a:spLocks noGrp="1"/>
+          </p:cNvSpPr>
           <p:nvPr>
             <p:ph type="title" hasCustomPrompt="1"/>
           </p:nvPr>
@@ -2328,7 +2349,6 @@
           <a:bodyPr/>
           <a:lstStyle/>
           <a:p>
-            <a:pPr/>
             <a:r>
               <a:t>Slide Title</a:t>
             </a:r>
@@ -2338,7 +2358,9 @@
       <p:sp>
         <p:nvSpPr>
           <p:cNvPr id="61" name="Slide Subtitle"/>
-          <p:cNvSpPr txBox="1"/>
+          <p:cNvSpPr txBox="1">
+            <a:spLocks noGrp="1"/>
+          </p:cNvSpPr>
           <p:nvPr>
             <p:ph type="body" sz="quarter" idx="21" hasCustomPrompt="1"/>
           </p:nvPr>
@@ -2364,11 +2386,10 @@
               </a:spcBef>
               <a:buSzTx/>
               <a:buNone/>
-              <a:defRPr b="1" sz="5500"/>
+              <a:defRPr sz="5500" b="1"/>
             </a:lvl1pPr>
           </a:lstStyle>
           <a:p>
-            <a:pPr/>
             <a:r>
               <a:t>Slide Subtitle</a:t>
             </a:r>
@@ -2378,7 +2399,9 @@
       <p:sp>
         <p:nvSpPr>
           <p:cNvPr id="62" name="Body Level One…"/>
-          <p:cNvSpPr txBox="1"/>
+          <p:cNvSpPr txBox="1">
+            <a:spLocks noGrp="1"/>
+          </p:cNvSpPr>
           <p:nvPr>
             <p:ph type="body" sz="half" idx="1" hasCustomPrompt="1"/>
           </p:nvPr>
@@ -2396,41 +2419,34 @@
           <a:bodyPr/>
           <a:lstStyle/>
           <a:p>
-            <a:pPr/>
             <a:r>
               <a:t>Slide bullet text</a:t>
             </a:r>
           </a:p>
           <a:p>
             <a:pPr lvl="1"/>
-            <a:r>
-              <a:t/>
-            </a:r>
+            <a:endParaRPr/>
           </a:p>
           <a:p>
             <a:pPr lvl="2"/>
-            <a:r>
-              <a:t/>
-            </a:r>
+            <a:endParaRPr/>
           </a:p>
           <a:p>
             <a:pPr lvl="3"/>
-            <a:r>
-              <a:t/>
-            </a:r>
+            <a:endParaRPr/>
           </a:p>
           <a:p>
             <a:pPr lvl="4"/>
-            <a:r>
-              <a:t/>
-            </a:r>
+            <a:endParaRPr/>
           </a:p>
         </p:txBody>
       </p:sp>
       <p:sp>
         <p:nvSpPr>
           <p:cNvPr id="63" name="Large rock formation under dark clouds with a dirt road in the foreground"/>
-          <p:cNvSpPr/>
+          <p:cNvSpPr>
+            <a:spLocks noGrp="1"/>
+          </p:cNvSpPr>
           <p:nvPr>
             <p:ph type="pic" idx="22"/>
           </p:nvPr>
@@ -2450,14 +2466,16 @@
           </a:bodyPr>
           <a:lstStyle/>
           <a:p>
-            <a:pPr/>
+            <a:endParaRPr/>
           </a:p>
         </p:txBody>
       </p:sp>
       <p:sp>
         <p:nvSpPr>
           <p:cNvPr id="64" name="Slide Number"/>
-          <p:cNvSpPr txBox="1"/>
+          <p:cNvSpPr txBox="1">
+            <a:spLocks noGrp="1"/>
+          </p:cNvSpPr>
           <p:nvPr>
             <p:ph type="sldNum" sz="quarter" idx="2"/>
           </p:nvPr>
@@ -2471,8 +2489,10 @@
           <a:bodyPr/>
           <a:lstStyle/>
           <a:p>
-            <a:pPr/>
-            <a:fld id="{86CB4B4D-7CA3-9044-876B-883B54F8677D}" type="slidenum"/>
+            <a:fld id="{86CB4B4D-7CA3-9044-876B-883B54F8677D}" type="slidenum">
+              <a:t>‹#›</a:t>
+            </a:fld>
+            <a:endParaRPr/>
           </a:p>
         </p:txBody>
       </p:sp>
@@ -2481,12 +2501,12 @@
   <p:clrMapOvr>
     <a:masterClrMapping/>
   </p:clrMapOvr>
-  <p:transition xmlns:p14="http://schemas.microsoft.com/office/powerpoint/2010/main" spd="med" advClick="1"/>
+  <p:transition spd="med"/>
 </p:sldLayout>
 </file>
 
 <file path=ppt/slideLayouts/slideLayout7.xml><?xml version="1.0" encoding="utf-8"?>
-<p:sldLayout xmlns:a="http://schemas.openxmlformats.org/drawingml/2006/main" xmlns:r="http://schemas.openxmlformats.org/officeDocument/2006/relationships" xmlns:p="http://schemas.openxmlformats.org/presentationml/2006/main" xmlns:m="http://schemas.openxmlformats.org/officeDocument/2006/math" xmlns:a14="http://schemas.microsoft.com/office/drawing/2010/main" type="tx" showMasterSp="1" showMasterPhAnim="1">
+<p:sldLayout xmlns:a="http://schemas.openxmlformats.org/drawingml/2006/main" xmlns:r="http://schemas.openxmlformats.org/officeDocument/2006/relationships" xmlns:p="http://schemas.openxmlformats.org/presentationml/2006/main" type="tx">
   <p:cSld name="Section">
     <p:spTree>
       <p:nvGrpSpPr>
@@ -2505,7 +2525,9 @@
       <p:sp>
         <p:nvSpPr>
           <p:cNvPr id="71" name="Section Title"/>
-          <p:cNvSpPr txBox="1"/>
+          <p:cNvSpPr txBox="1">
+            <a:spLocks noGrp="1"/>
+          </p:cNvSpPr>
           <p:nvPr>
             <p:ph type="title" hasCustomPrompt="1"/>
           </p:nvPr>
@@ -2523,7 +2545,7 @@
           <a:bodyPr anchor="ctr"/>
           <a:lstStyle>
             <a:lvl1pPr>
-              <a:defRPr b="0" spc="-232" sz="11600">
+              <a:defRPr sz="11600" b="0" spc="-232">
                 <a:latin typeface="Helvetica Neue Medium"/>
                 <a:ea typeface="Helvetica Neue Medium"/>
                 <a:cs typeface="Helvetica Neue Medium"/>
@@ -2532,7 +2554,6 @@
             </a:lvl1pPr>
           </a:lstStyle>
           <a:p>
-            <a:pPr/>
             <a:r>
               <a:t>Section Title</a:t>
             </a:r>
@@ -2542,7 +2563,9 @@
       <p:sp>
         <p:nvSpPr>
           <p:cNvPr id="72" name="Slide Number"/>
-          <p:cNvSpPr txBox="1"/>
+          <p:cNvSpPr txBox="1">
+            <a:spLocks noGrp="1"/>
+          </p:cNvSpPr>
           <p:nvPr>
             <p:ph type="sldNum" sz="quarter" idx="2"/>
           </p:nvPr>
@@ -2560,8 +2583,10 @@
           <a:bodyPr/>
           <a:lstStyle/>
           <a:p>
-            <a:pPr/>
-            <a:fld id="{86CB4B4D-7CA3-9044-876B-883B54F8677D}" type="slidenum"/>
+            <a:fld id="{86CB4B4D-7CA3-9044-876B-883B54F8677D}" type="slidenum">
+              <a:t>‹#›</a:t>
+            </a:fld>
+            <a:endParaRPr/>
           </a:p>
         </p:txBody>
       </p:sp>
@@ -2570,12 +2595,12 @@
   <p:clrMapOvr>
     <a:masterClrMapping/>
   </p:clrMapOvr>
-  <p:transition xmlns:p14="http://schemas.microsoft.com/office/powerpoint/2010/main" spd="med" advClick="1"/>
+  <p:transition spd="med"/>
 </p:sldLayout>
 </file>
 
 <file path=ppt/slideLayouts/slideLayout8.xml><?xml version="1.0" encoding="utf-8"?>
-<p:sldLayout xmlns:a="http://schemas.openxmlformats.org/drawingml/2006/main" xmlns:r="http://schemas.openxmlformats.org/officeDocument/2006/relationships" xmlns:p="http://schemas.openxmlformats.org/presentationml/2006/main" xmlns:m="http://schemas.openxmlformats.org/officeDocument/2006/math" xmlns:a14="http://schemas.microsoft.com/office/drawing/2010/main" type="tx" showMasterSp="1" showMasterPhAnim="1">
+<p:sldLayout xmlns:a="http://schemas.openxmlformats.org/drawingml/2006/main" xmlns:r="http://schemas.openxmlformats.org/officeDocument/2006/relationships" xmlns:p="http://schemas.openxmlformats.org/presentationml/2006/main" type="tx">
   <p:cSld name="Title Only">
     <p:spTree>
       <p:nvGrpSpPr>
@@ -2594,7 +2619,9 @@
       <p:sp>
         <p:nvSpPr>
           <p:cNvPr id="79" name="Slide Title"/>
-          <p:cNvSpPr txBox="1"/>
+          <p:cNvSpPr txBox="1">
+            <a:spLocks noGrp="1"/>
+          </p:cNvSpPr>
           <p:nvPr>
             <p:ph type="title" hasCustomPrompt="1"/>
           </p:nvPr>
@@ -2612,7 +2639,6 @@
           <a:bodyPr/>
           <a:lstStyle/>
           <a:p>
-            <a:pPr/>
             <a:r>
               <a:t>Slide Title</a:t>
             </a:r>
@@ -2622,7 +2648,9 @@
       <p:sp>
         <p:nvSpPr>
           <p:cNvPr id="80" name="Slide Subtitle"/>
-          <p:cNvSpPr txBox="1"/>
+          <p:cNvSpPr txBox="1">
+            <a:spLocks noGrp="1"/>
+          </p:cNvSpPr>
           <p:nvPr>
             <p:ph type="body" sz="quarter" idx="21" hasCustomPrompt="1"/>
           </p:nvPr>
@@ -2648,11 +2676,10 @@
               </a:spcBef>
               <a:buSzTx/>
               <a:buNone/>
-              <a:defRPr b="1" sz="5500"/>
+              <a:defRPr sz="5500" b="1"/>
             </a:lvl1pPr>
           </a:lstStyle>
           <a:p>
-            <a:pPr/>
             <a:r>
               <a:t>Slide Subtitle</a:t>
             </a:r>
@@ -2662,7 +2689,9 @@
       <p:sp>
         <p:nvSpPr>
           <p:cNvPr id="81" name="Slide Number"/>
-          <p:cNvSpPr txBox="1"/>
+          <p:cNvSpPr txBox="1">
+            <a:spLocks noGrp="1"/>
+          </p:cNvSpPr>
           <p:nvPr>
             <p:ph type="sldNum" sz="quarter" idx="2"/>
           </p:nvPr>
@@ -2676,8 +2705,10 @@
           <a:bodyPr/>
           <a:lstStyle/>
           <a:p>
-            <a:pPr/>
-            <a:fld id="{86CB4B4D-7CA3-9044-876B-883B54F8677D}" type="slidenum"/>
+            <a:fld id="{86CB4B4D-7CA3-9044-876B-883B54F8677D}" type="slidenum">
+              <a:t>‹#›</a:t>
+            </a:fld>
+            <a:endParaRPr/>
           </a:p>
         </p:txBody>
       </p:sp>
@@ -2686,12 +2717,12 @@
   <p:clrMapOvr>
     <a:masterClrMapping/>
   </p:clrMapOvr>
-  <p:transition xmlns:p14="http://schemas.microsoft.com/office/powerpoint/2010/main" spd="med" advClick="1"/>
+  <p:transition spd="med"/>
 </p:sldLayout>
 </file>
 
 <file path=ppt/slideLayouts/slideLayout9.xml><?xml version="1.0" encoding="utf-8"?>
-<p:sldLayout xmlns:a="http://schemas.openxmlformats.org/drawingml/2006/main" xmlns:r="http://schemas.openxmlformats.org/officeDocument/2006/relationships" xmlns:p="http://schemas.openxmlformats.org/presentationml/2006/main" xmlns:m="http://schemas.openxmlformats.org/officeDocument/2006/math" xmlns:a14="http://schemas.microsoft.com/office/drawing/2010/main" type="tx" showMasterSp="1" showMasterPhAnim="1">
+<p:sldLayout xmlns:a="http://schemas.openxmlformats.org/drawingml/2006/main" xmlns:r="http://schemas.openxmlformats.org/officeDocument/2006/relationships" xmlns:p="http://schemas.openxmlformats.org/presentationml/2006/main" type="tx">
   <p:cSld name="Agenda">
     <p:spTree>
       <p:nvGrpSpPr>
@@ -2710,7 +2741,9 @@
       <p:sp>
         <p:nvSpPr>
           <p:cNvPr id="88" name="Agenda Title"/>
-          <p:cNvSpPr txBox="1"/>
+          <p:cNvSpPr txBox="1">
+            <a:spLocks noGrp="1"/>
+          </p:cNvSpPr>
           <p:nvPr>
             <p:ph type="title" hasCustomPrompt="1"/>
           </p:nvPr>
@@ -2728,7 +2761,6 @@
           <a:bodyPr/>
           <a:lstStyle/>
           <a:p>
-            <a:pPr/>
             <a:r>
               <a:t>Agenda Title</a:t>
             </a:r>
@@ -2738,7 +2770,9 @@
       <p:sp>
         <p:nvSpPr>
           <p:cNvPr id="89" name="Agenda Subtitle"/>
-          <p:cNvSpPr txBox="1"/>
+          <p:cNvSpPr txBox="1">
+            <a:spLocks noGrp="1"/>
+          </p:cNvSpPr>
           <p:nvPr>
             <p:ph type="body" sz="quarter" idx="21" hasCustomPrompt="1"/>
           </p:nvPr>
@@ -2764,11 +2798,10 @@
               </a:spcBef>
               <a:buSzTx/>
               <a:buNone/>
-              <a:defRPr b="1" sz="5500"/>
+              <a:defRPr sz="5500" b="1"/>
             </a:lvl1pPr>
           </a:lstStyle>
           <a:p>
-            <a:pPr/>
             <a:r>
               <a:t>Agenda Subtitle</a:t>
             </a:r>
@@ -2778,7 +2811,9 @@
       <p:sp>
         <p:nvSpPr>
           <p:cNvPr id="90" name="Body Level One…"/>
-          <p:cNvSpPr txBox="1"/>
+          <p:cNvSpPr txBox="1">
+            <a:spLocks noGrp="1"/>
+          </p:cNvSpPr>
           <p:nvPr>
             <p:ph type="body" idx="1" hasCustomPrompt="1"/>
           </p:nvPr>
@@ -2800,7 +2835,7 @@
               </a:spcBef>
               <a:buSzTx/>
               <a:buNone/>
-              <a:defRPr spc="-55" sz="5500"/>
+              <a:defRPr sz="5500" spc="-55"/>
             </a:lvl1pPr>
             <a:lvl2pPr marL="0" indent="457200" defTabSz="825500">
               <a:lnSpc>
@@ -2811,7 +2846,7 @@
               </a:spcBef>
               <a:buSzTx/>
               <a:buNone/>
-              <a:defRPr spc="-55" sz="5500"/>
+              <a:defRPr sz="5500" spc="-55"/>
             </a:lvl2pPr>
             <a:lvl3pPr marL="0" indent="914400" defTabSz="825500">
               <a:lnSpc>
@@ -2822,7 +2857,7 @@
               </a:spcBef>
               <a:buSzTx/>
               <a:buNone/>
-              <a:defRPr spc="-55" sz="5500"/>
+              <a:defRPr sz="5500" spc="-55"/>
             </a:lvl3pPr>
             <a:lvl4pPr marL="0" indent="1371600" defTabSz="825500">
               <a:lnSpc>
@@ -2833,7 +2868,7 @@
               </a:spcBef>
               <a:buSzTx/>
               <a:buNone/>
-              <a:defRPr spc="-55" sz="5500"/>
+              <a:defRPr sz="5500" spc="-55"/>
             </a:lvl4pPr>
             <a:lvl5pPr marL="0" indent="1828800" defTabSz="825500">
               <a:lnSpc>
@@ -2844,45 +2879,38 @@
               </a:spcBef>
               <a:buSzTx/>
               <a:buNone/>
-              <a:defRPr spc="-55" sz="5500"/>
+              <a:defRPr sz="5500" spc="-55"/>
             </a:lvl5pPr>
           </a:lstStyle>
           <a:p>
-            <a:pPr/>
             <a:r>
               <a:t>Agenda Topics</a:t>
             </a:r>
           </a:p>
           <a:p>
             <a:pPr lvl="1"/>
-            <a:r>
-              <a:t/>
-            </a:r>
+            <a:endParaRPr/>
           </a:p>
           <a:p>
             <a:pPr lvl="2"/>
-            <a:r>
-              <a:t/>
-            </a:r>
+            <a:endParaRPr/>
           </a:p>
           <a:p>
             <a:pPr lvl="3"/>
-            <a:r>
-              <a:t/>
-            </a:r>
+            <a:endParaRPr/>
           </a:p>
           <a:p>
             <a:pPr lvl="4"/>
-            <a:r>
-              <a:t/>
-            </a:r>
+            <a:endParaRPr/>
           </a:p>
         </p:txBody>
       </p:sp>
       <p:sp>
         <p:nvSpPr>
           <p:cNvPr id="91" name="Slide Number"/>
-          <p:cNvSpPr txBox="1"/>
+          <p:cNvSpPr txBox="1">
+            <a:spLocks noGrp="1"/>
+          </p:cNvSpPr>
           <p:nvPr>
             <p:ph type="sldNum" sz="quarter" idx="2"/>
           </p:nvPr>
@@ -2896,8 +2924,10 @@
           <a:bodyPr/>
           <a:lstStyle/>
           <a:p>
-            <a:pPr/>
-            <a:fld id="{86CB4B4D-7CA3-9044-876B-883B54F8677D}" type="slidenum"/>
+            <a:fld id="{86CB4B4D-7CA3-9044-876B-883B54F8677D}" type="slidenum">
+              <a:t>‹#›</a:t>
+            </a:fld>
+            <a:endParaRPr/>
           </a:p>
         </p:txBody>
       </p:sp>
@@ -2906,18 +2936,19 @@
   <p:clrMapOvr>
     <a:masterClrMapping/>
   </p:clrMapOvr>
-  <p:transition xmlns:p14="http://schemas.microsoft.com/office/powerpoint/2010/main" spd="med" advClick="1"/>
+  <p:transition spd="med"/>
 </p:sldLayout>
 </file>
 
 <file path=ppt/slideMasters/slideMaster1.xml><?xml version="1.0" encoding="utf-8"?>
-<p:sldMaster xmlns:a="http://schemas.openxmlformats.org/drawingml/2006/main" xmlns:r="http://schemas.openxmlformats.org/officeDocument/2006/relationships" xmlns:p="http://schemas.openxmlformats.org/presentationml/2006/main" xmlns:m="http://schemas.openxmlformats.org/officeDocument/2006/math" xmlns:a14="http://schemas.microsoft.com/office/drawing/2010/main">
+<p:sldMaster xmlns:a="http://schemas.openxmlformats.org/drawingml/2006/main" xmlns:r="http://schemas.openxmlformats.org/officeDocument/2006/relationships" xmlns:p="http://schemas.openxmlformats.org/presentationml/2006/main">
   <p:cSld>
     <p:bg>
       <p:bgPr>
         <a:solidFill>
           <a:srgbClr val="000000"/>
         </a:solidFill>
+        <a:effectLst/>
       </p:bgPr>
     </p:bg>
     <p:spTree>
@@ -2937,7 +2968,9 @@
       <p:sp>
         <p:nvSpPr>
           <p:cNvPr id="2" name="Slide Title"/>
-          <p:cNvSpPr txBox="1"/>
+          <p:cNvSpPr txBox="1">
+            <a:spLocks noGrp="1"/>
+          </p:cNvSpPr>
           <p:nvPr>
             <p:ph type="title" hasCustomPrompt="1"/>
           </p:nvPr>
@@ -2955,17 +2988,16 @@
           </a:ln>
           <a:extLst>
             <a:ext uri="{C572A759-6A51-4108-AA02-DFA0A04FC94B}">
-              <ma14:wrappingTextBoxFlag xmlns:ma14="http://schemas.microsoft.com/office/mac/drawingml/2011/main" val="1"/>
+              <ma14:wrappingTextBoxFlag xmlns:ma14="http://schemas.microsoft.com/office/mac/drawingml/2011/main" xmlns:a14="http://schemas.microsoft.com/office/drawing/2010/main" xmlns:m="http://schemas.openxmlformats.org/officeDocument/2006/math" xmlns="" val="1"/>
             </a:ext>
           </a:extLst>
         </p:spPr>
         <p:txBody>
           <a:bodyPr lIns="50800" tIns="50800" rIns="50800" bIns="50800">
-            <a:normAutofit fontScale="100000" lnSpcReduction="0"/>
+            <a:normAutofit/>
           </a:bodyPr>
           <a:lstStyle/>
           <a:p>
-            <a:pPr/>
             <a:r>
               <a:t>Slide Title</a:t>
             </a:r>
@@ -2975,7 +3007,9 @@
       <p:sp>
         <p:nvSpPr>
           <p:cNvPr id="3" name="Body Level One…"/>
-          <p:cNvSpPr txBox="1"/>
+          <p:cNvSpPr txBox="1">
+            <a:spLocks noGrp="1"/>
+          </p:cNvSpPr>
           <p:nvPr>
             <p:ph type="body" idx="1" hasCustomPrompt="1"/>
           </p:nvPr>
@@ -2993,51 +3027,44 @@
           </a:ln>
           <a:extLst>
             <a:ext uri="{C572A759-6A51-4108-AA02-DFA0A04FC94B}">
-              <ma14:wrappingTextBoxFlag xmlns:ma14="http://schemas.microsoft.com/office/mac/drawingml/2011/main" val="1"/>
+              <ma14:wrappingTextBoxFlag xmlns:ma14="http://schemas.microsoft.com/office/mac/drawingml/2011/main" xmlns:a14="http://schemas.microsoft.com/office/drawing/2010/main" xmlns:m="http://schemas.openxmlformats.org/officeDocument/2006/math" xmlns="" val="1"/>
             </a:ext>
           </a:extLst>
         </p:spPr>
         <p:txBody>
           <a:bodyPr lIns="50800" tIns="50800" rIns="50800" bIns="50800">
-            <a:normAutofit fontScale="100000" lnSpcReduction="0"/>
+            <a:normAutofit/>
           </a:bodyPr>
           <a:lstStyle/>
           <a:p>
-            <a:pPr/>
             <a:r>
               <a:t>Slide bullet text</a:t>
             </a:r>
           </a:p>
           <a:p>
             <a:pPr lvl="1"/>
-            <a:r>
-              <a:t/>
-            </a:r>
+            <a:endParaRPr/>
           </a:p>
           <a:p>
             <a:pPr lvl="2"/>
-            <a:r>
-              <a:t/>
-            </a:r>
+            <a:endParaRPr/>
           </a:p>
           <a:p>
             <a:pPr lvl="3"/>
-            <a:r>
-              <a:t/>
-            </a:r>
+            <a:endParaRPr/>
           </a:p>
           <a:p>
             <a:pPr lvl="4"/>
-            <a:r>
-              <a:t/>
-            </a:r>
+            <a:endParaRPr/>
           </a:p>
         </p:txBody>
       </p:sp>
       <p:sp>
         <p:nvSpPr>
           <p:cNvPr id="4" name="Slide Number"/>
-          <p:cNvSpPr txBox="1"/>
+          <p:cNvSpPr txBox="1">
+            <a:spLocks noGrp="1"/>
+          </p:cNvSpPr>
           <p:nvPr>
             <p:ph type="sldNum" sz="quarter" idx="2"/>
           </p:nvPr>
@@ -3064,8 +3091,10 @@
             </a:lvl1pPr>
           </a:lstStyle>
           <a:p>
-            <a:pPr/>
-            <a:fld id="{86CB4B4D-7CA3-9044-876B-883B54F8677D}" type="slidenum"/>
+            <a:fld id="{86CB4B4D-7CA3-9044-876B-883B54F8677D}" type="slidenum">
+              <a:t>‹#›</a:t>
+            </a:fld>
+            <a:endParaRPr/>
           </a:p>
         </p:txBody>
       </p:sp>
@@ -3073,23 +3102,23 @@
   </p:cSld>
   <p:clrMap bg1="dk1" tx1="lt1" bg2="dk2" tx2="lt2" accent1="accent1" accent2="accent2" accent3="accent3" accent4="accent4" accent5="accent5" accent6="accent6" hlink="hlink" folHlink="folHlink"/>
   <p:sldLayoutIdLst>
-    <p:sldLayoutId id="2147483649" r:id="rId2"/>
-    <p:sldLayoutId id="2147483650" r:id="rId3"/>
-    <p:sldLayoutId id="2147483651" r:id="rId4"/>
-    <p:sldLayoutId id="2147483652" r:id="rId5"/>
-    <p:sldLayoutId id="2147483653" r:id="rId6"/>
-    <p:sldLayoutId id="2147483654" r:id="rId7"/>
-    <p:sldLayoutId id="2147483655" r:id="rId8"/>
-    <p:sldLayoutId id="2147483656" r:id="rId9"/>
-    <p:sldLayoutId id="2147483657" r:id="rId10"/>
-    <p:sldLayoutId id="2147483658" r:id="rId11"/>
-    <p:sldLayoutId id="2147483659" r:id="rId12"/>
-    <p:sldLayoutId id="2147483660" r:id="rId13"/>
-    <p:sldLayoutId id="2147483661" r:id="rId14"/>
-    <p:sldLayoutId id="2147483662" r:id="rId15"/>
-    <p:sldLayoutId id="2147483663" r:id="rId16"/>
+    <p:sldLayoutId id="2147483649" r:id="rId1"/>
+    <p:sldLayoutId id="2147483650" r:id="rId2"/>
+    <p:sldLayoutId id="2147483651" r:id="rId3"/>
+    <p:sldLayoutId id="2147483652" r:id="rId4"/>
+    <p:sldLayoutId id="2147483653" r:id="rId5"/>
+    <p:sldLayoutId id="2147483654" r:id="rId6"/>
+    <p:sldLayoutId id="2147483655" r:id="rId7"/>
+    <p:sldLayoutId id="2147483656" r:id="rId8"/>
+    <p:sldLayoutId id="2147483657" r:id="rId9"/>
+    <p:sldLayoutId id="2147483658" r:id="rId10"/>
+    <p:sldLayoutId id="2147483659" r:id="rId11"/>
+    <p:sldLayoutId id="2147483660" r:id="rId12"/>
+    <p:sldLayoutId id="2147483661" r:id="rId13"/>
+    <p:sldLayoutId id="2147483662" r:id="rId14"/>
+    <p:sldLayoutId id="2147483663" r:id="rId15"/>
   </p:sldLayoutIdLst>
-  <p:transition xmlns:p14="http://schemas.microsoft.com/office/powerpoint/2010/main" spd="med" advClick="1"/>
+  <p:transition spd="med"/>
   <p:txStyles>
     <p:titleStyle>
       <a:lvl1pPr marL="0" marR="0" indent="0" algn="l" defTabSz="2438338" rtl="0" latinLnBrk="0">
@@ -3107,7 +3136,7 @@
         <a:buFontTx/>
         <a:buNone/>
         <a:tabLst/>
-        <a:defRPr b="1" baseline="0" cap="none" i="0" spc="-170" strike="noStrike" sz="8500" u="none">
+        <a:defRPr sz="8500" b="1" i="0" u="none" strike="noStrike" cap="none" spc="-170" baseline="0">
           <a:solidFill>
             <a:srgbClr val="FFFFFF"/>
           </a:solidFill>
@@ -3133,7 +3162,7 @@
         <a:buFontTx/>
         <a:buNone/>
         <a:tabLst/>
-        <a:defRPr b="1" baseline="0" cap="none" i="0" spc="-170" strike="noStrike" sz="8500" u="none">
+        <a:defRPr sz="8500" b="1" i="0" u="none" strike="noStrike" cap="none" spc="-170" baseline="0">
           <a:solidFill>
             <a:srgbClr val="FFFFFF"/>
           </a:solidFill>
@@ -3159,7 +3188,7 @@
         <a:buFontTx/>
         <a:buNone/>
         <a:tabLst/>
-        <a:defRPr b="1" baseline="0" cap="none" i="0" spc="-170" strike="noStrike" sz="8500" u="none">
+        <a:defRPr sz="8500" b="1" i="0" u="none" strike="noStrike" cap="none" spc="-170" baseline="0">
           <a:solidFill>
             <a:srgbClr val="FFFFFF"/>
           </a:solidFill>
@@ -3185,7 +3214,7 @@
         <a:buFontTx/>
         <a:buNone/>
         <a:tabLst/>
-        <a:defRPr b="1" baseline="0" cap="none" i="0" spc="-170" strike="noStrike" sz="8500" u="none">
+        <a:defRPr sz="8500" b="1" i="0" u="none" strike="noStrike" cap="none" spc="-170" baseline="0">
           <a:solidFill>
             <a:srgbClr val="FFFFFF"/>
           </a:solidFill>
@@ -3211,7 +3240,7 @@
         <a:buFontTx/>
         <a:buNone/>
         <a:tabLst/>
-        <a:defRPr b="1" baseline="0" cap="none" i="0" spc="-170" strike="noStrike" sz="8500" u="none">
+        <a:defRPr sz="8500" b="1" i="0" u="none" strike="noStrike" cap="none" spc="-170" baseline="0">
           <a:solidFill>
             <a:srgbClr val="FFFFFF"/>
           </a:solidFill>
@@ -3237,7 +3266,7 @@
         <a:buFontTx/>
         <a:buNone/>
         <a:tabLst/>
-        <a:defRPr b="1" baseline="0" cap="none" i="0" spc="-170" strike="noStrike" sz="8500" u="none">
+        <a:defRPr sz="8500" b="1" i="0" u="none" strike="noStrike" cap="none" spc="-170" baseline="0">
           <a:solidFill>
             <a:srgbClr val="FFFFFF"/>
           </a:solidFill>
@@ -3263,7 +3292,7 @@
         <a:buFontTx/>
         <a:buNone/>
         <a:tabLst/>
-        <a:defRPr b="1" baseline="0" cap="none" i="0" spc="-170" strike="noStrike" sz="8500" u="none">
+        <a:defRPr sz="8500" b="1" i="0" u="none" strike="noStrike" cap="none" spc="-170" baseline="0">
           <a:solidFill>
             <a:srgbClr val="FFFFFF"/>
           </a:solidFill>
@@ -3289,7 +3318,7 @@
         <a:buFontTx/>
         <a:buNone/>
         <a:tabLst/>
-        <a:defRPr b="1" baseline="0" cap="none" i="0" spc="-170" strike="noStrike" sz="8500" u="none">
+        <a:defRPr sz="8500" b="1" i="0" u="none" strike="noStrike" cap="none" spc="-170" baseline="0">
           <a:solidFill>
             <a:srgbClr val="FFFFFF"/>
           </a:solidFill>
@@ -3315,7 +3344,7 @@
         <a:buFontTx/>
         <a:buNone/>
         <a:tabLst/>
-        <a:defRPr b="1" baseline="0" cap="none" i="0" spc="-170" strike="noStrike" sz="8500" u="none">
+        <a:defRPr sz="8500" b="1" i="0" u="none" strike="noStrike" cap="none" spc="-170" baseline="0">
           <a:solidFill>
             <a:srgbClr val="FFFFFF"/>
           </a:solidFill>
@@ -3343,7 +3372,7 @@
         <a:buFontTx/>
         <a:buChar char="•"/>
         <a:tabLst/>
-        <a:defRPr b="0" baseline="0" cap="none" i="0" spc="0" strike="noStrike" sz="4800" u="none">
+        <a:defRPr sz="4800" b="0" i="0" u="none" strike="noStrike" cap="none" spc="0" baseline="0">
           <a:solidFill>
             <a:srgbClr val="FFFFFF"/>
           </a:solidFill>
@@ -3369,7 +3398,7 @@
         <a:buFontTx/>
         <a:buChar char="•"/>
         <a:tabLst/>
-        <a:defRPr b="0" baseline="0" cap="none" i="0" spc="0" strike="noStrike" sz="4800" u="none">
+        <a:defRPr sz="4800" b="0" i="0" u="none" strike="noStrike" cap="none" spc="0" baseline="0">
           <a:solidFill>
             <a:srgbClr val="FFFFFF"/>
           </a:solidFill>
@@ -3395,7 +3424,7 @@
         <a:buFontTx/>
         <a:buChar char="•"/>
         <a:tabLst/>
-        <a:defRPr b="0" baseline="0" cap="none" i="0" spc="0" strike="noStrike" sz="4800" u="none">
+        <a:defRPr sz="4800" b="0" i="0" u="none" strike="noStrike" cap="none" spc="0" baseline="0">
           <a:solidFill>
             <a:srgbClr val="FFFFFF"/>
           </a:solidFill>
@@ -3421,7 +3450,7 @@
         <a:buFontTx/>
         <a:buChar char="•"/>
         <a:tabLst/>
-        <a:defRPr b="0" baseline="0" cap="none" i="0" spc="0" strike="noStrike" sz="4800" u="none">
+        <a:defRPr sz="4800" b="0" i="0" u="none" strike="noStrike" cap="none" spc="0" baseline="0">
           <a:solidFill>
             <a:srgbClr val="FFFFFF"/>
           </a:solidFill>
@@ -3447,7 +3476,7 @@
         <a:buFontTx/>
         <a:buChar char="•"/>
         <a:tabLst/>
-        <a:defRPr b="0" baseline="0" cap="none" i="0" spc="0" strike="noStrike" sz="4800" u="none">
+        <a:defRPr sz="4800" b="0" i="0" u="none" strike="noStrike" cap="none" spc="0" baseline="0">
           <a:solidFill>
             <a:srgbClr val="FFFFFF"/>
           </a:solidFill>
@@ -3473,7 +3502,7 @@
         <a:buFontTx/>
         <a:buChar char="•"/>
         <a:tabLst/>
-        <a:defRPr b="0" baseline="0" cap="none" i="0" spc="0" strike="noStrike" sz="4800" u="none">
+        <a:defRPr sz="4800" b="0" i="0" u="none" strike="noStrike" cap="none" spc="0" baseline="0">
           <a:solidFill>
             <a:srgbClr val="FFFFFF"/>
           </a:solidFill>
@@ -3499,7 +3528,7 @@
         <a:buFontTx/>
         <a:buChar char="•"/>
         <a:tabLst/>
-        <a:defRPr b="0" baseline="0" cap="none" i="0" spc="0" strike="noStrike" sz="4800" u="none">
+        <a:defRPr sz="4800" b="0" i="0" u="none" strike="noStrike" cap="none" spc="0" baseline="0">
           <a:solidFill>
             <a:srgbClr val="FFFFFF"/>
           </a:solidFill>
@@ -3525,7 +3554,7 @@
         <a:buFontTx/>
         <a:buChar char="•"/>
         <a:tabLst/>
-        <a:defRPr b="0" baseline="0" cap="none" i="0" spc="0" strike="noStrike" sz="4800" u="none">
+        <a:defRPr sz="4800" b="0" i="0" u="none" strike="noStrike" cap="none" spc="0" baseline="0">
           <a:solidFill>
             <a:srgbClr val="FFFFFF"/>
           </a:solidFill>
@@ -3551,7 +3580,7 @@
         <a:buFontTx/>
         <a:buChar char="•"/>
         <a:tabLst/>
-        <a:defRPr b="0" baseline="0" cap="none" i="0" spc="0" strike="noStrike" sz="4800" u="none">
+        <a:defRPr sz="4800" b="0" i="0" u="none" strike="noStrike" cap="none" spc="0" baseline="0">
           <a:solidFill>
             <a:srgbClr val="FFFFFF"/>
           </a:solidFill>
@@ -3579,7 +3608,7 @@
         <a:buFontTx/>
         <a:buNone/>
         <a:tabLst/>
-        <a:defRPr b="0" baseline="0" cap="none" i="0" spc="0" strike="noStrike" sz="1800" u="none">
+        <a:defRPr sz="1800" b="0" i="0" u="none" strike="noStrike" cap="none" spc="0" baseline="0">
           <a:solidFill>
             <a:schemeClr val="tx1"/>
           </a:solidFill>
@@ -3605,7 +3634,7 @@
         <a:buFontTx/>
         <a:buNone/>
         <a:tabLst/>
-        <a:defRPr b="0" baseline="0" cap="none" i="0" spc="0" strike="noStrike" sz="1800" u="none">
+        <a:defRPr sz="1800" b="0" i="0" u="none" strike="noStrike" cap="none" spc="0" baseline="0">
           <a:solidFill>
             <a:schemeClr val="tx1"/>
           </a:solidFill>
@@ -3631,7 +3660,7 @@
         <a:buFontTx/>
         <a:buNone/>
         <a:tabLst/>
-        <a:defRPr b="0" baseline="0" cap="none" i="0" spc="0" strike="noStrike" sz="1800" u="none">
+        <a:defRPr sz="1800" b="0" i="0" u="none" strike="noStrike" cap="none" spc="0" baseline="0">
           <a:solidFill>
             <a:schemeClr val="tx1"/>
           </a:solidFill>
@@ -3657,7 +3686,7 @@
         <a:buFontTx/>
         <a:buNone/>
         <a:tabLst/>
-        <a:defRPr b="0" baseline="0" cap="none" i="0" spc="0" strike="noStrike" sz="1800" u="none">
+        <a:defRPr sz="1800" b="0" i="0" u="none" strike="noStrike" cap="none" spc="0" baseline="0">
           <a:solidFill>
             <a:schemeClr val="tx1"/>
           </a:solidFill>
@@ -3683,7 +3712,7 @@
         <a:buFontTx/>
         <a:buNone/>
         <a:tabLst/>
-        <a:defRPr b="0" baseline="0" cap="none" i="0" spc="0" strike="noStrike" sz="1800" u="none">
+        <a:defRPr sz="1800" b="0" i="0" u="none" strike="noStrike" cap="none" spc="0" baseline="0">
           <a:solidFill>
             <a:schemeClr val="tx1"/>
           </a:solidFill>
@@ -3709,7 +3738,7 @@
         <a:buFontTx/>
         <a:buNone/>
         <a:tabLst/>
-        <a:defRPr b="0" baseline="0" cap="none" i="0" spc="0" strike="noStrike" sz="1800" u="none">
+        <a:defRPr sz="1800" b="0" i="0" u="none" strike="noStrike" cap="none" spc="0" baseline="0">
           <a:solidFill>
             <a:schemeClr val="tx1"/>
           </a:solidFill>
@@ -3735,7 +3764,7 @@
         <a:buFontTx/>
         <a:buNone/>
         <a:tabLst/>
-        <a:defRPr b="0" baseline="0" cap="none" i="0" spc="0" strike="noStrike" sz="1800" u="none">
+        <a:defRPr sz="1800" b="0" i="0" u="none" strike="noStrike" cap="none" spc="0" baseline="0">
           <a:solidFill>
             <a:schemeClr val="tx1"/>
           </a:solidFill>
@@ -3761,7 +3790,7 @@
         <a:buFontTx/>
         <a:buNone/>
         <a:tabLst/>
-        <a:defRPr b="0" baseline="0" cap="none" i="0" spc="0" strike="noStrike" sz="1800" u="none">
+        <a:defRPr sz="1800" b="0" i="0" u="none" strike="noStrike" cap="none" spc="0" baseline="0">
           <a:solidFill>
             <a:schemeClr val="tx1"/>
           </a:solidFill>
@@ -3787,7 +3816,7 @@
         <a:buFontTx/>
         <a:buNone/>
         <a:tabLst/>
-        <a:defRPr b="0" baseline="0" cap="none" i="0" spc="0" strike="noStrike" sz="1800" u="none">
+        <a:defRPr sz="1800" b="0" i="0" u="none" strike="noStrike" cap="none" spc="0" baseline="0">
           <a:solidFill>
             <a:schemeClr val="tx1"/>
           </a:solidFill>
@@ -3804,7 +3833,7 @@
 </file>
 
 <file path=ppt/slides/slide1.xml><?xml version="1.0" encoding="utf-8"?>
-<p:sld xmlns:a="http://schemas.openxmlformats.org/drawingml/2006/main" xmlns:r="http://schemas.openxmlformats.org/officeDocument/2006/relationships" xmlns:p="http://schemas.openxmlformats.org/presentationml/2006/main" xmlns:m="http://schemas.openxmlformats.org/officeDocument/2006/math" xmlns:a14="http://schemas.microsoft.com/office/drawing/2010/main" showMasterSp="1" showMasterPhAnim="1">
+<p:sld xmlns:a="http://schemas.openxmlformats.org/drawingml/2006/main" xmlns:r="http://schemas.openxmlformats.org/officeDocument/2006/relationships" xmlns:p="http://schemas.openxmlformats.org/presentationml/2006/main">
   <p:cSld>
     <p:spTree>
       <p:nvGrpSpPr>
@@ -3823,7 +3852,9 @@
       <p:sp>
         <p:nvSpPr>
           <p:cNvPr id="151" name="Martin Müller"/>
-          <p:cNvSpPr txBox="1"/>
+          <p:cNvSpPr txBox="1">
+            <a:spLocks noGrp="1"/>
+          </p:cNvSpPr>
           <p:nvPr>
             <p:ph type="body" idx="21"/>
           </p:nvPr>
@@ -3834,15 +3865,16 @@
           </a:prstGeom>
           <a:extLst>
             <a:ext uri="{C572A759-6A51-4108-AA02-DFA0A04FC94B}">
-              <ma14:wrappingTextBoxFlag xmlns:ma14="http://schemas.microsoft.com/office/mac/drawingml/2011/main" val="1"/>
+              <ma14:wrappingTextBoxFlag xmlns:ma14="http://schemas.microsoft.com/office/mac/drawingml/2011/main" xmlns:a14="http://schemas.microsoft.com/office/drawing/2010/main" xmlns:m="http://schemas.openxmlformats.org/officeDocument/2006/math" xmlns="" val="1"/>
             </a:ext>
           </a:extLst>
         </p:spPr>
         <p:txBody>
-          <a:bodyPr/>
+          <a:bodyPr>
+            <a:normAutofit lnSpcReduction="10000"/>
+          </a:bodyPr>
           <a:lstStyle/>
           <a:p>
-            <a:pPr/>
             <a:r>
               <a:t>Martin Müller</a:t>
             </a:r>
@@ -3852,7 +3884,9 @@
       <p:sp>
         <p:nvSpPr>
           <p:cNvPr id="152" name="The world’s first synthesizer"/>
-          <p:cNvSpPr txBox="1"/>
+          <p:cNvSpPr txBox="1">
+            <a:spLocks noGrp="1"/>
+          </p:cNvSpPr>
           <p:nvPr>
             <p:ph type="ctrTitle"/>
           </p:nvPr>
@@ -3866,17 +3900,20 @@
           <a:bodyPr/>
           <a:lstStyle/>
           <a:p>
-            <a:pPr/>
-            <a:r>
-              <a:t>The world’s first synthesizer</a:t>
-            </a:r>
+            <a:r>
+              <a:rPr lang="cs-CZ" dirty="0"/>
+              <a:t>První syntetizér</a:t>
+            </a:r>
+            <a:endParaRPr dirty="0"/>
           </a:p>
         </p:txBody>
       </p:sp>
       <p:sp>
         <p:nvSpPr>
           <p:cNvPr id="153" name="The Telharmonium"/>
-          <p:cNvSpPr txBox="1"/>
+          <p:cNvSpPr txBox="1">
+            <a:spLocks noGrp="1"/>
+          </p:cNvSpPr>
           <p:nvPr>
             <p:ph type="subTitle" sz="quarter" idx="1"/>
           </p:nvPr>
@@ -3890,9 +3927,9 @@
           <a:bodyPr/>
           <a:lstStyle/>
           <a:p>
-            <a:pPr/>
-            <a:r>
-              <a:t>The Telharmonium</a:t>
+            <a:r>
+              <a:rPr dirty="0"/>
+              <a:t>Telharmonium</a:t>
             </a:r>
           </a:p>
         </p:txBody>
@@ -3902,12 +3939,12 @@
   <p:clrMapOvr>
     <a:masterClrMapping/>
   </p:clrMapOvr>
-  <p:transition xmlns:p14="http://schemas.microsoft.com/office/powerpoint/2010/main" spd="med" advClick="1"/>
+  <p:transition spd="med"/>
 </p:sld>
 </file>
 
 <file path=ppt/slides/slide2.xml><?xml version="1.0" encoding="utf-8"?>
-<p:sld xmlns:a="http://schemas.openxmlformats.org/drawingml/2006/main" xmlns:r="http://schemas.openxmlformats.org/officeDocument/2006/relationships" xmlns:p="http://schemas.openxmlformats.org/presentationml/2006/main" xmlns:m="http://schemas.openxmlformats.org/officeDocument/2006/math" xmlns:a14="http://schemas.microsoft.com/office/drawing/2010/main" showMasterSp="1" showMasterPhAnim="1">
+<p:sld xmlns:a="http://schemas.openxmlformats.org/drawingml/2006/main" xmlns:r="http://schemas.openxmlformats.org/officeDocument/2006/relationships" xmlns:p="http://schemas.openxmlformats.org/presentationml/2006/main">
   <p:cSld>
     <p:spTree>
       <p:nvGrpSpPr>
@@ -3926,7 +3963,9 @@
       <p:sp>
         <p:nvSpPr>
           <p:cNvPr id="155" name="The science of sound"/>
-          <p:cNvSpPr txBox="1"/>
+          <p:cNvSpPr txBox="1">
+            <a:spLocks noGrp="1"/>
+          </p:cNvSpPr>
           <p:nvPr>
             <p:ph type="title"/>
           </p:nvPr>
@@ -3937,24 +3976,29 @@
           </a:prstGeom>
         </p:spPr>
         <p:txBody>
-          <a:bodyPr/>
+          <a:bodyPr>
+            <a:normAutofit fontScale="90000"/>
+          </a:bodyPr>
           <a:lstStyle>
             <a:lvl1pPr defTabSz="2218888">
-              <a:defRPr spc="-154" sz="7735"/>
+              <a:defRPr sz="7735" spc="-154"/>
             </a:lvl1pPr>
           </a:lstStyle>
           <a:p>
-            <a:pPr/>
-            <a:r>
-              <a:t>The science of sound</a:t>
-            </a:r>
+            <a:r>
+              <a:rPr lang="cs-CZ" dirty="0"/>
+              <a:t>Co to vlastně slyšíme?</a:t>
+            </a:r>
+            <a:endParaRPr dirty="0"/>
           </a:p>
         </p:txBody>
       </p:sp>
       <p:sp>
         <p:nvSpPr>
           <p:cNvPr id="156" name="a.k.a. what makes instruments unique"/>
-          <p:cNvSpPr txBox="1"/>
+          <p:cNvSpPr txBox="1">
+            <a:spLocks noGrp="1"/>
+          </p:cNvSpPr>
           <p:nvPr>
             <p:ph type="body" idx="21"/>
           </p:nvPr>
@@ -3965,7 +4009,7 @@
           </a:prstGeom>
           <a:extLst>
             <a:ext uri="{C572A759-6A51-4108-AA02-DFA0A04FC94B}">
-              <ma14:wrappingTextBoxFlag xmlns:ma14="http://schemas.microsoft.com/office/mac/drawingml/2011/main" val="1"/>
+              <ma14:wrappingTextBoxFlag xmlns:ma14="http://schemas.microsoft.com/office/mac/drawingml/2011/main" xmlns:a14="http://schemas.microsoft.com/office/drawing/2010/main" xmlns:m="http://schemas.openxmlformats.org/officeDocument/2006/math" xmlns="" val="1"/>
             </a:ext>
           </a:extLst>
         </p:spPr>
@@ -3977,17 +4021,20 @@
             </a:lvl1pPr>
           </a:lstStyle>
           <a:p>
-            <a:pPr/>
-            <a:r>
-              <a:t>a.k.a. what makes instruments unique</a:t>
-            </a:r>
+            <a:r>
+              <a:rPr lang="cs-CZ" dirty="0"/>
+              <a:t>Čím je každý nástroj unikátní</a:t>
+            </a:r>
+            <a:endParaRPr dirty="0"/>
           </a:p>
         </p:txBody>
       </p:sp>
       <p:sp>
         <p:nvSpPr>
           <p:cNvPr id="157" name="Harmonics…"/>
-          <p:cNvSpPr txBox="1"/>
+          <p:cNvSpPr txBox="1">
+            <a:spLocks noGrp="1"/>
+          </p:cNvSpPr>
           <p:nvPr>
             <p:ph type="body" sz="half" idx="1"/>
           </p:nvPr>
@@ -4001,44 +4048,49 @@
           <a:bodyPr/>
           <a:lstStyle/>
           <a:p>
-            <a:pPr/>
-            <a:r>
-              <a:t>Harmonics</a:t>
-            </a:r>
-          </a:p>
-          <a:p>
-            <a:pPr/>
-            <a:r>
+            <a:r>
+              <a:rPr dirty="0" err="1"/>
+              <a:t>Harmoni</a:t>
+            </a:r>
+            <a:r>
+              <a:rPr lang="cs-CZ" dirty="0"/>
+              <a:t>e</a:t>
+            </a:r>
+            <a:endParaRPr dirty="0"/>
+          </a:p>
+          <a:p>
+            <a:r>
+              <a:rPr dirty="0"/>
               <a:t>Attack</a:t>
             </a:r>
           </a:p>
           <a:p>
-            <a:pPr/>
-            <a:r>
+            <a:r>
+              <a:rPr dirty="0"/>
               <a:t>Decay</a:t>
             </a:r>
           </a:p>
           <a:p>
-            <a:pPr/>
-            <a:r>
+            <a:r>
+              <a:rPr dirty="0"/>
               <a:t>Release</a:t>
             </a:r>
           </a:p>
           <a:p>
-            <a:pPr/>
-            <a:r>
+            <a:r>
+              <a:rPr dirty="0"/>
               <a:t>Sustain</a:t>
             </a:r>
           </a:p>
           <a:p>
-            <a:pPr/>
-            <a:r>
+            <a:r>
+              <a:rPr dirty="0"/>
               <a:t>Ambience</a:t>
             </a:r>
           </a:p>
           <a:p>
-            <a:pPr/>
-            <a:r>
+            <a:r>
+              <a:rPr dirty="0"/>
               <a:t>etc.</a:t>
             </a:r>
           </a:p>
@@ -4048,17 +4100,15 @@
         <p:nvPicPr>
           <p:cNvPr id="158" name="Large rock formation under dark clouds with a dirt road in the foreground" descr="Large rock formation under dark clouds with a dirt road in the foreground"/>
           <p:cNvPicPr>
-            <a:picLocks noChangeAspect="1"/>
+            <a:picLocks noGrp="1" noChangeAspect="1"/>
           </p:cNvPicPr>
           <p:nvPr>
             <p:ph type="pic" idx="22"/>
           </p:nvPr>
         </p:nvPicPr>
         <p:blipFill>
-          <a:blip r:embed="rId2">
-            <a:extLst/>
-          </a:blip>
-          <a:srcRect l="0" t="3696" r="0" b="3696"/>
+          <a:blip r:embed="rId2"/>
+          <a:srcRect t="3696" b="3696"/>
           <a:stretch>
             <a:fillRect/>
           </a:stretch>
@@ -4078,12 +4128,12 @@
   <p:clrMapOvr>
     <a:masterClrMapping/>
   </p:clrMapOvr>
-  <p:transition xmlns:p14="http://schemas.microsoft.com/office/powerpoint/2010/main" spd="med" advClick="1"/>
+  <p:transition spd="med"/>
 </p:sld>
 </file>
 
 <file path=ppt/slides/slide3.xml><?xml version="1.0" encoding="utf-8"?>
-<p:sld xmlns:a="http://schemas.openxmlformats.org/drawingml/2006/main" xmlns:r="http://schemas.openxmlformats.org/officeDocument/2006/relationships" xmlns:p="http://schemas.openxmlformats.org/presentationml/2006/main" xmlns:m="http://schemas.openxmlformats.org/officeDocument/2006/math" xmlns:a14="http://schemas.microsoft.com/office/drawing/2010/main" showMasterSp="1" showMasterPhAnim="1">
+<p:sld xmlns:a="http://schemas.openxmlformats.org/drawingml/2006/main" xmlns:r="http://schemas.openxmlformats.org/officeDocument/2006/relationships" xmlns:p="http://schemas.openxmlformats.org/presentationml/2006/main">
   <p:cSld>
     <p:spTree>
       <p:nvGrpSpPr>
@@ -4102,7 +4152,9 @@
       <p:sp>
         <p:nvSpPr>
           <p:cNvPr id="160" name="How synthesisers work"/>
-          <p:cNvSpPr txBox="1"/>
+          <p:cNvSpPr txBox="1">
+            <a:spLocks noGrp="1"/>
+          </p:cNvSpPr>
           <p:nvPr>
             <p:ph type="title"/>
           </p:nvPr>
@@ -4116,17 +4168,20 @@
           <a:bodyPr/>
           <a:lstStyle/>
           <a:p>
-            <a:pPr/>
-            <a:r>
-              <a:t>How synthesisers work</a:t>
-            </a:r>
+            <a:r>
+              <a:rPr lang="cs-CZ" dirty="0"/>
+              <a:t>Jak funguje syntetizér?</a:t>
+            </a:r>
+            <a:endParaRPr dirty="0"/>
           </a:p>
         </p:txBody>
       </p:sp>
       <p:sp>
         <p:nvSpPr>
           <p:cNvPr id="161" name="Additive x subtractive synthesis"/>
-          <p:cNvSpPr txBox="1"/>
+          <p:cNvSpPr txBox="1">
+            <a:spLocks noGrp="1"/>
+          </p:cNvSpPr>
           <p:nvPr>
             <p:ph type="body" idx="21"/>
           </p:nvPr>
@@ -4137,7 +4192,7 @@
           </a:prstGeom>
           <a:extLst>
             <a:ext uri="{C572A759-6A51-4108-AA02-DFA0A04FC94B}">
-              <ma14:wrappingTextBoxFlag xmlns:ma14="http://schemas.microsoft.com/office/mac/drawingml/2011/main" val="1"/>
+              <ma14:wrappingTextBoxFlag xmlns:ma14="http://schemas.microsoft.com/office/mac/drawingml/2011/main" xmlns:a14="http://schemas.microsoft.com/office/drawing/2010/main" xmlns:m="http://schemas.openxmlformats.org/officeDocument/2006/math" xmlns="" val="1"/>
             </a:ext>
           </a:extLst>
         </p:spPr>
@@ -4145,10 +4200,27 @@
           <a:bodyPr/>
           <a:lstStyle/>
           <a:p>
-            <a:pPr/>
-            <a:r>
-              <a:t>Additive x subtractive synthesis</a:t>
-            </a:r>
+            <a:r>
+              <a:rPr lang="cs-CZ" dirty="0" err="1"/>
+              <a:t>Additivní</a:t>
+            </a:r>
+            <a:r>
+              <a:rPr dirty="0"/>
+              <a:t> x </a:t>
+            </a:r>
+            <a:r>
+              <a:rPr lang="cs-CZ" dirty="0"/>
+              <a:t>subtraktivní</a:t>
+            </a:r>
+            <a:r>
+              <a:rPr dirty="0"/>
+              <a:t> </a:t>
+            </a:r>
+            <a:r>
+              <a:rPr lang="cs-CZ" dirty="0"/>
+              <a:t>syntéza</a:t>
+            </a:r>
+            <a:endParaRPr dirty="0"/>
           </a:p>
         </p:txBody>
       </p:sp>
@@ -4160,8 +4232,8 @@
         </p:nvSpPr>
         <p:spPr>
           <a:xfrm>
-            <a:off x="1070747" y="5519095"/>
-            <a:ext cx="4403853" cy="1279653"/>
+            <a:off x="1169534" y="5492073"/>
+            <a:ext cx="4206281" cy="1333698"/>
           </a:xfrm>
           <a:prstGeom prst="rect">
             <a:avLst/>
@@ -4171,7 +4243,7 @@
           </a:ln>
           <a:extLst>
             <a:ext uri="{C572A759-6A51-4108-AA02-DFA0A04FC94B}">
-              <ma14:wrappingTextBoxFlag xmlns:ma14="http://schemas.microsoft.com/office/mac/drawingml/2011/main" val="1"/>
+              <ma14:wrappingTextBoxFlag xmlns:ma14="http://schemas.microsoft.com/office/mac/drawingml/2011/main" xmlns:a14="http://schemas.microsoft.com/office/drawing/2010/main" xmlns:m="http://schemas.openxmlformats.org/officeDocument/2006/math" xmlns="" val="1"/>
             </a:ext>
           </a:extLst>
         </p:spPr>
@@ -4185,10 +4257,11 @@
             </a:lvl1pPr>
           </a:lstStyle>
           <a:p>
-            <a:pPr/>
-            <a:r>
-              <a:t>Oscillator</a:t>
-            </a:r>
+            <a:r>
+              <a:rPr lang="cs-CZ" dirty="0"/>
+              <a:t>Oscilátor</a:t>
+            </a:r>
+            <a:endParaRPr dirty="0"/>
           </a:p>
         </p:txBody>
       </p:sp>
@@ -4231,6 +4304,7 @@
                 <a:sym typeface="Helvetica Neue Medium"/>
               </a:defRPr>
             </a:pPr>
+            <a:endParaRPr/>
           </a:p>
         </p:txBody>
       </p:sp>
@@ -4242,8 +4316,8 @@
         </p:nvSpPr>
         <p:spPr>
           <a:xfrm>
-            <a:off x="10118761" y="5546258"/>
-            <a:ext cx="2860549" cy="1279653"/>
+            <a:off x="10386860" y="5519236"/>
+            <a:ext cx="2324354" cy="1333698"/>
           </a:xfrm>
           <a:prstGeom prst="rect">
             <a:avLst/>
@@ -4253,7 +4327,7 @@
           </a:ln>
           <a:extLst>
             <a:ext uri="{C572A759-6A51-4108-AA02-DFA0A04FC94B}">
-              <ma14:wrappingTextBoxFlag xmlns:ma14="http://schemas.microsoft.com/office/mac/drawingml/2011/main" val="1"/>
+              <ma14:wrappingTextBoxFlag xmlns:ma14="http://schemas.microsoft.com/office/mac/drawingml/2011/main" xmlns:a14="http://schemas.microsoft.com/office/drawing/2010/main" xmlns:m="http://schemas.openxmlformats.org/officeDocument/2006/math" xmlns="" val="1"/>
             </a:ext>
           </a:extLst>
         </p:spPr>
@@ -4267,10 +4341,11 @@
             </a:lvl1pPr>
           </a:lstStyle>
           <a:p>
-            <a:pPr/>
-            <a:r>
-              <a:t>Filters</a:t>
-            </a:r>
+            <a:r>
+              <a:rPr lang="cs-CZ" dirty="0"/>
+              <a:t>Filtry</a:t>
+            </a:r>
+            <a:endParaRPr dirty="0"/>
           </a:p>
         </p:txBody>
       </p:sp>
@@ -4313,6 +4388,7 @@
                 <a:sym typeface="Helvetica Neue Medium"/>
               </a:defRPr>
             </a:pPr>
+            <a:endParaRPr/>
           </a:p>
         </p:txBody>
       </p:sp>
@@ -4324,8 +4400,8 @@
         </p:nvSpPr>
         <p:spPr>
           <a:xfrm>
-            <a:off x="17698654" y="5546258"/>
-            <a:ext cx="4103117" cy="1279653"/>
+            <a:off x="17523644" y="5519236"/>
+            <a:ext cx="4453142" cy="1333698"/>
           </a:xfrm>
           <a:prstGeom prst="rect">
             <a:avLst/>
@@ -4335,7 +4411,7 @@
           </a:ln>
           <a:extLst>
             <a:ext uri="{C572A759-6A51-4108-AA02-DFA0A04FC94B}">
-              <ma14:wrappingTextBoxFlag xmlns:ma14="http://schemas.microsoft.com/office/mac/drawingml/2011/main" val="1"/>
+              <ma14:wrappingTextBoxFlag xmlns:ma14="http://schemas.microsoft.com/office/mac/drawingml/2011/main" xmlns:a14="http://schemas.microsoft.com/office/drawing/2010/main" xmlns:m="http://schemas.openxmlformats.org/officeDocument/2006/math" xmlns="" val="1"/>
             </a:ext>
           </a:extLst>
         </p:spPr>
@@ -4349,10 +4425,11 @@
             </a:lvl1pPr>
           </a:lstStyle>
           <a:p>
-            <a:pPr/>
-            <a:r>
-              <a:t>Amplifier</a:t>
-            </a:r>
+            <a:r>
+              <a:rPr lang="cs-CZ" dirty="0"/>
+              <a:t>Zesilovač</a:t>
+            </a:r>
+            <a:endParaRPr dirty="0"/>
           </a:p>
         </p:txBody>
       </p:sp>
@@ -4364,8 +4441,8 @@
         </p:nvSpPr>
         <p:spPr>
           <a:xfrm>
-            <a:off x="1070747" y="9137100"/>
-            <a:ext cx="4403853" cy="1279653"/>
+            <a:off x="1169534" y="9110078"/>
+            <a:ext cx="4206281" cy="1333698"/>
           </a:xfrm>
           <a:prstGeom prst="rect">
             <a:avLst/>
@@ -4375,7 +4452,7 @@
           </a:ln>
           <a:extLst>
             <a:ext uri="{C572A759-6A51-4108-AA02-DFA0A04FC94B}">
-              <ma14:wrappingTextBoxFlag xmlns:ma14="http://schemas.microsoft.com/office/mac/drawingml/2011/main" val="1"/>
+              <ma14:wrappingTextBoxFlag xmlns:ma14="http://schemas.microsoft.com/office/mac/drawingml/2011/main" xmlns:a14="http://schemas.microsoft.com/office/drawing/2010/main" xmlns:m="http://schemas.openxmlformats.org/officeDocument/2006/math" xmlns="" val="1"/>
             </a:ext>
           </a:extLst>
         </p:spPr>
@@ -4389,10 +4466,11 @@
             </a:lvl1pPr>
           </a:lstStyle>
           <a:p>
-            <a:pPr/>
-            <a:r>
-              <a:t>Oscillator</a:t>
-            </a:r>
+            <a:r>
+              <a:rPr lang="cs-CZ" dirty="0"/>
+              <a:t>Oscilátor</a:t>
+            </a:r>
+            <a:endParaRPr dirty="0"/>
           </a:p>
         </p:txBody>
       </p:sp>
@@ -4404,8 +4482,8 @@
         </p:nvSpPr>
         <p:spPr>
           <a:xfrm>
-            <a:off x="7841905" y="9191427"/>
-            <a:ext cx="7339077" cy="1279653"/>
+            <a:off x="7983238" y="9164405"/>
+            <a:ext cx="7056419" cy="1333698"/>
           </a:xfrm>
           <a:prstGeom prst="rect">
             <a:avLst/>
@@ -4415,7 +4493,7 @@
           </a:ln>
           <a:extLst>
             <a:ext uri="{C572A759-6A51-4108-AA02-DFA0A04FC94B}">
-              <ma14:wrappingTextBoxFlag xmlns:ma14="http://schemas.microsoft.com/office/mac/drawingml/2011/main" val="1"/>
+              <ma14:wrappingTextBoxFlag xmlns:ma14="http://schemas.microsoft.com/office/mac/drawingml/2011/main" xmlns:a14="http://schemas.microsoft.com/office/drawing/2010/main" xmlns:m="http://schemas.openxmlformats.org/officeDocument/2006/math" xmlns="" val="1"/>
             </a:ext>
           </a:extLst>
         </p:spPr>
@@ -4429,10 +4507,11 @@
             </a:lvl1pPr>
           </a:lstStyle>
           <a:p>
-            <a:pPr/>
-            <a:r>
-              <a:t>More oscillators</a:t>
-            </a:r>
+            <a:r>
+              <a:rPr lang="cs-CZ" dirty="0"/>
+              <a:t>Další oscilátory</a:t>
+            </a:r>
+            <a:endParaRPr dirty="0"/>
           </a:p>
         </p:txBody>
       </p:sp>
@@ -4475,6 +4554,7 @@
                 <a:sym typeface="Helvetica Neue Medium"/>
               </a:defRPr>
             </a:pPr>
+            <a:endParaRPr/>
           </a:p>
         </p:txBody>
       </p:sp>
@@ -4486,8 +4566,8 @@
         </p:nvSpPr>
         <p:spPr>
           <a:xfrm>
-            <a:off x="17661062" y="9191427"/>
-            <a:ext cx="4103117" cy="1279653"/>
+            <a:off x="17486052" y="9164405"/>
+            <a:ext cx="4453142" cy="1333698"/>
           </a:xfrm>
           <a:prstGeom prst="rect">
             <a:avLst/>
@@ -4497,7 +4577,7 @@
           </a:ln>
           <a:extLst>
             <a:ext uri="{C572A759-6A51-4108-AA02-DFA0A04FC94B}">
-              <ma14:wrappingTextBoxFlag xmlns:ma14="http://schemas.microsoft.com/office/mac/drawingml/2011/main" val="1"/>
+              <ma14:wrappingTextBoxFlag xmlns:ma14="http://schemas.microsoft.com/office/mac/drawingml/2011/main" xmlns:a14="http://schemas.microsoft.com/office/drawing/2010/main" xmlns:m="http://schemas.openxmlformats.org/officeDocument/2006/math" xmlns="" val="1"/>
             </a:ext>
           </a:extLst>
         </p:spPr>
@@ -4511,10 +4591,11 @@
             </a:lvl1pPr>
           </a:lstStyle>
           <a:p>
-            <a:pPr/>
-            <a:r>
-              <a:t>Amplifier</a:t>
-            </a:r>
+            <a:r>
+              <a:rPr lang="cs-CZ" dirty="0"/>
+              <a:t>Zesilovač</a:t>
+            </a:r>
+            <a:endParaRPr dirty="0"/>
           </a:p>
         </p:txBody>
       </p:sp>
@@ -4557,6 +4638,7 @@
                 <a:sym typeface="Helvetica Neue Medium"/>
               </a:defRPr>
             </a:pPr>
+            <a:endParaRPr/>
           </a:p>
         </p:txBody>
       </p:sp>
@@ -4568,8 +4650,8 @@
         </p:nvSpPr>
         <p:spPr>
           <a:xfrm>
-            <a:off x="1100394" y="4454897"/>
-            <a:ext cx="3348356" cy="845821"/>
+            <a:off x="1219514" y="4435427"/>
+            <a:ext cx="3510576" cy="872034"/>
           </a:xfrm>
           <a:prstGeom prst="rect">
             <a:avLst/>
@@ -4579,7 +4661,7 @@
           </a:ln>
           <a:extLst>
             <a:ext uri="{C572A759-6A51-4108-AA02-DFA0A04FC94B}">
-              <ma14:wrappingTextBoxFlag xmlns:ma14="http://schemas.microsoft.com/office/mac/drawingml/2011/main" val="1"/>
+              <ma14:wrappingTextBoxFlag xmlns:ma14="http://schemas.microsoft.com/office/mac/drawingml/2011/main" xmlns:a14="http://schemas.microsoft.com/office/drawing/2010/main" xmlns:m="http://schemas.openxmlformats.org/officeDocument/2006/math" xmlns="" val="1"/>
             </a:ext>
           </a:extLst>
         </p:spPr>
@@ -4593,10 +4675,11 @@
             </a:lvl1pPr>
           </a:lstStyle>
           <a:p>
-            <a:pPr/>
-            <a:r>
-              <a:t>Subtractive</a:t>
-            </a:r>
+            <a:r>
+              <a:rPr lang="cs-CZ" dirty="0"/>
+              <a:t>Subtraktivní</a:t>
+            </a:r>
+            <a:endParaRPr dirty="0"/>
           </a:p>
         </p:txBody>
       </p:sp>
@@ -4608,8 +4691,8 @@
         </p:nvSpPr>
         <p:spPr>
           <a:xfrm>
-            <a:off x="1219514" y="8173874"/>
-            <a:ext cx="2419351" cy="845821"/>
+            <a:off x="1137170" y="8160768"/>
+            <a:ext cx="2584042" cy="872034"/>
           </a:xfrm>
           <a:prstGeom prst="rect">
             <a:avLst/>
@@ -4619,7 +4702,7 @@
           </a:ln>
           <a:extLst>
             <a:ext uri="{C572A759-6A51-4108-AA02-DFA0A04FC94B}">
-              <ma14:wrappingTextBoxFlag xmlns:ma14="http://schemas.microsoft.com/office/mac/drawingml/2011/main" val="1"/>
+              <ma14:wrappingTextBoxFlag xmlns:ma14="http://schemas.microsoft.com/office/mac/drawingml/2011/main" xmlns:a14="http://schemas.microsoft.com/office/drawing/2010/main" xmlns:m="http://schemas.openxmlformats.org/officeDocument/2006/math" xmlns="" val="1"/>
             </a:ext>
           </a:extLst>
         </p:spPr>
@@ -4633,10 +4716,11 @@
             </a:lvl1pPr>
           </a:lstStyle>
           <a:p>
-            <a:pPr/>
-            <a:r>
-              <a:t>Additive</a:t>
-            </a:r>
+            <a:r>
+              <a:rPr lang="cs-CZ" dirty="0" err="1"/>
+              <a:t>Additivní</a:t>
+            </a:r>
+            <a:endParaRPr dirty="0"/>
           </a:p>
         </p:txBody>
       </p:sp>
@@ -4649,9 +4733,7 @@
           <p:nvPr/>
         </p:nvPicPr>
         <p:blipFill>
-          <a:blip r:embed="rId2">
-            <a:extLst/>
-          </a:blip>
+          <a:blip r:embed="rId2"/>
           <a:stretch>
             <a:fillRect/>
           </a:stretch>
@@ -4674,14 +4756,14 @@
   <p:clrMapOvr>
     <a:masterClrMapping/>
   </p:clrMapOvr>
-  <p:transition xmlns:p14="http://schemas.microsoft.com/office/powerpoint/2010/main" spd="med" advClick="1"/>
+  <p:transition spd="med"/>
   <p:timing>
     <p:tnLst>
       <p:par>
-        <p:cTn id="1" nodeType="tmRoot" restart="never" dur="indefinite" fill="hold">
+        <p:cTn id="1" dur="indefinite" restart="never" fill="hold" nodeType="tmRoot">
           <p:childTnLst>
             <p:seq concurrent="1" prevAc="none" nextAc="seek">
-              <p:cTn id="2" nodeType="mainSeq" dur="indefinite" fill="hold">
+              <p:cTn id="2" dur="indefinite" fill="hold" nodeType="mainSeq">
                 <p:childTnLst>
                   <p:par>
                     <p:cTn id="3" fill="hold">
@@ -4696,11 +4778,11 @@
                             </p:stCondLst>
                             <p:childTnLst>
                               <p:par>
-                                <p:cTn id="5" presetClass="entr" nodeType="clickEffect" presetSubtype="0" presetID="1" grpId="1" fill="hold">
+                                <p:cTn id="5" presetID="1" presetClass="entr" presetSubtype="0" fill="hold" grpId="1" nodeType="clickEffect">
                                   <p:stCondLst>
                                     <p:cond delay="0"/>
                                   </p:stCondLst>
-                                  <p:iterate type="el" backwards="0">
+                                  <p:iterate>
                                     <p:tmAbs val="0"/>
                                   </p:iterate>
                                   <p:childTnLst>
@@ -4740,11 +4822,11 @@
                             </p:stCondLst>
                             <p:childTnLst>
                               <p:par>
-                                <p:cTn id="9" presetClass="entr" nodeType="clickEffect" presetSubtype="0" presetID="1" grpId="2" fill="hold">
+                                <p:cTn id="9" presetID="1" presetClass="entr" presetSubtype="0" fill="hold" grpId="2" nodeType="clickEffect">
                                   <p:stCondLst>
                                     <p:cond delay="0"/>
                                   </p:stCondLst>
-                                  <p:iterate type="el" backwards="0">
+                                  <p:iterate>
                                     <p:tmAbs val="0"/>
                                   </p:iterate>
                                   <p:childTnLst>
@@ -4784,11 +4866,11 @@
                             </p:stCondLst>
                             <p:childTnLst>
                               <p:par>
-                                <p:cTn id="13" presetClass="entr" nodeType="clickEffect" presetSubtype="0" presetID="1" grpId="3" fill="hold">
+                                <p:cTn id="13" presetID="1" presetClass="entr" presetSubtype="0" fill="hold" grpId="3" nodeType="clickEffect">
                                   <p:stCondLst>
                                     <p:cond delay="0"/>
                                   </p:stCondLst>
-                                  <p:iterate type="el" backwards="0">
+                                  <p:iterate>
                                     <p:tmAbs val="0"/>
                                   </p:iterate>
                                   <p:childTnLst>
@@ -4819,11 +4901,11 @@
                             </p:stCondLst>
                             <p:childTnLst>
                               <p:par>
-                                <p:cTn id="16" presetClass="entr" nodeType="afterEffect" presetSubtype="0" presetID="1" grpId="4" fill="hold">
+                                <p:cTn id="16" presetID="1" presetClass="entr" presetSubtype="0" fill="hold" grpId="4" nodeType="afterEffect">
                                   <p:stCondLst>
                                     <p:cond delay="0"/>
                                   </p:stCondLst>
-                                  <p:iterate type="el" backwards="0">
+                                  <p:iterate>
                                     <p:tmAbs val="0"/>
                                   </p:iterate>
                                   <p:childTnLst>
@@ -4863,11 +4945,11 @@
                             </p:stCondLst>
                             <p:childTnLst>
                               <p:par>
-                                <p:cTn id="20" presetClass="entr" nodeType="clickEffect" presetSubtype="0" presetID="1" grpId="5" fill="hold">
+                                <p:cTn id="20" presetID="1" presetClass="entr" presetSubtype="0" fill="hold" grpId="5" nodeType="clickEffect">
                                   <p:stCondLst>
                                     <p:cond delay="0"/>
                                   </p:stCondLst>
-                                  <p:iterate type="el" backwards="0">
+                                  <p:iterate>
                                     <p:tmAbs val="0"/>
                                   </p:iterate>
                                   <p:childTnLst>
@@ -4898,11 +4980,11 @@
                             </p:stCondLst>
                             <p:childTnLst>
                               <p:par>
-                                <p:cTn id="23" presetClass="entr" nodeType="afterEffect" presetSubtype="0" presetID="1" grpId="6" fill="hold">
+                                <p:cTn id="23" presetID="1" presetClass="entr" presetSubtype="0" fill="hold" grpId="6" nodeType="afterEffect">
                                   <p:stCondLst>
                                     <p:cond delay="0"/>
                                   </p:stCondLst>
-                                  <p:iterate type="el" backwards="0">
+                                  <p:iterate>
                                     <p:tmAbs val="0"/>
                                   </p:iterate>
                                   <p:childTnLst>
@@ -4942,11 +5024,11 @@
                             </p:stCondLst>
                             <p:childTnLst>
                               <p:par>
-                                <p:cTn id="27" presetClass="entr" nodeType="clickEffect" presetSubtype="0" presetID="1" grpId="7" fill="hold">
+                                <p:cTn id="27" presetID="1" presetClass="entr" presetSubtype="0" fill="hold" grpId="7" nodeType="clickEffect">
                                   <p:stCondLst>
                                     <p:cond delay="0"/>
                                   </p:stCondLst>
-                                  <p:iterate type="el" backwards="0">
+                                  <p:iterate>
                                     <p:tmAbs val="0"/>
                                   </p:iterate>
                                   <p:childTnLst>
@@ -4986,11 +5068,11 @@
                             </p:stCondLst>
                             <p:childTnLst>
                               <p:par>
-                                <p:cTn id="31" presetClass="entr" nodeType="clickEffect" presetSubtype="0" presetID="1" grpId="8" fill="hold">
+                                <p:cTn id="31" presetID="1" presetClass="entr" presetSubtype="0" fill="hold" grpId="8" nodeType="clickEffect">
                                   <p:stCondLst>
                                     <p:cond delay="0"/>
                                   </p:stCondLst>
-                                  <p:iterate type="el" backwards="0">
+                                  <p:iterate>
                                     <p:tmAbs val="0"/>
                                   </p:iterate>
                                   <p:childTnLst>
@@ -5030,11 +5112,11 @@
                             </p:stCondLst>
                             <p:childTnLst>
                               <p:par>
-                                <p:cTn id="35" presetClass="entr" nodeType="clickEffect" presetSubtype="0" presetID="1" grpId="9" fill="hold">
+                                <p:cTn id="35" presetID="1" presetClass="entr" presetSubtype="0" fill="hold" grpId="9" nodeType="clickEffect">
                                   <p:stCondLst>
                                     <p:cond delay="0"/>
                                   </p:stCondLst>
-                                  <p:iterate type="el" backwards="0">
+                                  <p:iterate>
                                     <p:tmAbs val="0"/>
                                   </p:iterate>
                                   <p:childTnLst>
@@ -5065,11 +5147,11 @@
                             </p:stCondLst>
                             <p:childTnLst>
                               <p:par>
-                                <p:cTn id="38" presetClass="entr" nodeType="afterEffect" presetSubtype="0" presetID="1" grpId="10" fill="hold">
+                                <p:cTn id="38" presetID="1" presetClass="entr" presetSubtype="0" fill="hold" grpId="10" nodeType="afterEffect">
                                   <p:stCondLst>
                                     <p:cond delay="0"/>
                                   </p:stCondLst>
-                                  <p:iterate type="el" backwards="0">
+                                  <p:iterate>
                                     <p:tmAbs val="0"/>
                                   </p:iterate>
                                   <p:childTnLst>
@@ -5109,11 +5191,11 @@
                             </p:stCondLst>
                             <p:childTnLst>
                               <p:par>
-                                <p:cTn id="42" presetClass="entr" nodeType="clickEffect" presetSubtype="0" presetID="1" grpId="11" fill="hold">
+                                <p:cTn id="42" presetID="1" presetClass="entr" presetSubtype="0" fill="hold" grpId="11" nodeType="clickEffect">
                                   <p:stCondLst>
                                     <p:cond delay="0"/>
                                   </p:stCondLst>
-                                  <p:iterate type="el" backwards="0">
+                                  <p:iterate>
                                     <p:tmAbs val="0"/>
                                   </p:iterate>
                                   <p:childTnLst>
@@ -5144,11 +5226,11 @@
                             </p:stCondLst>
                             <p:childTnLst>
                               <p:par>
-                                <p:cTn id="45" presetClass="entr" nodeType="afterEffect" presetSubtype="0" presetID="1" grpId="12" fill="hold">
+                                <p:cTn id="45" presetID="1" presetClass="entr" presetSubtype="0" fill="hold" grpId="12" nodeType="afterEffect">
                                   <p:stCondLst>
                                     <p:cond delay="0"/>
                                   </p:stCondLst>
-                                  <p:iterate type="el" backwards="0">
+                                  <p:iterate>
                                     <p:tmAbs val="0"/>
                                   </p:iterate>
                                   <p:childTnLst>
@@ -5178,14 +5260,14 @@
                 </p:childTnLst>
               </p:cTn>
               <p:prevCondLst>
-                <p:cond evt="onPrev">
+                <p:cond evt="onPrev" delay="0">
                   <p:tgtEl>
                     <p:sldTgt/>
                   </p:tgtEl>
                 </p:cond>
               </p:prevCondLst>
               <p:nextCondLst>
-                <p:cond evt="onNext">
+                <p:cond evt="onNext" delay="0">
                   <p:tgtEl>
                     <p:sldTgt/>
                   </p:tgtEl>
@@ -5197,25 +5279,25 @@
       </p:par>
     </p:tnLst>
     <p:bldLst>
-      <p:bldP build="whole" bldLvl="1" animBg="1" rev="0" advAuto="0" spid="168" grpId="10"/>
-      <p:bldP build="whole" bldLvl="1" animBg="1" rev="0" advAuto="0" spid="164" grpId="4"/>
-      <p:bldP build="whole" bldLvl="1" animBg="1" rev="0" advAuto="0" spid="166" grpId="6"/>
-      <p:bldP build="whole" bldLvl="1" animBg="1" rev="0" advAuto="0" spid="172" grpId="1"/>
-      <p:bldP build="whole" bldLvl="1" animBg="1" rev="0" advAuto="0" spid="162" grpId="2"/>
-      <p:bldP build="whole" bldLvl="1" animBg="1" rev="0" advAuto="0" spid="171" grpId="9"/>
-      <p:bldP build="whole" bldLvl="1" animBg="1" rev="0" advAuto="0" spid="173" grpId="7"/>
-      <p:bldP build="whole" bldLvl="1" animBg="1" rev="0" advAuto="0" spid="170" grpId="12"/>
-      <p:bldP build="whole" bldLvl="1" animBg="1" rev="0" advAuto="0" spid="169" grpId="11"/>
-      <p:bldP build="whole" bldLvl="1" animBg="1" rev="0" advAuto="0" spid="167" grpId="8"/>
-      <p:bldP build="whole" bldLvl="1" animBg="1" rev="0" advAuto="0" spid="163" grpId="3"/>
-      <p:bldP build="whole" bldLvl="1" animBg="1" rev="0" advAuto="0" spid="165" grpId="5"/>
+      <p:bldP spid="162" grpId="2" animBg="1" advAuto="0"/>
+      <p:bldP spid="163" grpId="3" animBg="1" advAuto="0"/>
+      <p:bldP spid="164" grpId="4" animBg="1" advAuto="0"/>
+      <p:bldP spid="165" grpId="5" animBg="1" advAuto="0"/>
+      <p:bldP spid="166" grpId="6" animBg="1" advAuto="0"/>
+      <p:bldP spid="167" grpId="8" animBg="1" advAuto="0"/>
+      <p:bldP spid="168" grpId="10" animBg="1" advAuto="0"/>
+      <p:bldP spid="169" grpId="11" animBg="1" advAuto="0"/>
+      <p:bldP spid="170" grpId="12" animBg="1" advAuto="0"/>
+      <p:bldP spid="171" grpId="9" animBg="1" advAuto="0"/>
+      <p:bldP spid="172" grpId="1" animBg="1" advAuto="0"/>
+      <p:bldP spid="173" grpId="7" animBg="1" advAuto="0"/>
     </p:bldLst>
   </p:timing>
 </p:sld>
 </file>
 
 <file path=ppt/slides/slide4.xml><?xml version="1.0" encoding="utf-8"?>
-<p:sld xmlns:a="http://schemas.openxmlformats.org/drawingml/2006/main" xmlns:r="http://schemas.openxmlformats.org/officeDocument/2006/relationships" xmlns:p="http://schemas.openxmlformats.org/presentationml/2006/main" xmlns:m="http://schemas.openxmlformats.org/officeDocument/2006/math" xmlns:a14="http://schemas.microsoft.com/office/drawing/2010/main" showMasterSp="1" showMasterPhAnim="1">
+<p:sld xmlns:a="http://schemas.openxmlformats.org/drawingml/2006/main" xmlns:r="http://schemas.openxmlformats.org/officeDocument/2006/relationships" xmlns:p="http://schemas.openxmlformats.org/presentationml/2006/main">
   <p:cSld>
     <p:spTree>
       <p:nvGrpSpPr>
@@ -5234,7 +5316,9 @@
       <p:sp>
         <p:nvSpPr>
           <p:cNvPr id="176" name="Telharmonium"/>
-          <p:cNvSpPr txBox="1"/>
+          <p:cNvSpPr txBox="1">
+            <a:spLocks noGrp="1"/>
+          </p:cNvSpPr>
           <p:nvPr>
             <p:ph type="title"/>
           </p:nvPr>
@@ -5248,7 +5332,6 @@
           <a:bodyPr/>
           <a:lstStyle/>
           <a:p>
-            <a:pPr/>
             <a:r>
               <a:t>Telharmonium</a:t>
             </a:r>
@@ -5258,7 +5341,9 @@
       <p:sp>
         <p:nvSpPr>
           <p:cNvPr id="177" name="The world’s first synthesizer"/>
-          <p:cNvSpPr txBox="1"/>
+          <p:cNvSpPr txBox="1">
+            <a:spLocks noGrp="1"/>
+          </p:cNvSpPr>
           <p:nvPr>
             <p:ph type="body" idx="21"/>
           </p:nvPr>
@@ -5269,7 +5354,7 @@
           </a:prstGeom>
           <a:extLst>
             <a:ext uri="{C572A759-6A51-4108-AA02-DFA0A04FC94B}">
-              <ma14:wrappingTextBoxFlag xmlns:ma14="http://schemas.microsoft.com/office/mac/drawingml/2011/main" val="1"/>
+              <ma14:wrappingTextBoxFlag xmlns:ma14="http://schemas.microsoft.com/office/mac/drawingml/2011/main" xmlns:a14="http://schemas.microsoft.com/office/drawing/2010/main" xmlns:m="http://schemas.openxmlformats.org/officeDocument/2006/math" xmlns="" val="1"/>
             </a:ext>
           </a:extLst>
         </p:spPr>
@@ -5277,17 +5362,20 @@
           <a:bodyPr/>
           <a:lstStyle/>
           <a:p>
-            <a:pPr/>
-            <a:r>
-              <a:t>The world’s first synthesizer</a:t>
-            </a:r>
+            <a:r>
+              <a:rPr lang="cs-CZ" dirty="0"/>
+              <a:t>První syntetizér</a:t>
+            </a:r>
+            <a:endParaRPr dirty="0"/>
           </a:p>
         </p:txBody>
       </p:sp>
       <p:sp>
         <p:nvSpPr>
           <p:cNvPr id="178" name="Patented in 1897…"/>
-          <p:cNvSpPr txBox="1"/>
+          <p:cNvSpPr txBox="1">
+            <a:spLocks noGrp="1"/>
+          </p:cNvSpPr>
           <p:nvPr>
             <p:ph type="body" sz="half" idx="1"/>
           </p:nvPr>
@@ -5301,40 +5389,53 @@
           <a:bodyPr/>
           <a:lstStyle/>
           <a:p>
-            <a:pPr/>
-            <a:r>
-              <a:t>Patented in 1897</a:t>
-            </a:r>
-          </a:p>
-          <a:p>
-            <a:pPr/>
-            <a:r>
-              <a:t>3 alterations were built</a:t>
-            </a:r>
-          </a:p>
-          <a:p>
-            <a:pPr/>
-            <a:r>
-              <a:t>Weighs over 200 tonnes</a:t>
-            </a:r>
-          </a:p>
-          <a:p>
-            <a:pPr/>
-            <a:r>
-              <a:t>Uses ~672kW of power</a:t>
-            </a:r>
-          </a:p>
-          <a:p>
-            <a:pPr/>
-            <a:r>
-              <a:t>Used to play music through the telephone</a:t>
-            </a:r>
-          </a:p>
-          <a:p>
-            <a:pPr/>
-            <a:r>
-              <a:t>One live concert</a:t>
-            </a:r>
+            <a:r>
+              <a:rPr lang="cs-CZ" dirty="0"/>
+              <a:t>Patentován v roce </a:t>
+            </a:r>
+            <a:r>
+              <a:rPr dirty="0"/>
+              <a:t>1897</a:t>
+            </a:r>
+          </a:p>
+          <a:p>
+            <a:r>
+              <a:rPr dirty="0"/>
+              <a:t>3 </a:t>
+            </a:r>
+            <a:r>
+              <a:rPr lang="cs-CZ" dirty="0"/>
+              <a:t>varianty postaveny</a:t>
+            </a:r>
+            <a:endParaRPr dirty="0"/>
+          </a:p>
+          <a:p>
+            <a:r>
+              <a:rPr lang="cs-CZ" dirty="0"/>
+              <a:t>Váží přes 200 tun</a:t>
+            </a:r>
+            <a:endParaRPr dirty="0"/>
+          </a:p>
+          <a:p>
+            <a:r>
+              <a:rPr lang="cs-CZ" dirty="0"/>
+              <a:t>Využívá přibližně 672kW elektřiny</a:t>
+            </a:r>
+            <a:endParaRPr dirty="0"/>
+          </a:p>
+          <a:p>
+            <a:r>
+              <a:rPr lang="cs-CZ" dirty="0"/>
+              <a:t>Využíván pro koncerty přes telefon</a:t>
+            </a:r>
+            <a:endParaRPr dirty="0"/>
+          </a:p>
+          <a:p>
+            <a:r>
+              <a:rPr lang="cs-CZ" dirty="0"/>
+              <a:t>Jeden koncert živě</a:t>
+            </a:r>
+            <a:endParaRPr dirty="0"/>
           </a:p>
         </p:txBody>
       </p:sp>
@@ -5347,9 +5448,7 @@
           <p:nvPr/>
         </p:nvPicPr>
         <p:blipFill>
-          <a:blip r:embed="rId2">
-            <a:extLst/>
-          </a:blip>
+          <a:blip r:embed="rId2"/>
           <a:stretch>
             <a:fillRect/>
           </a:stretch>
@@ -5372,12 +5471,12 @@
   <p:clrMapOvr>
     <a:masterClrMapping/>
   </p:clrMapOvr>
-  <p:transition xmlns:p14="http://schemas.microsoft.com/office/powerpoint/2010/main" spd="med" advClick="1"/>
+  <p:transition spd="med"/>
 </p:sld>
 </file>
 
 <file path=ppt/slides/slide5.xml><?xml version="1.0" encoding="utf-8"?>
-<p:sld xmlns:a="http://schemas.openxmlformats.org/drawingml/2006/main" xmlns:r="http://schemas.openxmlformats.org/officeDocument/2006/relationships" xmlns:p="http://schemas.openxmlformats.org/presentationml/2006/main" xmlns:m="http://schemas.openxmlformats.org/officeDocument/2006/math" xmlns:a14="http://schemas.microsoft.com/office/drawing/2010/main" showMasterSp="1" showMasterPhAnim="1">
+<p:sld xmlns:a="http://schemas.openxmlformats.org/drawingml/2006/main" xmlns:r="http://schemas.openxmlformats.org/officeDocument/2006/relationships" xmlns:p="http://schemas.openxmlformats.org/presentationml/2006/main">
   <p:cSld>
     <p:spTree>
       <p:nvGrpSpPr>
@@ -5396,7 +5495,9 @@
       <p:sp>
         <p:nvSpPr>
           <p:cNvPr id="181" name="How it worked"/>
-          <p:cNvSpPr txBox="1"/>
+          <p:cNvSpPr txBox="1">
+            <a:spLocks noGrp="1"/>
+          </p:cNvSpPr>
           <p:nvPr>
             <p:ph type="title"/>
           </p:nvPr>
@@ -5410,17 +5511,20 @@
           <a:bodyPr/>
           <a:lstStyle/>
           <a:p>
-            <a:pPr/>
-            <a:r>
-              <a:t>How it worked</a:t>
-            </a:r>
+            <a:r>
+              <a:rPr lang="cs-CZ" dirty="0"/>
+              <a:t>Jak fungoval?</a:t>
+            </a:r>
+            <a:endParaRPr dirty="0"/>
           </a:p>
         </p:txBody>
       </p:sp>
       <p:sp>
         <p:nvSpPr>
           <p:cNvPr id="182" name="Hint: tons of wheels"/>
-          <p:cNvSpPr txBox="1"/>
+          <p:cNvSpPr txBox="1">
+            <a:spLocks noGrp="1"/>
+          </p:cNvSpPr>
           <p:nvPr>
             <p:ph type="body" idx="21"/>
           </p:nvPr>
@@ -5431,7 +5535,7 @@
           </a:prstGeom>
           <a:extLst>
             <a:ext uri="{C572A759-6A51-4108-AA02-DFA0A04FC94B}">
-              <ma14:wrappingTextBoxFlag xmlns:ma14="http://schemas.microsoft.com/office/mac/drawingml/2011/main" val="1"/>
+              <ma14:wrappingTextBoxFlag xmlns:ma14="http://schemas.microsoft.com/office/mac/drawingml/2011/main" xmlns:a14="http://schemas.microsoft.com/office/drawing/2010/main" xmlns:m="http://schemas.openxmlformats.org/officeDocument/2006/math" xmlns="" val="1"/>
             </a:ext>
           </a:extLst>
         </p:spPr>
@@ -5439,17 +5543,20 @@
           <a:bodyPr/>
           <a:lstStyle/>
           <a:p>
-            <a:pPr/>
-            <a:r>
-              <a:t>Hint: tons of wheels</a:t>
-            </a:r>
+            <a:r>
+              <a:rPr lang="cs-CZ" dirty="0"/>
+              <a:t>Mnoho mnoho koleček</a:t>
+            </a:r>
+            <a:endParaRPr dirty="0"/>
           </a:p>
         </p:txBody>
       </p:sp>
       <p:sp>
         <p:nvSpPr>
           <p:cNvPr id="183" name="Spinning wheels with teeth…"/>
-          <p:cNvSpPr txBox="1"/>
+          <p:cNvSpPr txBox="1">
+            <a:spLocks noGrp="1"/>
+          </p:cNvSpPr>
           <p:nvPr>
             <p:ph type="body" sz="half" idx="1"/>
           </p:nvPr>
@@ -5467,28 +5574,32 @@
           <a:bodyPr/>
           <a:lstStyle/>
           <a:p>
-            <a:pPr/>
-            <a:r>
-              <a:t>Spinning wheels with teeth</a:t>
-            </a:r>
-          </a:p>
-          <a:p>
-            <a:pPr/>
-            <a:r>
-              <a:t>Induced a current in an inductor placed next to them</a:t>
-            </a:r>
-          </a:p>
-          <a:p>
-            <a:pPr/>
-            <a:r>
-              <a:t>Differing frequencies based on speed of rotation and amount of teeth</a:t>
-            </a:r>
-          </a:p>
-          <a:p>
-            <a:pPr/>
-            <a:r>
-              <a:t>Created near perfect sine waves</a:t>
-            </a:r>
+            <a:r>
+              <a:rPr lang="cs-CZ" dirty="0"/>
+              <a:t>Rotující ozubená kolečka</a:t>
+            </a:r>
+            <a:endParaRPr dirty="0"/>
+          </a:p>
+          <a:p>
+            <a:r>
+              <a:rPr lang="cs-CZ" dirty="0"/>
+              <a:t>Indukovaly proud v cívkách umístěných vedle nich</a:t>
+            </a:r>
+            <a:endParaRPr dirty="0"/>
+          </a:p>
+          <a:p>
+            <a:r>
+              <a:rPr lang="cs-CZ" dirty="0"/>
+              <a:t>Různé frekvence podle velikosti a rychlosti rotace koleček, podle počtu zubů</a:t>
+            </a:r>
+            <a:endParaRPr dirty="0"/>
+          </a:p>
+          <a:p>
+            <a:r>
+              <a:rPr lang="cs-CZ" dirty="0"/>
+              <a:t>Téměř perfektní sinusoidy</a:t>
+            </a:r>
+            <a:endParaRPr dirty="0"/>
           </a:p>
         </p:txBody>
       </p:sp>
@@ -5501,9 +5612,7 @@
           <p:nvPr/>
         </p:nvPicPr>
         <p:blipFill>
-          <a:blip r:embed="rId2">
-            <a:extLst/>
-          </a:blip>
+          <a:blip r:embed="rId2"/>
           <a:stretch>
             <a:fillRect/>
           </a:stretch>
@@ -5526,12 +5635,12 @@
   <p:clrMapOvr>
     <a:masterClrMapping/>
   </p:clrMapOvr>
-  <p:transition xmlns:p14="http://schemas.microsoft.com/office/powerpoint/2010/main" spd="med" advClick="1"/>
+  <p:transition spd="med"/>
 </p:sld>
 </file>
 
 <file path=ppt/slides/slide6.xml><?xml version="1.0" encoding="utf-8"?>
-<p:sld xmlns:a="http://schemas.openxmlformats.org/drawingml/2006/main" xmlns:r="http://schemas.openxmlformats.org/officeDocument/2006/relationships" xmlns:p="http://schemas.openxmlformats.org/presentationml/2006/main" xmlns:m="http://schemas.openxmlformats.org/officeDocument/2006/math" xmlns:a14="http://schemas.microsoft.com/office/drawing/2010/main" showMasterSp="1" showMasterPhAnim="1">
+<p:sld xmlns:a="http://schemas.openxmlformats.org/drawingml/2006/main" xmlns:r="http://schemas.openxmlformats.org/officeDocument/2006/relationships" xmlns:p="http://schemas.openxmlformats.org/presentationml/2006/main">
   <p:cSld>
     <p:spTree>
       <p:nvGrpSpPr>
@@ -5550,7 +5659,9 @@
       <p:sp>
         <p:nvSpPr>
           <p:cNvPr id="186" name="The aftermath"/>
-          <p:cNvSpPr txBox="1"/>
+          <p:cNvSpPr txBox="1">
+            <a:spLocks noGrp="1"/>
+          </p:cNvSpPr>
           <p:nvPr>
             <p:ph type="title"/>
           </p:nvPr>
@@ -5564,17 +5675,20 @@
           <a:bodyPr/>
           <a:lstStyle/>
           <a:p>
-            <a:pPr/>
-            <a:r>
-              <a:t>The aftermath</a:t>
-            </a:r>
+            <a:r>
+              <a:rPr lang="cs-CZ" dirty="0"/>
+              <a:t>Co následovalo</a:t>
+            </a:r>
+            <a:endParaRPr dirty="0"/>
           </a:p>
         </p:txBody>
       </p:sp>
       <p:sp>
         <p:nvSpPr>
           <p:cNvPr id="187" name="And what came later"/>
-          <p:cNvSpPr txBox="1"/>
+          <p:cNvSpPr txBox="1">
+            <a:spLocks noGrp="1"/>
+          </p:cNvSpPr>
           <p:nvPr>
             <p:ph type="body" idx="21"/>
           </p:nvPr>
@@ -5585,7 +5699,7 @@
           </a:prstGeom>
           <a:extLst>
             <a:ext uri="{C572A759-6A51-4108-AA02-DFA0A04FC94B}">
-              <ma14:wrappingTextBoxFlag xmlns:ma14="http://schemas.microsoft.com/office/mac/drawingml/2011/main" val="1"/>
+              <ma14:wrappingTextBoxFlag xmlns:ma14="http://schemas.microsoft.com/office/mac/drawingml/2011/main" xmlns:a14="http://schemas.microsoft.com/office/drawing/2010/main" xmlns:m="http://schemas.openxmlformats.org/officeDocument/2006/math" xmlns="" val="1"/>
             </a:ext>
           </a:extLst>
         </p:spPr>
@@ -5593,17 +5707,20 @@
           <a:bodyPr/>
           <a:lstStyle/>
           <a:p>
-            <a:pPr/>
-            <a:r>
-              <a:t>And what came later</a:t>
-            </a:r>
+            <a:r>
+              <a:rPr lang="cs-CZ" dirty="0"/>
+              <a:t>Pokroky v syntéze</a:t>
+            </a:r>
+            <a:endParaRPr dirty="0"/>
           </a:p>
         </p:txBody>
       </p:sp>
       <p:sp>
         <p:nvSpPr>
           <p:cNvPr id="188" name="Soon after the Telharmonium loudspeakers and amplifiers became a reality…"/>
-          <p:cNvSpPr txBox="1"/>
+          <p:cNvSpPr txBox="1">
+            <a:spLocks noGrp="1"/>
+          </p:cNvSpPr>
           <p:nvPr>
             <p:ph type="body" sz="half" idx="1"/>
           </p:nvPr>
@@ -5621,28 +5738,56 @@
           <a:bodyPr/>
           <a:lstStyle/>
           <a:p>
-            <a:pPr/>
-            <a:r>
-              <a:t>Soon after the Telharmonium loudspeakers and amplifiers became a reality</a:t>
-            </a:r>
-          </a:p>
-          <a:p>
-            <a:pPr/>
-            <a:r>
-              <a:t>This made the 200 tonne building-sized machine obsolete</a:t>
-            </a:r>
-          </a:p>
-          <a:p>
-            <a:pPr/>
-            <a:r>
-              <a:t>Its original inventor Thaddeus Cahill was unable to sell it</a:t>
-            </a:r>
-          </a:p>
-          <a:p>
-            <a:pPr/>
-            <a:r>
-              <a:t>The first well known synthesizer to make use of amps and speaker was the Trautonium</a:t>
-            </a:r>
+            <a:r>
+              <a:rPr lang="cs-CZ" dirty="0"/>
+              <a:t>Brzy po vynálezu </a:t>
+            </a:r>
+            <a:r>
+              <a:rPr lang="cs-CZ" dirty="0" err="1"/>
+              <a:t>Telharmonia</a:t>
+            </a:r>
+            <a:r>
+              <a:rPr lang="cs-CZ" dirty="0"/>
+              <a:t> se začaly vyrábět reproduktory a zesilovače</a:t>
+            </a:r>
+            <a:endParaRPr dirty="0"/>
+          </a:p>
+          <a:p>
+            <a:r>
+              <a:rPr lang="cs-CZ" dirty="0"/>
+              <a:t>Tím se tento 200 tunový stroj stal zastaralým</a:t>
+            </a:r>
+            <a:endParaRPr dirty="0"/>
+          </a:p>
+          <a:p>
+            <a:r>
+              <a:rPr lang="cs-CZ" dirty="0" err="1"/>
+              <a:t>Thaddeus</a:t>
+            </a:r>
+            <a:r>
+              <a:rPr lang="cs-CZ" dirty="0"/>
+              <a:t> </a:t>
+            </a:r>
+            <a:r>
+              <a:rPr lang="cs-CZ" dirty="0" err="1"/>
+              <a:t>Cahill</a:t>
+            </a:r>
+            <a:r>
+              <a:rPr lang="cs-CZ" dirty="0"/>
+              <a:t> jej nikdy nedokázal prodat</a:t>
+            </a:r>
+            <a:endParaRPr dirty="0"/>
+          </a:p>
+          <a:p>
+            <a:r>
+              <a:rPr lang="cs-CZ" dirty="0"/>
+              <a:t>První světově známý syntetizér, který zesilovače a reproduktory dokázal využít, byl </a:t>
+            </a:r>
+            <a:r>
+              <a:rPr lang="cs-CZ" dirty="0" err="1"/>
+              <a:t>Trautonium</a:t>
+            </a:r>
+            <a:endParaRPr dirty="0"/>
           </a:p>
         </p:txBody>
       </p:sp>
@@ -5655,9 +5800,7 @@
           <p:nvPr/>
         </p:nvPicPr>
         <p:blipFill>
-          <a:blip r:embed="rId2">
-            <a:extLst/>
-          </a:blip>
+          <a:blip r:embed="rId2"/>
           <a:stretch>
             <a:fillRect/>
           </a:stretch>
@@ -5680,12 +5823,12 @@
   <p:clrMapOvr>
     <a:masterClrMapping/>
   </p:clrMapOvr>
-  <p:transition xmlns:p14="http://schemas.microsoft.com/office/powerpoint/2010/main" spd="med" advClick="1"/>
+  <p:transition spd="med"/>
 </p:sld>
 </file>
 
 <file path=ppt/slides/slide7.xml><?xml version="1.0" encoding="utf-8"?>
-<p:sld xmlns:a="http://schemas.openxmlformats.org/drawingml/2006/main" xmlns:r="http://schemas.openxmlformats.org/officeDocument/2006/relationships" xmlns:p="http://schemas.openxmlformats.org/presentationml/2006/main" xmlns:m="http://schemas.openxmlformats.org/officeDocument/2006/math" xmlns:a14="http://schemas.microsoft.com/office/drawing/2010/main" showMasterSp="1" showMasterPhAnim="1">
+<p:sld xmlns:a="http://schemas.openxmlformats.org/drawingml/2006/main" xmlns:r="http://schemas.openxmlformats.org/officeDocument/2006/relationships" xmlns:p="http://schemas.openxmlformats.org/presentationml/2006/main">
   <p:cSld>
     <p:spTree>
       <p:nvGrpSpPr>
@@ -5704,7 +5847,9 @@
       <p:sp>
         <p:nvSpPr>
           <p:cNvPr id="191" name="Synths are cool"/>
-          <p:cNvSpPr txBox="1"/>
+          <p:cNvSpPr txBox="1">
+            <a:spLocks noGrp="1"/>
+          </p:cNvSpPr>
           <p:nvPr>
             <p:ph type="body" idx="21"/>
           </p:nvPr>
@@ -5715,25 +5860,30 @@
           </a:prstGeom>
           <a:extLst>
             <a:ext uri="{C572A759-6A51-4108-AA02-DFA0A04FC94B}">
-              <ma14:wrappingTextBoxFlag xmlns:ma14="http://schemas.microsoft.com/office/mac/drawingml/2011/main" val="1"/>
+              <ma14:wrappingTextBoxFlag xmlns:ma14="http://schemas.microsoft.com/office/mac/drawingml/2011/main" xmlns:a14="http://schemas.microsoft.com/office/drawing/2010/main" xmlns:m="http://schemas.openxmlformats.org/officeDocument/2006/math" xmlns="" val="1"/>
             </a:ext>
           </a:extLst>
         </p:spPr>
         <p:txBody>
-          <a:bodyPr/>
+          <a:bodyPr>
+            <a:normAutofit lnSpcReduction="10000"/>
+          </a:bodyPr>
           <a:lstStyle/>
           <a:p>
-            <a:pPr/>
-            <a:r>
-              <a:t>Synths are cool</a:t>
-            </a:r>
+            <a:r>
+              <a:rPr lang="cs-CZ" dirty="0"/>
+              <a:t>Syntéza je fajn</a:t>
+            </a:r>
+            <a:endParaRPr dirty="0"/>
           </a:p>
         </p:txBody>
       </p:sp>
       <p:sp>
         <p:nvSpPr>
           <p:cNvPr id="192" name="Thanks for your attention"/>
-          <p:cNvSpPr txBox="1"/>
+          <p:cNvSpPr txBox="1">
+            <a:spLocks noGrp="1"/>
+          </p:cNvSpPr>
           <p:nvPr>
             <p:ph type="body" sz="half" idx="1"/>
           </p:nvPr>
@@ -5747,10 +5897,11 @@
           <a:bodyPr/>
           <a:lstStyle/>
           <a:p>
-            <a:pPr/>
-            <a:r>
-              <a:t>Thanks for your attention</a:t>
-            </a:r>
+            <a:r>
+              <a:rPr lang="cs-CZ" dirty="0"/>
+              <a:t>Děkuji za pozornost</a:t>
+            </a:r>
+            <a:endParaRPr dirty="0"/>
           </a:p>
         </p:txBody>
       </p:sp>
@@ -5759,12 +5910,12 @@
   <p:clrMapOvr>
     <a:masterClrMapping/>
   </p:clrMapOvr>
-  <p:transition xmlns:p14="http://schemas.microsoft.com/office/powerpoint/2010/main" spd="med" advClick="1"/>
+  <p:transition spd="med"/>
 </p:sld>
 </file>
 
 <file path=ppt/theme/theme1.xml><?xml version="1.0" encoding="utf-8"?>
-<a:theme xmlns:a="http://schemas.openxmlformats.org/drawingml/2006/main" xmlns:r="http://schemas.openxmlformats.org/officeDocument/2006/relationships" name="20_BasicBlack">
+<a:theme xmlns:a="http://schemas.openxmlformats.org/drawingml/2006/main" name="20_BasicBlack">
   <a:themeElements>
     <a:clrScheme name="20_BasicBlack">
       <a:dk1>
@@ -5963,7 +6114,7 @@
         <a:effectLst/>
         <a:sp3d/>
       </a:spPr>
-      <a:bodyPr rot="0" spcFirstLastPara="1" vertOverflow="overflow" horzOverflow="overflow" vert="horz" wrap="square" lIns="50800" tIns="50800" rIns="50800" bIns="50800" numCol="1" spcCol="38100" rtlCol="0" anchor="ctr" upright="0">
+      <a:bodyPr rot="0" spcFirstLastPara="1" vertOverflow="overflow" horzOverflow="overflow" vert="horz" wrap="square" lIns="50800" tIns="50800" rIns="50800" bIns="50800" numCol="1" spcCol="38100" rtlCol="0" anchor="ctr">
         <a:spAutoFit/>
       </a:bodyPr>
       <a:lstStyle>
@@ -5982,7 +6133,7 @@
           <a:buFontTx/>
           <a:buNone/>
           <a:tabLst/>
-          <a:defRPr b="0" baseline="0" cap="none" i="0" spc="0" strike="noStrike" sz="3200" u="none" kumimoji="0" normalizeH="0">
+          <a:defRPr kumimoji="0" sz="3200" b="0" i="0" u="none" strike="noStrike" cap="none" spc="0" normalizeH="0" baseline="0">
             <a:ln>
               <a:noFill/>
             </a:ln>
@@ -6012,7 +6163,7 @@
           <a:buFontTx/>
           <a:buNone/>
           <a:tabLst/>
-          <a:defRPr b="0" baseline="0" cap="none" i="0" spc="0" strike="noStrike" sz="1800" u="none" kumimoji="0" normalizeH="0">
+          <a:defRPr kumimoji="0" sz="1800" b="0" i="0" u="none" strike="noStrike" cap="none" spc="0" normalizeH="0" baseline="0">
             <a:ln>
               <a:noFill/>
             </a:ln>
@@ -6038,7 +6189,7 @@
           <a:buFontTx/>
           <a:buNone/>
           <a:tabLst/>
-          <a:defRPr b="0" baseline="0" cap="none" i="0" spc="0" strike="noStrike" sz="1800" u="none" kumimoji="0" normalizeH="0">
+          <a:defRPr kumimoji="0" sz="1800" b="0" i="0" u="none" strike="noStrike" cap="none" spc="0" normalizeH="0" baseline="0">
             <a:ln>
               <a:noFill/>
             </a:ln>
@@ -6064,7 +6215,7 @@
           <a:buFontTx/>
           <a:buNone/>
           <a:tabLst/>
-          <a:defRPr b="0" baseline="0" cap="none" i="0" spc="0" strike="noStrike" sz="1800" u="none" kumimoji="0" normalizeH="0">
+          <a:defRPr kumimoji="0" sz="1800" b="0" i="0" u="none" strike="noStrike" cap="none" spc="0" normalizeH="0" baseline="0">
             <a:ln>
               <a:noFill/>
             </a:ln>
@@ -6090,7 +6241,7 @@
           <a:buFontTx/>
           <a:buNone/>
           <a:tabLst/>
-          <a:defRPr b="0" baseline="0" cap="none" i="0" spc="0" strike="noStrike" sz="1800" u="none" kumimoji="0" normalizeH="0">
+          <a:defRPr kumimoji="0" sz="1800" b="0" i="0" u="none" strike="noStrike" cap="none" spc="0" normalizeH="0" baseline="0">
             <a:ln>
               <a:noFill/>
             </a:ln>
@@ -6116,7 +6267,7 @@
           <a:buFontTx/>
           <a:buNone/>
           <a:tabLst/>
-          <a:defRPr b="0" baseline="0" cap="none" i="0" spc="0" strike="noStrike" sz="1800" u="none" kumimoji="0" normalizeH="0">
+          <a:defRPr kumimoji="0" sz="1800" b="0" i="0" u="none" strike="noStrike" cap="none" spc="0" normalizeH="0" baseline="0">
             <a:ln>
               <a:noFill/>
             </a:ln>
@@ -6142,7 +6293,7 @@
           <a:buFontTx/>
           <a:buNone/>
           <a:tabLst/>
-          <a:defRPr b="0" baseline="0" cap="none" i="0" spc="0" strike="noStrike" sz="1800" u="none" kumimoji="0" normalizeH="0">
+          <a:defRPr kumimoji="0" sz="1800" b="0" i="0" u="none" strike="noStrike" cap="none" spc="0" normalizeH="0" baseline="0">
             <a:ln>
               <a:noFill/>
             </a:ln>
@@ -6168,7 +6319,7 @@
           <a:buFontTx/>
           <a:buNone/>
           <a:tabLst/>
-          <a:defRPr b="0" baseline="0" cap="none" i="0" spc="0" strike="noStrike" sz="1800" u="none" kumimoji="0" normalizeH="0">
+          <a:defRPr kumimoji="0" sz="1800" b="0" i="0" u="none" strike="noStrike" cap="none" spc="0" normalizeH="0" baseline="0">
             <a:ln>
               <a:noFill/>
             </a:ln>
@@ -6194,7 +6345,7 @@
           <a:buFontTx/>
           <a:buNone/>
           <a:tabLst/>
-          <a:defRPr b="0" baseline="0" cap="none" i="0" spc="0" strike="noStrike" sz="1800" u="none" kumimoji="0" normalizeH="0">
+          <a:defRPr kumimoji="0" sz="1800" b="0" i="0" u="none" strike="noStrike" cap="none" spc="0" normalizeH="0" baseline="0">
             <a:ln>
               <a:noFill/>
             </a:ln>
@@ -6220,7 +6371,7 @@
           <a:buFontTx/>
           <a:buNone/>
           <a:tabLst/>
-          <a:defRPr b="0" baseline="0" cap="none" i="0" spc="0" strike="noStrike" sz="1800" u="none" kumimoji="0" normalizeH="0">
+          <a:defRPr kumimoji="0" sz="1800" b="0" i="0" u="none" strike="noStrike" cap="none" spc="0" normalizeH="0" baseline="0">
             <a:ln>
               <a:noFill/>
             </a:ln>
@@ -6233,9 +6384,15 @@
         </a:lvl9pPr>
       </a:lstStyle>
       <a:style>
-        <a:lnRef idx="0"/>
-        <a:fillRef idx="0"/>
-        <a:effectRef idx="0"/>
+        <a:lnRef idx="0">
+          <a:scrgbClr r="0" g="0" b="0"/>
+        </a:lnRef>
+        <a:fillRef idx="0">
+          <a:scrgbClr r="0" g="0" b="0"/>
+        </a:fillRef>
+        <a:effectRef idx="0">
+          <a:scrgbClr r="0" g="0" b="0"/>
+        </a:effectRef>
         <a:fontRef idx="none"/>
       </a:style>
     </a:spDef>
@@ -6252,7 +6409,7 @@
         <a:effectLst/>
         <a:sp3d/>
       </a:spPr>
-      <a:bodyPr rot="0" spcFirstLastPara="1" vertOverflow="overflow" horzOverflow="overflow" vert="horz" wrap="square" lIns="91439" tIns="45719" rIns="91439" bIns="45719" numCol="1" spcCol="38100" rtlCol="0" anchor="t" upright="0">
+      <a:bodyPr rot="0" spcFirstLastPara="1" vertOverflow="overflow" horzOverflow="overflow" vert="horz" wrap="square" lIns="91439" tIns="45719" rIns="91439" bIns="45719" numCol="1" spcCol="38100" rtlCol="0" anchor="t">
         <a:noAutofit/>
       </a:bodyPr>
       <a:lstStyle>
@@ -6271,7 +6428,7 @@
           <a:buFontTx/>
           <a:buNone/>
           <a:tabLst/>
-          <a:defRPr b="0" baseline="0" cap="none" i="0" spc="0" strike="noStrike" sz="1800" u="none" kumimoji="0" normalizeH="0">
+          <a:defRPr kumimoji="0" sz="1800" b="0" i="0" u="none" strike="noStrike" cap="none" spc="0" normalizeH="0" baseline="0">
             <a:ln>
               <a:noFill/>
             </a:ln>
@@ -6297,7 +6454,7 @@
           <a:buFontTx/>
           <a:buNone/>
           <a:tabLst/>
-          <a:defRPr b="0" baseline="0" cap="none" i="0" spc="0" strike="noStrike" sz="1800" u="none" kumimoji="0" normalizeH="0">
+          <a:defRPr kumimoji="0" sz="1800" b="0" i="0" u="none" strike="noStrike" cap="none" spc="0" normalizeH="0" baseline="0">
             <a:ln>
               <a:noFill/>
             </a:ln>
@@ -6323,7 +6480,7 @@
           <a:buFontTx/>
           <a:buNone/>
           <a:tabLst/>
-          <a:defRPr b="0" baseline="0" cap="none" i="0" spc="0" strike="noStrike" sz="1800" u="none" kumimoji="0" normalizeH="0">
+          <a:defRPr kumimoji="0" sz="1800" b="0" i="0" u="none" strike="noStrike" cap="none" spc="0" normalizeH="0" baseline="0">
             <a:ln>
               <a:noFill/>
             </a:ln>
@@ -6349,7 +6506,7 @@
           <a:buFontTx/>
           <a:buNone/>
           <a:tabLst/>
-          <a:defRPr b="0" baseline="0" cap="none" i="0" spc="0" strike="noStrike" sz="1800" u="none" kumimoji="0" normalizeH="0">
+          <a:defRPr kumimoji="0" sz="1800" b="0" i="0" u="none" strike="noStrike" cap="none" spc="0" normalizeH="0" baseline="0">
             <a:ln>
               <a:noFill/>
             </a:ln>
@@ -6375,7 +6532,7 @@
           <a:buFontTx/>
           <a:buNone/>
           <a:tabLst/>
-          <a:defRPr b="0" baseline="0" cap="none" i="0" spc="0" strike="noStrike" sz="1800" u="none" kumimoji="0" normalizeH="0">
+          <a:defRPr kumimoji="0" sz="1800" b="0" i="0" u="none" strike="noStrike" cap="none" spc="0" normalizeH="0" baseline="0">
             <a:ln>
               <a:noFill/>
             </a:ln>
@@ -6401,7 +6558,7 @@
           <a:buFontTx/>
           <a:buNone/>
           <a:tabLst/>
-          <a:defRPr b="0" baseline="0" cap="none" i="0" spc="0" strike="noStrike" sz="1800" u="none" kumimoji="0" normalizeH="0">
+          <a:defRPr kumimoji="0" sz="1800" b="0" i="0" u="none" strike="noStrike" cap="none" spc="0" normalizeH="0" baseline="0">
             <a:ln>
               <a:noFill/>
             </a:ln>
@@ -6427,7 +6584,7 @@
           <a:buFontTx/>
           <a:buNone/>
           <a:tabLst/>
-          <a:defRPr b="0" baseline="0" cap="none" i="0" spc="0" strike="noStrike" sz="1800" u="none" kumimoji="0" normalizeH="0">
+          <a:defRPr kumimoji="0" sz="1800" b="0" i="0" u="none" strike="noStrike" cap="none" spc="0" normalizeH="0" baseline="0">
             <a:ln>
               <a:noFill/>
             </a:ln>
@@ -6453,7 +6610,7 @@
           <a:buFontTx/>
           <a:buNone/>
           <a:tabLst/>
-          <a:defRPr b="0" baseline="0" cap="none" i="0" spc="0" strike="noStrike" sz="1800" u="none" kumimoji="0" normalizeH="0">
+          <a:defRPr kumimoji="0" sz="1800" b="0" i="0" u="none" strike="noStrike" cap="none" spc="0" normalizeH="0" baseline="0">
             <a:ln>
               <a:noFill/>
             </a:ln>
@@ -6479,7 +6636,7 @@
           <a:buFontTx/>
           <a:buNone/>
           <a:tabLst/>
-          <a:defRPr b="0" baseline="0" cap="none" i="0" spc="0" strike="noStrike" sz="1800" u="none" kumimoji="0" normalizeH="0">
+          <a:defRPr kumimoji="0" sz="1800" b="0" i="0" u="none" strike="noStrike" cap="none" spc="0" normalizeH="0" baseline="0">
             <a:ln>
               <a:noFill/>
             </a:ln>
@@ -6505,7 +6662,7 @@
           <a:buFontTx/>
           <a:buNone/>
           <a:tabLst/>
-          <a:defRPr b="0" baseline="0" cap="none" i="0" spc="0" strike="noStrike" sz="1800" u="none" kumimoji="0" normalizeH="0">
+          <a:defRPr kumimoji="0" sz="1800" b="0" i="0" u="none" strike="noStrike" cap="none" spc="0" normalizeH="0" baseline="0">
             <a:ln>
               <a:noFill/>
             </a:ln>
@@ -6518,9 +6675,15 @@
         </a:lvl9pPr>
       </a:lstStyle>
       <a:style>
-        <a:lnRef idx="0"/>
-        <a:fillRef idx="0"/>
-        <a:effectRef idx="0"/>
+        <a:lnRef idx="0">
+          <a:scrgbClr r="0" g="0" b="0"/>
+        </a:lnRef>
+        <a:fillRef idx="0">
+          <a:scrgbClr r="0" g="0" b="0"/>
+        </a:fillRef>
+        <a:effectRef idx="0">
+          <a:scrgbClr r="0" g="0" b="0"/>
+        </a:effectRef>
         <a:fontRef idx="none"/>
       </a:style>
     </a:lnDef>
@@ -6534,7 +6697,7 @@
         <a:effectLst/>
         <a:sp3d/>
       </a:spPr>
-      <a:bodyPr rot="0" spcFirstLastPara="1" vertOverflow="overflow" horzOverflow="overflow" vert="horz" wrap="square" lIns="50800" tIns="50800" rIns="50800" bIns="50800" numCol="1" spcCol="38100" rtlCol="0" anchor="ctr" upright="0">
+      <a:bodyPr rot="0" spcFirstLastPara="1" vertOverflow="overflow" horzOverflow="overflow" vert="horz" wrap="square" lIns="50800" tIns="50800" rIns="50800" bIns="50800" numCol="1" spcCol="38100" rtlCol="0" anchor="ctr">
         <a:spAutoFit/>
       </a:bodyPr>
       <a:lstStyle>
@@ -6553,7 +6716,7 @@
           <a:buFontTx/>
           <a:buNone/>
           <a:tabLst/>
-          <a:defRPr b="0" baseline="0" cap="none" i="0" spc="0" strike="noStrike" sz="2400" u="none" kumimoji="0" normalizeH="0">
+          <a:defRPr kumimoji="0" sz="2400" b="0" i="0" u="none" strike="noStrike" cap="none" spc="0" normalizeH="0" baseline="0">
             <a:ln>
               <a:noFill/>
             </a:ln>
@@ -6583,7 +6746,7 @@
           <a:buFontTx/>
           <a:buNone/>
           <a:tabLst/>
-          <a:defRPr b="0" baseline="0" cap="none" i="0" spc="0" strike="noStrike" sz="1800" u="none" kumimoji="0" normalizeH="0">
+          <a:defRPr kumimoji="0" sz="1800" b="0" i="0" u="none" strike="noStrike" cap="none" spc="0" normalizeH="0" baseline="0">
             <a:ln>
               <a:noFill/>
             </a:ln>
@@ -6609,7 +6772,7 @@
           <a:buFontTx/>
           <a:buNone/>
           <a:tabLst/>
-          <a:defRPr b="0" baseline="0" cap="none" i="0" spc="0" strike="noStrike" sz="1800" u="none" kumimoji="0" normalizeH="0">
+          <a:defRPr kumimoji="0" sz="1800" b="0" i="0" u="none" strike="noStrike" cap="none" spc="0" normalizeH="0" baseline="0">
             <a:ln>
               <a:noFill/>
             </a:ln>
@@ -6635,7 +6798,7 @@
           <a:buFontTx/>
           <a:buNone/>
           <a:tabLst/>
-          <a:defRPr b="0" baseline="0" cap="none" i="0" spc="0" strike="noStrike" sz="1800" u="none" kumimoji="0" normalizeH="0">
+          <a:defRPr kumimoji="0" sz="1800" b="0" i="0" u="none" strike="noStrike" cap="none" spc="0" normalizeH="0" baseline="0">
             <a:ln>
               <a:noFill/>
             </a:ln>
@@ -6661,7 +6824,7 @@
           <a:buFontTx/>
           <a:buNone/>
           <a:tabLst/>
-          <a:defRPr b="0" baseline="0" cap="none" i="0" spc="0" strike="noStrike" sz="1800" u="none" kumimoji="0" normalizeH="0">
+          <a:defRPr kumimoji="0" sz="1800" b="0" i="0" u="none" strike="noStrike" cap="none" spc="0" normalizeH="0" baseline="0">
             <a:ln>
               <a:noFill/>
             </a:ln>
@@ -6687,7 +6850,7 @@
           <a:buFontTx/>
           <a:buNone/>
           <a:tabLst/>
-          <a:defRPr b="0" baseline="0" cap="none" i="0" spc="0" strike="noStrike" sz="1800" u="none" kumimoji="0" normalizeH="0">
+          <a:defRPr kumimoji="0" sz="1800" b="0" i="0" u="none" strike="noStrike" cap="none" spc="0" normalizeH="0" baseline="0">
             <a:ln>
               <a:noFill/>
             </a:ln>
@@ -6713,7 +6876,7 @@
           <a:buFontTx/>
           <a:buNone/>
           <a:tabLst/>
-          <a:defRPr b="0" baseline="0" cap="none" i="0" spc="0" strike="noStrike" sz="1800" u="none" kumimoji="0" normalizeH="0">
+          <a:defRPr kumimoji="0" sz="1800" b="0" i="0" u="none" strike="noStrike" cap="none" spc="0" normalizeH="0" baseline="0">
             <a:ln>
               <a:noFill/>
             </a:ln>
@@ -6739,7 +6902,7 @@
           <a:buFontTx/>
           <a:buNone/>
           <a:tabLst/>
-          <a:defRPr b="0" baseline="0" cap="none" i="0" spc="0" strike="noStrike" sz="1800" u="none" kumimoji="0" normalizeH="0">
+          <a:defRPr kumimoji="0" sz="1800" b="0" i="0" u="none" strike="noStrike" cap="none" spc="0" normalizeH="0" baseline="0">
             <a:ln>
               <a:noFill/>
             </a:ln>
@@ -6765,7 +6928,7 @@
           <a:buFontTx/>
           <a:buNone/>
           <a:tabLst/>
-          <a:defRPr b="0" baseline="0" cap="none" i="0" spc="0" strike="noStrike" sz="1800" u="none" kumimoji="0" normalizeH="0">
+          <a:defRPr kumimoji="0" sz="1800" b="0" i="0" u="none" strike="noStrike" cap="none" spc="0" normalizeH="0" baseline="0">
             <a:ln>
               <a:noFill/>
             </a:ln>
@@ -6791,7 +6954,7 @@
           <a:buFontTx/>
           <a:buNone/>
           <a:tabLst/>
-          <a:defRPr b="0" baseline="0" cap="none" i="0" spc="0" strike="noStrike" sz="1800" u="none" kumimoji="0" normalizeH="0">
+          <a:defRPr kumimoji="0" sz="1800" b="0" i="0" u="none" strike="noStrike" cap="none" spc="0" normalizeH="0" baseline="0">
             <a:ln>
               <a:noFill/>
             </a:ln>
@@ -6804,18 +6967,25 @@
         </a:lvl9pPr>
       </a:lstStyle>
       <a:style>
-        <a:lnRef idx="0"/>
-        <a:fillRef idx="0"/>
-        <a:effectRef idx="0"/>
+        <a:lnRef idx="0">
+          <a:scrgbClr r="0" g="0" b="0"/>
+        </a:lnRef>
+        <a:fillRef idx="0">
+          <a:scrgbClr r="0" g="0" b="0"/>
+        </a:fillRef>
+        <a:effectRef idx="0">
+          <a:scrgbClr r="0" g="0" b="0"/>
+        </a:effectRef>
         <a:fontRef idx="none"/>
       </a:style>
     </a:txDef>
   </a:objectDefaults>
+  <a:extraClrSchemeLst/>
 </a:theme>
 </file>
 
 <file path=ppt/theme/theme2.xml><?xml version="1.0" encoding="utf-8"?>
-<a:theme xmlns:a="http://schemas.openxmlformats.org/drawingml/2006/main" xmlns:r="http://schemas.openxmlformats.org/officeDocument/2006/relationships" name="20_BasicBlack">
+<a:theme xmlns:a="http://schemas.openxmlformats.org/drawingml/2006/main" name="20_BasicBlack">
   <a:themeElements>
     <a:clrScheme name="20_BasicBlack">
       <a:dk1>
@@ -7014,7 +7184,7 @@
         <a:effectLst/>
         <a:sp3d/>
       </a:spPr>
-      <a:bodyPr rot="0" spcFirstLastPara="1" vertOverflow="overflow" horzOverflow="overflow" vert="horz" wrap="square" lIns="50800" tIns="50800" rIns="50800" bIns="50800" numCol="1" spcCol="38100" rtlCol="0" anchor="ctr" upright="0">
+      <a:bodyPr rot="0" spcFirstLastPara="1" vertOverflow="overflow" horzOverflow="overflow" vert="horz" wrap="square" lIns="50800" tIns="50800" rIns="50800" bIns="50800" numCol="1" spcCol="38100" rtlCol="0" anchor="ctr">
         <a:spAutoFit/>
       </a:bodyPr>
       <a:lstStyle>
@@ -7033,7 +7203,7 @@
           <a:buFontTx/>
           <a:buNone/>
           <a:tabLst/>
-          <a:defRPr b="0" baseline="0" cap="none" i="0" spc="0" strike="noStrike" sz="3200" u="none" kumimoji="0" normalizeH="0">
+          <a:defRPr kumimoji="0" sz="3200" b="0" i="0" u="none" strike="noStrike" cap="none" spc="0" normalizeH="0" baseline="0">
             <a:ln>
               <a:noFill/>
             </a:ln>
@@ -7063,7 +7233,7 @@
           <a:buFontTx/>
           <a:buNone/>
           <a:tabLst/>
-          <a:defRPr b="0" baseline="0" cap="none" i="0" spc="0" strike="noStrike" sz="1800" u="none" kumimoji="0" normalizeH="0">
+          <a:defRPr kumimoji="0" sz="1800" b="0" i="0" u="none" strike="noStrike" cap="none" spc="0" normalizeH="0" baseline="0">
             <a:ln>
               <a:noFill/>
             </a:ln>
@@ -7089,7 +7259,7 @@
           <a:buFontTx/>
           <a:buNone/>
           <a:tabLst/>
-          <a:defRPr b="0" baseline="0" cap="none" i="0" spc="0" strike="noStrike" sz="1800" u="none" kumimoji="0" normalizeH="0">
+          <a:defRPr kumimoji="0" sz="1800" b="0" i="0" u="none" strike="noStrike" cap="none" spc="0" normalizeH="0" baseline="0">
             <a:ln>
               <a:noFill/>
             </a:ln>
@@ -7115,7 +7285,7 @@
           <a:buFontTx/>
           <a:buNone/>
           <a:tabLst/>
-          <a:defRPr b="0" baseline="0" cap="none" i="0" spc="0" strike="noStrike" sz="1800" u="none" kumimoji="0" normalizeH="0">
+          <a:defRPr kumimoji="0" sz="1800" b="0" i="0" u="none" strike="noStrike" cap="none" spc="0" normalizeH="0" baseline="0">
             <a:ln>
               <a:noFill/>
             </a:ln>
@@ -7141,7 +7311,7 @@
           <a:buFontTx/>
           <a:buNone/>
           <a:tabLst/>
-          <a:defRPr b="0" baseline="0" cap="none" i="0" spc="0" strike="noStrike" sz="1800" u="none" kumimoji="0" normalizeH="0">
+          <a:defRPr kumimoji="0" sz="1800" b="0" i="0" u="none" strike="noStrike" cap="none" spc="0" normalizeH="0" baseline="0">
             <a:ln>
               <a:noFill/>
             </a:ln>
@@ -7167,7 +7337,7 @@
           <a:buFontTx/>
           <a:buNone/>
           <a:tabLst/>
-          <a:defRPr b="0" baseline="0" cap="none" i="0" spc="0" strike="noStrike" sz="1800" u="none" kumimoji="0" normalizeH="0">
+          <a:defRPr kumimoji="0" sz="1800" b="0" i="0" u="none" strike="noStrike" cap="none" spc="0" normalizeH="0" baseline="0">
             <a:ln>
               <a:noFill/>
             </a:ln>
@@ -7193,7 +7363,7 @@
           <a:buFontTx/>
           <a:buNone/>
           <a:tabLst/>
-          <a:defRPr b="0" baseline="0" cap="none" i="0" spc="0" strike="noStrike" sz="1800" u="none" kumimoji="0" normalizeH="0">
+          <a:defRPr kumimoji="0" sz="1800" b="0" i="0" u="none" strike="noStrike" cap="none" spc="0" normalizeH="0" baseline="0">
             <a:ln>
               <a:noFill/>
             </a:ln>
@@ -7219,7 +7389,7 @@
           <a:buFontTx/>
           <a:buNone/>
           <a:tabLst/>
-          <a:defRPr b="0" baseline="0" cap="none" i="0" spc="0" strike="noStrike" sz="1800" u="none" kumimoji="0" normalizeH="0">
+          <a:defRPr kumimoji="0" sz="1800" b="0" i="0" u="none" strike="noStrike" cap="none" spc="0" normalizeH="0" baseline="0">
             <a:ln>
               <a:noFill/>
             </a:ln>
@@ -7245,7 +7415,7 @@
           <a:buFontTx/>
           <a:buNone/>
           <a:tabLst/>
-          <a:defRPr b="0" baseline="0" cap="none" i="0" spc="0" strike="noStrike" sz="1800" u="none" kumimoji="0" normalizeH="0">
+          <a:defRPr kumimoji="0" sz="1800" b="0" i="0" u="none" strike="noStrike" cap="none" spc="0" normalizeH="0" baseline="0">
             <a:ln>
               <a:noFill/>
             </a:ln>
@@ -7271,7 +7441,7 @@
           <a:buFontTx/>
           <a:buNone/>
           <a:tabLst/>
-          <a:defRPr b="0" baseline="0" cap="none" i="0" spc="0" strike="noStrike" sz="1800" u="none" kumimoji="0" normalizeH="0">
+          <a:defRPr kumimoji="0" sz="1800" b="0" i="0" u="none" strike="noStrike" cap="none" spc="0" normalizeH="0" baseline="0">
             <a:ln>
               <a:noFill/>
             </a:ln>
@@ -7284,9 +7454,15 @@
         </a:lvl9pPr>
       </a:lstStyle>
       <a:style>
-        <a:lnRef idx="0"/>
-        <a:fillRef idx="0"/>
-        <a:effectRef idx="0"/>
+        <a:lnRef idx="0">
+          <a:scrgbClr r="0" g="0" b="0"/>
+        </a:lnRef>
+        <a:fillRef idx="0">
+          <a:scrgbClr r="0" g="0" b="0"/>
+        </a:fillRef>
+        <a:effectRef idx="0">
+          <a:scrgbClr r="0" g="0" b="0"/>
+        </a:effectRef>
         <a:fontRef idx="none"/>
       </a:style>
     </a:spDef>
@@ -7303,7 +7479,7 @@
         <a:effectLst/>
         <a:sp3d/>
       </a:spPr>
-      <a:bodyPr rot="0" spcFirstLastPara="1" vertOverflow="overflow" horzOverflow="overflow" vert="horz" wrap="square" lIns="91439" tIns="45719" rIns="91439" bIns="45719" numCol="1" spcCol="38100" rtlCol="0" anchor="t" upright="0">
+      <a:bodyPr rot="0" spcFirstLastPara="1" vertOverflow="overflow" horzOverflow="overflow" vert="horz" wrap="square" lIns="91439" tIns="45719" rIns="91439" bIns="45719" numCol="1" spcCol="38100" rtlCol="0" anchor="t">
         <a:noAutofit/>
       </a:bodyPr>
       <a:lstStyle>
@@ -7322,7 +7498,7 @@
           <a:buFontTx/>
           <a:buNone/>
           <a:tabLst/>
-          <a:defRPr b="0" baseline="0" cap="none" i="0" spc="0" strike="noStrike" sz="1800" u="none" kumimoji="0" normalizeH="0">
+          <a:defRPr kumimoji="0" sz="1800" b="0" i="0" u="none" strike="noStrike" cap="none" spc="0" normalizeH="0" baseline="0">
             <a:ln>
               <a:noFill/>
             </a:ln>
@@ -7348,7 +7524,7 @@
           <a:buFontTx/>
           <a:buNone/>
           <a:tabLst/>
-          <a:defRPr b="0" baseline="0" cap="none" i="0" spc="0" strike="noStrike" sz="1800" u="none" kumimoji="0" normalizeH="0">
+          <a:defRPr kumimoji="0" sz="1800" b="0" i="0" u="none" strike="noStrike" cap="none" spc="0" normalizeH="0" baseline="0">
             <a:ln>
               <a:noFill/>
             </a:ln>
@@ -7374,7 +7550,7 @@
           <a:buFontTx/>
           <a:buNone/>
           <a:tabLst/>
-          <a:defRPr b="0" baseline="0" cap="none" i="0" spc="0" strike="noStrike" sz="1800" u="none" kumimoji="0" normalizeH="0">
+          <a:defRPr kumimoji="0" sz="1800" b="0" i="0" u="none" strike="noStrike" cap="none" spc="0" normalizeH="0" baseline="0">
             <a:ln>
               <a:noFill/>
             </a:ln>
@@ -7400,7 +7576,7 @@
           <a:buFontTx/>
           <a:buNone/>
           <a:tabLst/>
-          <a:defRPr b="0" baseline="0" cap="none" i="0" spc="0" strike="noStrike" sz="1800" u="none" kumimoji="0" normalizeH="0">
+          <a:defRPr kumimoji="0" sz="1800" b="0" i="0" u="none" strike="noStrike" cap="none" spc="0" normalizeH="0" baseline="0">
             <a:ln>
               <a:noFill/>
             </a:ln>
@@ -7426,7 +7602,7 @@
           <a:buFontTx/>
           <a:buNone/>
           <a:tabLst/>
-          <a:defRPr b="0" baseline="0" cap="none" i="0" spc="0" strike="noStrike" sz="1800" u="none" kumimoji="0" normalizeH="0">
+          <a:defRPr kumimoji="0" sz="1800" b="0" i="0" u="none" strike="noStrike" cap="none" spc="0" normalizeH="0" baseline="0">
             <a:ln>
               <a:noFill/>
             </a:ln>
@@ -7452,7 +7628,7 @@
           <a:buFontTx/>
           <a:buNone/>
           <a:tabLst/>
-          <a:defRPr b="0" baseline="0" cap="none" i="0" spc="0" strike="noStrike" sz="1800" u="none" kumimoji="0" normalizeH="0">
+          <a:defRPr kumimoji="0" sz="1800" b="0" i="0" u="none" strike="noStrike" cap="none" spc="0" normalizeH="0" baseline="0">
             <a:ln>
               <a:noFill/>
             </a:ln>
@@ -7478,7 +7654,7 @@
           <a:buFontTx/>
           <a:buNone/>
           <a:tabLst/>
-          <a:defRPr b="0" baseline="0" cap="none" i="0" spc="0" strike="noStrike" sz="1800" u="none" kumimoji="0" normalizeH="0">
+          <a:defRPr kumimoji="0" sz="1800" b="0" i="0" u="none" strike="noStrike" cap="none" spc="0" normalizeH="0" baseline="0">
             <a:ln>
               <a:noFill/>
             </a:ln>
@@ -7504,7 +7680,7 @@
           <a:buFontTx/>
           <a:buNone/>
           <a:tabLst/>
-          <a:defRPr b="0" baseline="0" cap="none" i="0" spc="0" strike="noStrike" sz="1800" u="none" kumimoji="0" normalizeH="0">
+          <a:defRPr kumimoji="0" sz="1800" b="0" i="0" u="none" strike="noStrike" cap="none" spc="0" normalizeH="0" baseline="0">
             <a:ln>
               <a:noFill/>
             </a:ln>
@@ -7530,7 +7706,7 @@
           <a:buFontTx/>
           <a:buNone/>
           <a:tabLst/>
-          <a:defRPr b="0" baseline="0" cap="none" i="0" spc="0" strike="noStrike" sz="1800" u="none" kumimoji="0" normalizeH="0">
+          <a:defRPr kumimoji="0" sz="1800" b="0" i="0" u="none" strike="noStrike" cap="none" spc="0" normalizeH="0" baseline="0">
             <a:ln>
               <a:noFill/>
             </a:ln>
@@ -7556,7 +7732,7 @@
           <a:buFontTx/>
           <a:buNone/>
           <a:tabLst/>
-          <a:defRPr b="0" baseline="0" cap="none" i="0" spc="0" strike="noStrike" sz="1800" u="none" kumimoji="0" normalizeH="0">
+          <a:defRPr kumimoji="0" sz="1800" b="0" i="0" u="none" strike="noStrike" cap="none" spc="0" normalizeH="0" baseline="0">
             <a:ln>
               <a:noFill/>
             </a:ln>
@@ -7569,9 +7745,15 @@
         </a:lvl9pPr>
       </a:lstStyle>
       <a:style>
-        <a:lnRef idx="0"/>
-        <a:fillRef idx="0"/>
-        <a:effectRef idx="0"/>
+        <a:lnRef idx="0">
+          <a:scrgbClr r="0" g="0" b="0"/>
+        </a:lnRef>
+        <a:fillRef idx="0">
+          <a:scrgbClr r="0" g="0" b="0"/>
+        </a:fillRef>
+        <a:effectRef idx="0">
+          <a:scrgbClr r="0" g="0" b="0"/>
+        </a:effectRef>
         <a:fontRef idx="none"/>
       </a:style>
     </a:lnDef>
@@ -7585,7 +7767,7 @@
         <a:effectLst/>
         <a:sp3d/>
       </a:spPr>
-      <a:bodyPr rot="0" spcFirstLastPara="1" vertOverflow="overflow" horzOverflow="overflow" vert="horz" wrap="square" lIns="50800" tIns="50800" rIns="50800" bIns="50800" numCol="1" spcCol="38100" rtlCol="0" anchor="ctr" upright="0">
+      <a:bodyPr rot="0" spcFirstLastPara="1" vertOverflow="overflow" horzOverflow="overflow" vert="horz" wrap="square" lIns="50800" tIns="50800" rIns="50800" bIns="50800" numCol="1" spcCol="38100" rtlCol="0" anchor="ctr">
         <a:spAutoFit/>
       </a:bodyPr>
       <a:lstStyle>
@@ -7604,7 +7786,7 @@
           <a:buFontTx/>
           <a:buNone/>
           <a:tabLst/>
-          <a:defRPr b="0" baseline="0" cap="none" i="0" spc="0" strike="noStrike" sz="2400" u="none" kumimoji="0" normalizeH="0">
+          <a:defRPr kumimoji="0" sz="2400" b="0" i="0" u="none" strike="noStrike" cap="none" spc="0" normalizeH="0" baseline="0">
             <a:ln>
               <a:noFill/>
             </a:ln>
@@ -7634,7 +7816,7 @@
           <a:buFontTx/>
           <a:buNone/>
           <a:tabLst/>
-          <a:defRPr b="0" baseline="0" cap="none" i="0" spc="0" strike="noStrike" sz="1800" u="none" kumimoji="0" normalizeH="0">
+          <a:defRPr kumimoji="0" sz="1800" b="0" i="0" u="none" strike="noStrike" cap="none" spc="0" normalizeH="0" baseline="0">
             <a:ln>
               <a:noFill/>
             </a:ln>
@@ -7660,7 +7842,7 @@
           <a:buFontTx/>
           <a:buNone/>
           <a:tabLst/>
-          <a:defRPr b="0" baseline="0" cap="none" i="0" spc="0" strike="noStrike" sz="1800" u="none" kumimoji="0" normalizeH="0">
+          <a:defRPr kumimoji="0" sz="1800" b="0" i="0" u="none" strike="noStrike" cap="none" spc="0" normalizeH="0" baseline="0">
             <a:ln>
               <a:noFill/>
             </a:ln>
@@ -7686,7 +7868,7 @@
           <a:buFontTx/>
           <a:buNone/>
           <a:tabLst/>
-          <a:defRPr b="0" baseline="0" cap="none" i="0" spc="0" strike="noStrike" sz="1800" u="none" kumimoji="0" normalizeH="0">
+          <a:defRPr kumimoji="0" sz="1800" b="0" i="0" u="none" strike="noStrike" cap="none" spc="0" normalizeH="0" baseline="0">
             <a:ln>
               <a:noFill/>
             </a:ln>
@@ -7712,7 +7894,7 @@
           <a:buFontTx/>
           <a:buNone/>
           <a:tabLst/>
-          <a:defRPr b="0" baseline="0" cap="none" i="0" spc="0" strike="noStrike" sz="1800" u="none" kumimoji="0" normalizeH="0">
+          <a:defRPr kumimoji="0" sz="1800" b="0" i="0" u="none" strike="noStrike" cap="none" spc="0" normalizeH="0" baseline="0">
             <a:ln>
               <a:noFill/>
             </a:ln>
@@ -7738,7 +7920,7 @@
           <a:buFontTx/>
           <a:buNone/>
           <a:tabLst/>
-          <a:defRPr b="0" baseline="0" cap="none" i="0" spc="0" strike="noStrike" sz="1800" u="none" kumimoji="0" normalizeH="0">
+          <a:defRPr kumimoji="0" sz="1800" b="0" i="0" u="none" strike="noStrike" cap="none" spc="0" normalizeH="0" baseline="0">
             <a:ln>
               <a:noFill/>
             </a:ln>
@@ -7764,7 +7946,7 @@
           <a:buFontTx/>
           <a:buNone/>
           <a:tabLst/>
-          <a:defRPr b="0" baseline="0" cap="none" i="0" spc="0" strike="noStrike" sz="1800" u="none" kumimoji="0" normalizeH="0">
+          <a:defRPr kumimoji="0" sz="1800" b="0" i="0" u="none" strike="noStrike" cap="none" spc="0" normalizeH="0" baseline="0">
             <a:ln>
               <a:noFill/>
             </a:ln>
@@ -7790,7 +7972,7 @@
           <a:buFontTx/>
           <a:buNone/>
           <a:tabLst/>
-          <a:defRPr b="0" baseline="0" cap="none" i="0" spc="0" strike="noStrike" sz="1800" u="none" kumimoji="0" normalizeH="0">
+          <a:defRPr kumimoji="0" sz="1800" b="0" i="0" u="none" strike="noStrike" cap="none" spc="0" normalizeH="0" baseline="0">
             <a:ln>
               <a:noFill/>
             </a:ln>
@@ -7816,7 +7998,7 @@
           <a:buFontTx/>
           <a:buNone/>
           <a:tabLst/>
-          <a:defRPr b="0" baseline="0" cap="none" i="0" spc="0" strike="noStrike" sz="1800" u="none" kumimoji="0" normalizeH="0">
+          <a:defRPr kumimoji="0" sz="1800" b="0" i="0" u="none" strike="noStrike" cap="none" spc="0" normalizeH="0" baseline="0">
             <a:ln>
               <a:noFill/>
             </a:ln>
@@ -7842,7 +8024,7 @@
           <a:buFontTx/>
           <a:buNone/>
           <a:tabLst/>
-          <a:defRPr b="0" baseline="0" cap="none" i="0" spc="0" strike="noStrike" sz="1800" u="none" kumimoji="0" normalizeH="0">
+          <a:defRPr kumimoji="0" sz="1800" b="0" i="0" u="none" strike="noStrike" cap="none" spc="0" normalizeH="0" baseline="0">
             <a:ln>
               <a:noFill/>
             </a:ln>
@@ -7855,12 +8037,19 @@
         </a:lvl9pPr>
       </a:lstStyle>
       <a:style>
-        <a:lnRef idx="0"/>
-        <a:fillRef idx="0"/>
-        <a:effectRef idx="0"/>
+        <a:lnRef idx="0">
+          <a:scrgbClr r="0" g="0" b="0"/>
+        </a:lnRef>
+        <a:fillRef idx="0">
+          <a:scrgbClr r="0" g="0" b="0"/>
+        </a:fillRef>
+        <a:effectRef idx="0">
+          <a:scrgbClr r="0" g="0" b="0"/>
+        </a:effectRef>
         <a:fontRef idx="none"/>
       </a:style>
     </a:txDef>
   </a:objectDefaults>
+  <a:extraClrSchemeLst/>
 </a:theme>
 </file>